--- a/[데이터분석]타이타닉_자료정리.pptx
+++ b/[데이터분석]타이타닉_자료정리.pptx
@@ -8,6 +8,12 @@
     <p:sldId id="256" r:id="rId2"/>
     <p:sldId id="257" r:id="rId3"/>
     <p:sldId id="258" r:id="rId4"/>
+    <p:sldId id="259" r:id="rId5"/>
+    <p:sldId id="260" r:id="rId6"/>
+    <p:sldId id="261" r:id="rId7"/>
+    <p:sldId id="262" r:id="rId8"/>
+    <p:sldId id="263" r:id="rId9"/>
+    <p:sldId id="264" r:id="rId10"/>
   </p:sldIdLst>
   <p:sldSz cx="12192000" cy="6858000"/>
   <p:notesSz cx="6858000" cy="9144000"/>
@@ -106,6 +112,32 @@
       </a:defRPr>
     </a:lvl9pPr>
   </p:defaultTextStyle>
+  <p:extLst>
+    <p:ext uri="{521415D9-36F7-43E2-AB2F-B90AF26B5E84}">
+      <p14:sectionLst xmlns:p14="http://schemas.microsoft.com/office/powerpoint/2010/main">
+        <p14:section name="기본 구역" id="{F522153D-EF64-4FAC-BBC3-18CF6973EEFB}">
+          <p14:sldIdLst>
+            <p14:sldId id="256"/>
+            <p14:sldId id="257"/>
+            <p14:sldId id="258"/>
+          </p14:sldIdLst>
+        </p14:section>
+        <p14:section name="Titanic" id="{480C546D-9A05-4E65-9980-AB849BD23033}">
+          <p14:sldIdLst>
+            <p14:sldId id="259"/>
+            <p14:sldId id="260"/>
+            <p14:sldId id="261"/>
+            <p14:sldId id="262"/>
+            <p14:sldId id="263"/>
+            <p14:sldId id="264"/>
+          </p14:sldIdLst>
+        </p14:section>
+      </p14:sectionLst>
+    </p:ext>
+    <p:ext uri="{EFAFB233-063F-42B5-8137-9DF3F51BA10A}">
+      <p15:sldGuideLst xmlns:p15="http://schemas.microsoft.com/office/powerpoint/2012/main"/>
+    </p:ext>
+  </p:extLst>
 </p:presentation>
 </file>
 
@@ -256,7 +288,7 @@
           <a:p>
             <a:fld id="{C53D6AD0-4E30-4CE5-B93A-D2A0A84BB542}" type="datetimeFigureOut">
               <a:rPr lang="ko-KR" altLang="en-US" smtClean="0"/>
-              <a:t>2022-04-17</a:t>
+              <a:t>2022-04-19</a:t>
             </a:fld>
             <a:endParaRPr lang="ko-KR" altLang="en-US"/>
           </a:p>
@@ -454,7 +486,7 @@
           <a:p>
             <a:fld id="{C53D6AD0-4E30-4CE5-B93A-D2A0A84BB542}" type="datetimeFigureOut">
               <a:rPr lang="ko-KR" altLang="en-US" smtClean="0"/>
-              <a:t>2022-04-17</a:t>
+              <a:t>2022-04-19</a:t>
             </a:fld>
             <a:endParaRPr lang="ko-KR" altLang="en-US"/>
           </a:p>
@@ -662,7 +694,7 @@
           <a:p>
             <a:fld id="{C53D6AD0-4E30-4CE5-B93A-D2A0A84BB542}" type="datetimeFigureOut">
               <a:rPr lang="ko-KR" altLang="en-US" smtClean="0"/>
-              <a:t>2022-04-17</a:t>
+              <a:t>2022-04-19</a:t>
             </a:fld>
             <a:endParaRPr lang="ko-KR" altLang="en-US"/>
           </a:p>
@@ -860,7 +892,7 @@
           <a:p>
             <a:fld id="{C53D6AD0-4E30-4CE5-B93A-D2A0A84BB542}" type="datetimeFigureOut">
               <a:rPr lang="ko-KR" altLang="en-US" smtClean="0"/>
-              <a:t>2022-04-17</a:t>
+              <a:t>2022-04-19</a:t>
             </a:fld>
             <a:endParaRPr lang="ko-KR" altLang="en-US"/>
           </a:p>
@@ -1135,7 +1167,7 @@
           <a:p>
             <a:fld id="{C53D6AD0-4E30-4CE5-B93A-D2A0A84BB542}" type="datetimeFigureOut">
               <a:rPr lang="ko-KR" altLang="en-US" smtClean="0"/>
-              <a:t>2022-04-17</a:t>
+              <a:t>2022-04-19</a:t>
             </a:fld>
             <a:endParaRPr lang="ko-KR" altLang="en-US"/>
           </a:p>
@@ -1400,7 +1432,7 @@
           <a:p>
             <a:fld id="{C53D6AD0-4E30-4CE5-B93A-D2A0A84BB542}" type="datetimeFigureOut">
               <a:rPr lang="ko-KR" altLang="en-US" smtClean="0"/>
-              <a:t>2022-04-17</a:t>
+              <a:t>2022-04-19</a:t>
             </a:fld>
             <a:endParaRPr lang="ko-KR" altLang="en-US"/>
           </a:p>
@@ -1812,7 +1844,7 @@
           <a:p>
             <a:fld id="{C53D6AD0-4E30-4CE5-B93A-D2A0A84BB542}" type="datetimeFigureOut">
               <a:rPr lang="ko-KR" altLang="en-US" smtClean="0"/>
-              <a:t>2022-04-17</a:t>
+              <a:t>2022-04-19</a:t>
             </a:fld>
             <a:endParaRPr lang="ko-KR" altLang="en-US"/>
           </a:p>
@@ -1953,7 +1985,7 @@
           <a:p>
             <a:fld id="{C53D6AD0-4E30-4CE5-B93A-D2A0A84BB542}" type="datetimeFigureOut">
               <a:rPr lang="ko-KR" altLang="en-US" smtClean="0"/>
-              <a:t>2022-04-17</a:t>
+              <a:t>2022-04-19</a:t>
             </a:fld>
             <a:endParaRPr lang="ko-KR" altLang="en-US"/>
           </a:p>
@@ -2066,7 +2098,7 @@
           <a:p>
             <a:fld id="{C53D6AD0-4E30-4CE5-B93A-D2A0A84BB542}" type="datetimeFigureOut">
               <a:rPr lang="ko-KR" altLang="en-US" smtClean="0"/>
-              <a:t>2022-04-17</a:t>
+              <a:t>2022-04-19</a:t>
             </a:fld>
             <a:endParaRPr lang="ko-KR" altLang="en-US"/>
           </a:p>
@@ -2377,7 +2409,7 @@
           <a:p>
             <a:fld id="{C53D6AD0-4E30-4CE5-B93A-D2A0A84BB542}" type="datetimeFigureOut">
               <a:rPr lang="ko-KR" altLang="en-US" smtClean="0"/>
-              <a:t>2022-04-17</a:t>
+              <a:t>2022-04-19</a:t>
             </a:fld>
             <a:endParaRPr lang="ko-KR" altLang="en-US"/>
           </a:p>
@@ -2665,7 +2697,7 @@
           <a:p>
             <a:fld id="{C53D6AD0-4E30-4CE5-B93A-D2A0A84BB542}" type="datetimeFigureOut">
               <a:rPr lang="ko-KR" altLang="en-US" smtClean="0"/>
-              <a:t>2022-04-17</a:t>
+              <a:t>2022-04-19</a:t>
             </a:fld>
             <a:endParaRPr lang="ko-KR" altLang="en-US"/>
           </a:p>
@@ -2906,7 +2938,7 @@
           <a:p>
             <a:fld id="{C53D6AD0-4E30-4CE5-B93A-D2A0A84BB542}" type="datetimeFigureOut">
               <a:rPr lang="ko-KR" altLang="en-US" smtClean="0"/>
-              <a:t>2022-04-17</a:t>
+              <a:t>2022-04-19</a:t>
             </a:fld>
             <a:endParaRPr lang="ko-KR" altLang="en-US"/>
           </a:p>
@@ -3641,6 +3673,688 @@
 </p:sld>
 </file>
 
+<file path=ppt/slides/slide4.xml><?xml version="1.0" encoding="utf-8"?>
+<p:sld xmlns:a="http://schemas.openxmlformats.org/drawingml/2006/main" xmlns:r="http://schemas.openxmlformats.org/officeDocument/2006/relationships" xmlns:p="http://schemas.openxmlformats.org/presentationml/2006/main">
+  <p:cSld>
+    <p:bg>
+      <p:bgPr>
+        <a:solidFill>
+          <a:schemeClr val="tx1"/>
+        </a:solidFill>
+        <a:effectLst/>
+      </p:bgPr>
+    </p:bg>
+    <p:spTree>
+      <p:nvGrpSpPr>
+        <p:cNvPr id="1" name=""/>
+        <p:cNvGrpSpPr/>
+        <p:nvPr/>
+      </p:nvGrpSpPr>
+      <p:grpSpPr>
+        <a:xfrm>
+          <a:off x="0" y="0"/>
+          <a:ext cx="0" cy="0"/>
+          <a:chOff x="0" y="0"/>
+          <a:chExt cx="0" cy="0"/>
+        </a:xfrm>
+      </p:grpSpPr>
+      <p:pic>
+        <p:nvPicPr>
+          <p:cNvPr id="12" name="그림 11">
+            <a:extLst>
+              <a:ext uri="{FF2B5EF4-FFF2-40B4-BE49-F238E27FC236}">
+                <a16:creationId xmlns:a16="http://schemas.microsoft.com/office/drawing/2014/main" id="{C76C2B16-DC06-403A-8BC9-2E2C5D89B58A}"/>
+              </a:ext>
+            </a:extLst>
+          </p:cNvPr>
+          <p:cNvPicPr>
+            <a:picLocks noChangeAspect="1"/>
+          </p:cNvPicPr>
+          <p:nvPr/>
+        </p:nvPicPr>
+        <p:blipFill>
+          <a:blip r:embed="rId2">
+            <a:extLst>
+              <a:ext uri="{BEBA8EAE-BF5A-486C-A8C5-ECC9F3942E4B}">
+                <a14:imgProps xmlns:a14="http://schemas.microsoft.com/office/drawing/2010/main">
+                  <a14:imgLayer r:embed="rId3">
+                    <a14:imgEffect>
+                      <a14:sharpenSoften amount="-10000"/>
+                    </a14:imgEffect>
+                    <a14:imgEffect>
+                      <a14:saturation sat="96000"/>
+                    </a14:imgEffect>
+                  </a14:imgLayer>
+                </a14:imgProps>
+              </a:ext>
+            </a:extLst>
+          </a:blip>
+          <a:stretch>
+            <a:fillRect/>
+          </a:stretch>
+        </p:blipFill>
+        <p:spPr>
+          <a:xfrm>
+            <a:off x="0" y="-33228"/>
+            <a:ext cx="12192000" cy="6891228"/>
+          </a:xfrm>
+          <a:prstGeom prst="rect">
+            <a:avLst/>
+          </a:prstGeom>
+          <a:noFill/>
+        </p:spPr>
+      </p:pic>
+      <p:sp>
+        <p:nvSpPr>
+          <p:cNvPr id="11" name="직사각형 10">
+            <a:extLst>
+              <a:ext uri="{FF2B5EF4-FFF2-40B4-BE49-F238E27FC236}">
+                <a16:creationId xmlns:a16="http://schemas.microsoft.com/office/drawing/2014/main" id="{22709037-8CB6-46DE-9F3A-1F30C7917383}"/>
+              </a:ext>
+            </a:extLst>
+          </p:cNvPr>
+          <p:cNvSpPr/>
+          <p:nvPr/>
+        </p:nvSpPr>
+        <p:spPr>
+          <a:xfrm>
+            <a:off x="0" y="-33227"/>
+            <a:ext cx="12191999" cy="6891228"/>
+          </a:xfrm>
+          <a:prstGeom prst="rect">
+            <a:avLst/>
+          </a:prstGeom>
+          <a:solidFill>
+            <a:schemeClr val="tx1">
+              <a:alpha val="83000"/>
+            </a:schemeClr>
+          </a:solidFill>
+          <a:ln>
+            <a:noFill/>
+          </a:ln>
+        </p:spPr>
+        <p:style>
+          <a:lnRef idx="2">
+            <a:schemeClr val="accent1">
+              <a:shade val="50000"/>
+            </a:schemeClr>
+          </a:lnRef>
+          <a:fillRef idx="1">
+            <a:schemeClr val="accent1"/>
+          </a:fillRef>
+          <a:effectRef idx="0">
+            <a:schemeClr val="accent1"/>
+          </a:effectRef>
+          <a:fontRef idx="minor">
+            <a:schemeClr val="lt1"/>
+          </a:fontRef>
+        </p:style>
+        <p:txBody>
+          <a:bodyPr rtlCol="0" anchor="ctr"/>
+          <a:lstStyle/>
+          <a:p>
+            <a:pPr algn="ctr"/>
+            <a:endParaRPr lang="ko-KR" altLang="en-US"/>
+          </a:p>
+        </p:txBody>
+      </p:sp>
+      <p:sp>
+        <p:nvSpPr>
+          <p:cNvPr id="13" name="직사각형 12">
+            <a:extLst>
+              <a:ext uri="{FF2B5EF4-FFF2-40B4-BE49-F238E27FC236}">
+                <a16:creationId xmlns:a16="http://schemas.microsoft.com/office/drawing/2014/main" id="{0B4C6E65-38E4-473A-8ED1-DDF1226292AB}"/>
+              </a:ext>
+            </a:extLst>
+          </p:cNvPr>
+          <p:cNvSpPr/>
+          <p:nvPr/>
+        </p:nvSpPr>
+        <p:spPr>
+          <a:xfrm>
+            <a:off x="0" y="2447260"/>
+            <a:ext cx="12191999" cy="1963480"/>
+          </a:xfrm>
+          <a:prstGeom prst="rect">
+            <a:avLst/>
+          </a:prstGeom>
+          <a:solidFill>
+            <a:schemeClr val="bg1">
+              <a:alpha val="13000"/>
+            </a:schemeClr>
+          </a:solidFill>
+          <a:ln>
+            <a:noFill/>
+          </a:ln>
+        </p:spPr>
+        <p:style>
+          <a:lnRef idx="2">
+            <a:schemeClr val="accent1">
+              <a:shade val="50000"/>
+            </a:schemeClr>
+          </a:lnRef>
+          <a:fillRef idx="1">
+            <a:schemeClr val="accent1"/>
+          </a:fillRef>
+          <a:effectRef idx="0">
+            <a:schemeClr val="accent1"/>
+          </a:effectRef>
+          <a:fontRef idx="minor">
+            <a:schemeClr val="lt1"/>
+          </a:fontRef>
+        </p:style>
+        <p:txBody>
+          <a:bodyPr rtlCol="0" anchor="ctr"/>
+          <a:lstStyle/>
+          <a:p>
+            <a:pPr algn="ctr"/>
+            <a:endParaRPr lang="ko-KR" altLang="en-US"/>
+          </a:p>
+        </p:txBody>
+      </p:sp>
+      <p:sp>
+        <p:nvSpPr>
+          <p:cNvPr id="2" name="제목 1">
+            <a:extLst>
+              <a:ext uri="{FF2B5EF4-FFF2-40B4-BE49-F238E27FC236}">
+                <a16:creationId xmlns:a16="http://schemas.microsoft.com/office/drawing/2014/main" id="{A5634A6D-2162-4E47-8E53-D70EC11663F1}"/>
+              </a:ext>
+            </a:extLst>
+          </p:cNvPr>
+          <p:cNvSpPr>
+            <a:spLocks noGrp="1"/>
+          </p:cNvSpPr>
+          <p:nvPr>
+            <p:ph type="title"/>
+          </p:nvPr>
+        </p:nvSpPr>
+        <p:spPr>
+          <a:xfrm>
+            <a:off x="789844" y="1929718"/>
+            <a:ext cx="4792249" cy="2965336"/>
+          </a:xfrm>
+        </p:spPr>
+        <p:txBody>
+          <a:bodyPr>
+            <a:normAutofit/>
+          </a:bodyPr>
+          <a:lstStyle/>
+          <a:p>
+            <a:r>
+              <a:rPr lang="en-US" altLang="ko-KR" sz="6000" dirty="0">
+                <a:solidFill>
+                  <a:schemeClr val="bg1"/>
+                </a:solidFill>
+                <a:latin typeface="Bodoni MT" panose="02070603080606020203" pitchFamily="18" charset="0"/>
+                <a:ea typeface="LG스마트체 Regular" panose="020B0600000101010101" pitchFamily="50" charset="-127"/>
+              </a:rPr>
+              <a:t>TITANIC</a:t>
+            </a:r>
+            <a:br>
+              <a:rPr lang="en-US" altLang="ko-KR" sz="3600" dirty="0">
+                <a:solidFill>
+                  <a:schemeClr val="bg1"/>
+                </a:solidFill>
+                <a:latin typeface="Arial Narrow" panose="020B0606020202030204" pitchFamily="34" charset="0"/>
+                <a:ea typeface="LG스마트체 Regular" panose="020B0600000101010101" pitchFamily="50" charset="-127"/>
+              </a:rPr>
+            </a:br>
+            <a:r>
+              <a:rPr lang="ko-KR" altLang="en-US" sz="3600" dirty="0">
+                <a:solidFill>
+                  <a:schemeClr val="bg1"/>
+                </a:solidFill>
+                <a:latin typeface="Arial Narrow" panose="020B0606020202030204" pitchFamily="34" charset="0"/>
+                <a:ea typeface="LG스마트체 Regular" panose="020B0600000101010101" pitchFamily="50" charset="-127"/>
+              </a:rPr>
+              <a:t>생존자 예측 분석</a:t>
+            </a:r>
+          </a:p>
+        </p:txBody>
+      </p:sp>
+    </p:spTree>
+    <p:extLst>
+      <p:ext uri="{BB962C8B-B14F-4D97-AF65-F5344CB8AC3E}">
+        <p14:creationId xmlns:p14="http://schemas.microsoft.com/office/powerpoint/2010/main" val="3517078115"/>
+      </p:ext>
+    </p:extLst>
+  </p:cSld>
+  <p:clrMapOvr>
+    <a:masterClrMapping/>
+  </p:clrMapOvr>
+</p:sld>
+</file>
+
+<file path=ppt/slides/slide5.xml><?xml version="1.0" encoding="utf-8"?>
+<p:sld xmlns:a="http://schemas.openxmlformats.org/drawingml/2006/main" xmlns:r="http://schemas.openxmlformats.org/officeDocument/2006/relationships" xmlns:p="http://schemas.openxmlformats.org/presentationml/2006/main">
+  <p:cSld>
+    <p:bg>
+      <p:bgPr>
+        <a:solidFill>
+          <a:schemeClr val="tx1"/>
+        </a:solidFill>
+        <a:effectLst/>
+      </p:bgPr>
+    </p:bg>
+    <p:spTree>
+      <p:nvGrpSpPr>
+        <p:cNvPr id="1" name=""/>
+        <p:cNvGrpSpPr/>
+        <p:nvPr/>
+      </p:nvGrpSpPr>
+      <p:grpSpPr>
+        <a:xfrm>
+          <a:off x="0" y="0"/>
+          <a:ext cx="0" cy="0"/>
+          <a:chOff x="0" y="0"/>
+          <a:chExt cx="0" cy="0"/>
+        </a:xfrm>
+      </p:grpSpPr>
+      <p:sp>
+        <p:nvSpPr>
+          <p:cNvPr id="8" name="제목 1">
+            <a:extLst>
+              <a:ext uri="{FF2B5EF4-FFF2-40B4-BE49-F238E27FC236}">
+                <a16:creationId xmlns:a16="http://schemas.microsoft.com/office/drawing/2014/main" id="{EE2E2EE5-A6A8-4A7C-B969-1F948AD2EAE4}"/>
+              </a:ext>
+            </a:extLst>
+          </p:cNvPr>
+          <p:cNvSpPr>
+            <a:spLocks noGrp="1"/>
+          </p:cNvSpPr>
+          <p:nvPr>
+            <p:ph type="title"/>
+          </p:nvPr>
+        </p:nvSpPr>
+        <p:spPr>
+          <a:xfrm>
+            <a:off x="268849" y="217876"/>
+            <a:ext cx="11831002" cy="749687"/>
+          </a:xfrm>
+        </p:spPr>
+        <p:txBody>
+          <a:bodyPr>
+            <a:normAutofit/>
+          </a:bodyPr>
+          <a:lstStyle/>
+          <a:p>
+            <a:r>
+              <a:rPr lang="ko-KR" altLang="en-US" sz="3600" dirty="0">
+                <a:solidFill>
+                  <a:schemeClr val="bg1"/>
+                </a:solidFill>
+                <a:latin typeface="Arial Narrow" panose="020B0606020202030204" pitchFamily="34" charset="0"/>
+                <a:ea typeface="LG스마트체 Regular" panose="020B0600000101010101" pitchFamily="50" charset="-127"/>
+              </a:rPr>
+              <a:t>타이타닉</a:t>
+            </a:r>
+            <a:endParaRPr lang="ko-KR" altLang="en-US" sz="1800" dirty="0">
+              <a:solidFill>
+                <a:schemeClr val="bg1"/>
+              </a:solidFill>
+              <a:latin typeface="Arial Narrow" panose="020B0606020202030204" pitchFamily="34" charset="0"/>
+              <a:ea typeface="LG스마트체 Regular" panose="020B0600000101010101" pitchFamily="50" charset="-127"/>
+            </a:endParaRPr>
+          </a:p>
+        </p:txBody>
+      </p:sp>
+    </p:spTree>
+    <p:extLst>
+      <p:ext uri="{BB962C8B-B14F-4D97-AF65-F5344CB8AC3E}">
+        <p14:creationId xmlns:p14="http://schemas.microsoft.com/office/powerpoint/2010/main" val="2962716489"/>
+      </p:ext>
+    </p:extLst>
+  </p:cSld>
+  <p:clrMapOvr>
+    <a:masterClrMapping/>
+  </p:clrMapOvr>
+</p:sld>
+</file>
+
+<file path=ppt/slides/slide6.xml><?xml version="1.0" encoding="utf-8"?>
+<p:sld xmlns:a="http://schemas.openxmlformats.org/drawingml/2006/main" xmlns:r="http://schemas.openxmlformats.org/officeDocument/2006/relationships" xmlns:p="http://schemas.openxmlformats.org/presentationml/2006/main">
+  <p:cSld>
+    <p:bg>
+      <p:bgPr>
+        <a:solidFill>
+          <a:schemeClr val="tx1"/>
+        </a:solidFill>
+        <a:effectLst/>
+      </p:bgPr>
+    </p:bg>
+    <p:spTree>
+      <p:nvGrpSpPr>
+        <p:cNvPr id="1" name=""/>
+        <p:cNvGrpSpPr/>
+        <p:nvPr/>
+      </p:nvGrpSpPr>
+      <p:grpSpPr>
+        <a:xfrm>
+          <a:off x="0" y="0"/>
+          <a:ext cx="0" cy="0"/>
+          <a:chOff x="0" y="0"/>
+          <a:chExt cx="0" cy="0"/>
+        </a:xfrm>
+      </p:grpSpPr>
+      <p:sp>
+        <p:nvSpPr>
+          <p:cNvPr id="8" name="제목 1">
+            <a:extLst>
+              <a:ext uri="{FF2B5EF4-FFF2-40B4-BE49-F238E27FC236}">
+                <a16:creationId xmlns:a16="http://schemas.microsoft.com/office/drawing/2014/main" id="{EE2E2EE5-A6A8-4A7C-B969-1F948AD2EAE4}"/>
+              </a:ext>
+            </a:extLst>
+          </p:cNvPr>
+          <p:cNvSpPr>
+            <a:spLocks noGrp="1"/>
+          </p:cNvSpPr>
+          <p:nvPr>
+            <p:ph type="title"/>
+          </p:nvPr>
+        </p:nvSpPr>
+        <p:spPr>
+          <a:xfrm>
+            <a:off x="268849" y="217876"/>
+            <a:ext cx="11831002" cy="749687"/>
+          </a:xfrm>
+        </p:spPr>
+        <p:txBody>
+          <a:bodyPr>
+            <a:normAutofit/>
+          </a:bodyPr>
+          <a:lstStyle/>
+          <a:p>
+            <a:r>
+              <a:rPr lang="ko-KR" altLang="en-US" sz="3600" dirty="0">
+                <a:solidFill>
+                  <a:schemeClr val="bg1"/>
+                </a:solidFill>
+                <a:latin typeface="Arial Narrow" panose="020B0606020202030204" pitchFamily="34" charset="0"/>
+                <a:ea typeface="LG스마트체 Regular" panose="020B0600000101010101" pitchFamily="50" charset="-127"/>
+              </a:rPr>
+              <a:t>타이타닉</a:t>
+            </a:r>
+            <a:endParaRPr lang="ko-KR" altLang="en-US" sz="1800" dirty="0">
+              <a:solidFill>
+                <a:schemeClr val="bg1"/>
+              </a:solidFill>
+              <a:latin typeface="Arial Narrow" panose="020B0606020202030204" pitchFamily="34" charset="0"/>
+              <a:ea typeface="LG스마트체 Regular" panose="020B0600000101010101" pitchFamily="50" charset="-127"/>
+            </a:endParaRPr>
+          </a:p>
+        </p:txBody>
+      </p:sp>
+    </p:spTree>
+    <p:extLst>
+      <p:ext uri="{BB962C8B-B14F-4D97-AF65-F5344CB8AC3E}">
+        <p14:creationId xmlns:p14="http://schemas.microsoft.com/office/powerpoint/2010/main" val="3962199545"/>
+      </p:ext>
+    </p:extLst>
+  </p:cSld>
+  <p:clrMapOvr>
+    <a:masterClrMapping/>
+  </p:clrMapOvr>
+</p:sld>
+</file>
+
+<file path=ppt/slides/slide7.xml><?xml version="1.0" encoding="utf-8"?>
+<p:sld xmlns:a="http://schemas.openxmlformats.org/drawingml/2006/main" xmlns:r="http://schemas.openxmlformats.org/officeDocument/2006/relationships" xmlns:p="http://schemas.openxmlformats.org/presentationml/2006/main">
+  <p:cSld>
+    <p:bg>
+      <p:bgPr>
+        <a:solidFill>
+          <a:schemeClr val="tx1"/>
+        </a:solidFill>
+        <a:effectLst/>
+      </p:bgPr>
+    </p:bg>
+    <p:spTree>
+      <p:nvGrpSpPr>
+        <p:cNvPr id="1" name=""/>
+        <p:cNvGrpSpPr/>
+        <p:nvPr/>
+      </p:nvGrpSpPr>
+      <p:grpSpPr>
+        <a:xfrm>
+          <a:off x="0" y="0"/>
+          <a:ext cx="0" cy="0"/>
+          <a:chOff x="0" y="0"/>
+          <a:chExt cx="0" cy="0"/>
+        </a:xfrm>
+      </p:grpSpPr>
+      <p:sp>
+        <p:nvSpPr>
+          <p:cNvPr id="8" name="제목 1">
+            <a:extLst>
+              <a:ext uri="{FF2B5EF4-FFF2-40B4-BE49-F238E27FC236}">
+                <a16:creationId xmlns:a16="http://schemas.microsoft.com/office/drawing/2014/main" id="{EE2E2EE5-A6A8-4A7C-B969-1F948AD2EAE4}"/>
+              </a:ext>
+            </a:extLst>
+          </p:cNvPr>
+          <p:cNvSpPr>
+            <a:spLocks noGrp="1"/>
+          </p:cNvSpPr>
+          <p:nvPr>
+            <p:ph type="title"/>
+          </p:nvPr>
+        </p:nvSpPr>
+        <p:spPr>
+          <a:xfrm>
+            <a:off x="268849" y="217876"/>
+            <a:ext cx="11831002" cy="749687"/>
+          </a:xfrm>
+        </p:spPr>
+        <p:txBody>
+          <a:bodyPr>
+            <a:normAutofit/>
+          </a:bodyPr>
+          <a:lstStyle/>
+          <a:p>
+            <a:r>
+              <a:rPr lang="ko-KR" altLang="en-US" sz="3600" dirty="0">
+                <a:solidFill>
+                  <a:schemeClr val="bg1"/>
+                </a:solidFill>
+                <a:latin typeface="Arial Narrow" panose="020B0606020202030204" pitchFamily="34" charset="0"/>
+                <a:ea typeface="LG스마트체 Regular" panose="020B0600000101010101" pitchFamily="50" charset="-127"/>
+              </a:rPr>
+              <a:t>타이타닉</a:t>
+            </a:r>
+            <a:endParaRPr lang="ko-KR" altLang="en-US" sz="1800" dirty="0">
+              <a:solidFill>
+                <a:schemeClr val="bg1"/>
+              </a:solidFill>
+              <a:latin typeface="Arial Narrow" panose="020B0606020202030204" pitchFamily="34" charset="0"/>
+              <a:ea typeface="LG스마트체 Regular" panose="020B0600000101010101" pitchFamily="50" charset="-127"/>
+            </a:endParaRPr>
+          </a:p>
+        </p:txBody>
+      </p:sp>
+    </p:spTree>
+    <p:extLst>
+      <p:ext uri="{BB962C8B-B14F-4D97-AF65-F5344CB8AC3E}">
+        <p14:creationId xmlns:p14="http://schemas.microsoft.com/office/powerpoint/2010/main" val="1457759452"/>
+      </p:ext>
+    </p:extLst>
+  </p:cSld>
+  <p:clrMapOvr>
+    <a:masterClrMapping/>
+  </p:clrMapOvr>
+</p:sld>
+</file>
+
+<file path=ppt/slides/slide8.xml><?xml version="1.0" encoding="utf-8"?>
+<p:sld xmlns:a="http://schemas.openxmlformats.org/drawingml/2006/main" xmlns:r="http://schemas.openxmlformats.org/officeDocument/2006/relationships" xmlns:p="http://schemas.openxmlformats.org/presentationml/2006/main">
+  <p:cSld>
+    <p:bg>
+      <p:bgPr>
+        <a:solidFill>
+          <a:schemeClr val="tx1"/>
+        </a:solidFill>
+        <a:effectLst/>
+      </p:bgPr>
+    </p:bg>
+    <p:spTree>
+      <p:nvGrpSpPr>
+        <p:cNvPr id="1" name=""/>
+        <p:cNvGrpSpPr/>
+        <p:nvPr/>
+      </p:nvGrpSpPr>
+      <p:grpSpPr>
+        <a:xfrm>
+          <a:off x="0" y="0"/>
+          <a:ext cx="0" cy="0"/>
+          <a:chOff x="0" y="0"/>
+          <a:chExt cx="0" cy="0"/>
+        </a:xfrm>
+      </p:grpSpPr>
+      <p:sp>
+        <p:nvSpPr>
+          <p:cNvPr id="8" name="제목 1">
+            <a:extLst>
+              <a:ext uri="{FF2B5EF4-FFF2-40B4-BE49-F238E27FC236}">
+                <a16:creationId xmlns:a16="http://schemas.microsoft.com/office/drawing/2014/main" id="{EE2E2EE5-A6A8-4A7C-B969-1F948AD2EAE4}"/>
+              </a:ext>
+            </a:extLst>
+          </p:cNvPr>
+          <p:cNvSpPr>
+            <a:spLocks noGrp="1"/>
+          </p:cNvSpPr>
+          <p:nvPr>
+            <p:ph type="title"/>
+          </p:nvPr>
+        </p:nvSpPr>
+        <p:spPr>
+          <a:xfrm>
+            <a:off x="268849" y="217876"/>
+            <a:ext cx="11831002" cy="749687"/>
+          </a:xfrm>
+        </p:spPr>
+        <p:txBody>
+          <a:bodyPr>
+            <a:normAutofit/>
+          </a:bodyPr>
+          <a:lstStyle/>
+          <a:p>
+            <a:r>
+              <a:rPr lang="ko-KR" altLang="en-US" sz="3600" dirty="0">
+                <a:solidFill>
+                  <a:schemeClr val="bg1"/>
+                </a:solidFill>
+                <a:latin typeface="Arial Narrow" panose="020B0606020202030204" pitchFamily="34" charset="0"/>
+                <a:ea typeface="LG스마트체 Regular" panose="020B0600000101010101" pitchFamily="50" charset="-127"/>
+              </a:rPr>
+              <a:t>타이타닉</a:t>
+            </a:r>
+            <a:endParaRPr lang="ko-KR" altLang="en-US" sz="1800" dirty="0">
+              <a:solidFill>
+                <a:schemeClr val="bg1"/>
+              </a:solidFill>
+              <a:latin typeface="Arial Narrow" panose="020B0606020202030204" pitchFamily="34" charset="0"/>
+              <a:ea typeface="LG스마트체 Regular" panose="020B0600000101010101" pitchFamily="50" charset="-127"/>
+            </a:endParaRPr>
+          </a:p>
+        </p:txBody>
+      </p:sp>
+    </p:spTree>
+    <p:extLst>
+      <p:ext uri="{BB962C8B-B14F-4D97-AF65-F5344CB8AC3E}">
+        <p14:creationId xmlns:p14="http://schemas.microsoft.com/office/powerpoint/2010/main" val="3578188126"/>
+      </p:ext>
+    </p:extLst>
+  </p:cSld>
+  <p:clrMapOvr>
+    <a:masterClrMapping/>
+  </p:clrMapOvr>
+</p:sld>
+</file>
+
+<file path=ppt/slides/slide9.xml><?xml version="1.0" encoding="utf-8"?>
+<p:sld xmlns:a="http://schemas.openxmlformats.org/drawingml/2006/main" xmlns:r="http://schemas.openxmlformats.org/officeDocument/2006/relationships" xmlns:p="http://schemas.openxmlformats.org/presentationml/2006/main">
+  <p:cSld>
+    <p:bg>
+      <p:bgPr>
+        <a:solidFill>
+          <a:schemeClr val="tx1"/>
+        </a:solidFill>
+        <a:effectLst/>
+      </p:bgPr>
+    </p:bg>
+    <p:spTree>
+      <p:nvGrpSpPr>
+        <p:cNvPr id="1" name=""/>
+        <p:cNvGrpSpPr/>
+        <p:nvPr/>
+      </p:nvGrpSpPr>
+      <p:grpSpPr>
+        <a:xfrm>
+          <a:off x="0" y="0"/>
+          <a:ext cx="0" cy="0"/>
+          <a:chOff x="0" y="0"/>
+          <a:chExt cx="0" cy="0"/>
+        </a:xfrm>
+      </p:grpSpPr>
+      <p:sp>
+        <p:nvSpPr>
+          <p:cNvPr id="8" name="제목 1">
+            <a:extLst>
+              <a:ext uri="{FF2B5EF4-FFF2-40B4-BE49-F238E27FC236}">
+                <a16:creationId xmlns:a16="http://schemas.microsoft.com/office/drawing/2014/main" id="{EE2E2EE5-A6A8-4A7C-B969-1F948AD2EAE4}"/>
+              </a:ext>
+            </a:extLst>
+          </p:cNvPr>
+          <p:cNvSpPr>
+            <a:spLocks noGrp="1"/>
+          </p:cNvSpPr>
+          <p:nvPr>
+            <p:ph type="title"/>
+          </p:nvPr>
+        </p:nvSpPr>
+        <p:spPr>
+          <a:xfrm>
+            <a:off x="268849" y="217876"/>
+            <a:ext cx="11831002" cy="749687"/>
+          </a:xfrm>
+        </p:spPr>
+        <p:txBody>
+          <a:bodyPr>
+            <a:normAutofit/>
+          </a:bodyPr>
+          <a:lstStyle/>
+          <a:p>
+            <a:r>
+              <a:rPr lang="ko-KR" altLang="en-US" sz="3600" dirty="0">
+                <a:solidFill>
+                  <a:schemeClr val="bg1"/>
+                </a:solidFill>
+                <a:latin typeface="Arial Narrow" panose="020B0606020202030204" pitchFamily="34" charset="0"/>
+                <a:ea typeface="LG스마트체 Regular" panose="020B0600000101010101" pitchFamily="50" charset="-127"/>
+              </a:rPr>
+              <a:t>타이타닉</a:t>
+            </a:r>
+            <a:endParaRPr lang="ko-KR" altLang="en-US" sz="1800" dirty="0">
+              <a:solidFill>
+                <a:schemeClr val="bg1"/>
+              </a:solidFill>
+              <a:latin typeface="Arial Narrow" panose="020B0606020202030204" pitchFamily="34" charset="0"/>
+              <a:ea typeface="LG스마트체 Regular" panose="020B0600000101010101" pitchFamily="50" charset="-127"/>
+            </a:endParaRPr>
+          </a:p>
+        </p:txBody>
+      </p:sp>
+    </p:spTree>
+    <p:extLst>
+      <p:ext uri="{BB962C8B-B14F-4D97-AF65-F5344CB8AC3E}">
+        <p14:creationId xmlns:p14="http://schemas.microsoft.com/office/powerpoint/2010/main" val="2201574128"/>
+      </p:ext>
+    </p:extLst>
+  </p:cSld>
+  <p:clrMapOvr>
+    <a:masterClrMapping/>
+  </p:clrMapOvr>
+</p:sld>
+</file>
+
 <file path=ppt/theme/theme1.xml><?xml version="1.0" encoding="utf-8"?>
 <a:theme xmlns:a="http://schemas.openxmlformats.org/drawingml/2006/main" name="Office 테마">
   <a:themeElements>

--- a/[데이터분석]타이타닉_자료정리.pptx
+++ b/[데이터분석]타이타닉_자료정리.pptx
@@ -139,6 +139,1290 @@
     </p:ext>
   </p:extLst>
 </p:presentation>
+</file>
+
+<file path=ppt/charts/chart1.xml><?xml version="1.0" encoding="utf-8"?>
+<c:chartSpace xmlns:c="http://schemas.openxmlformats.org/drawingml/2006/chart" xmlns:a="http://schemas.openxmlformats.org/drawingml/2006/main" xmlns:r="http://schemas.openxmlformats.org/officeDocument/2006/relationships" xmlns:c16r2="http://schemas.microsoft.com/office/drawing/2015/06/chart">
+  <c:date1904 val="0"/>
+  <c:lang val="ko-KR"/>
+  <c:roundedCorners val="0"/>
+  <mc:AlternateContent xmlns:mc="http://schemas.openxmlformats.org/markup-compatibility/2006">
+    <mc:Choice xmlns:c14="http://schemas.microsoft.com/office/drawing/2007/8/2/chart" Requires="c14">
+      <c14:style val="102"/>
+    </mc:Choice>
+    <mc:Fallback>
+      <c:style val="2"/>
+    </mc:Fallback>
+  </mc:AlternateContent>
+  <c:clrMapOvr bg1="lt1" tx1="dk1" bg2="lt2" tx2="dk2" accent1="accent1" accent2="accent2" accent3="accent3" accent4="accent4" accent5="accent5" accent6="accent6" hlink="hlink" folHlink="folHlink"/>
+  <c:chart>
+    <c:autoTitleDeleted val="1"/>
+    <c:plotArea>
+      <c:layout>
+        <c:manualLayout>
+          <c:layoutTarget val="inner"/>
+          <c:xMode val="edge"/>
+          <c:yMode val="edge"/>
+          <c:x val="0.17241015071611554"/>
+          <c:y val="4.0954385521367064E-2"/>
+          <c:w val="0.64933465089883802"/>
+          <c:h val="0.90990035185299245"/>
+        </c:manualLayout>
+      </c:layout>
+      <c:pieChart>
+        <c:varyColors val="1"/>
+        <c:ser>
+          <c:idx val="0"/>
+          <c:order val="0"/>
+          <c:tx>
+            <c:strRef>
+              <c:f>참고자료!$C$3</c:f>
+              <c:strCache>
+                <c:ptCount val="1"/>
+                <c:pt idx="0">
+                  <c:v>사람수</c:v>
+                </c:pt>
+              </c:strCache>
+            </c:strRef>
+          </c:tx>
+          <c:dPt>
+            <c:idx val="0"/>
+            <c:bubble3D val="0"/>
+            <c:spPr>
+              <a:solidFill>
+                <a:schemeClr val="bg1">
+                  <a:lumMod val="50000"/>
+                </a:schemeClr>
+              </a:solidFill>
+              <a:ln w="19050">
+                <a:solidFill>
+                  <a:schemeClr val="lt1"/>
+                </a:solidFill>
+              </a:ln>
+              <a:effectLst/>
+            </c:spPr>
+            <c:extLst>
+              <c:ext xmlns:c16="http://schemas.microsoft.com/office/drawing/2014/chart" uri="{C3380CC4-5D6E-409C-BE32-E72D297353CC}">
+                <c16:uniqueId val="{00000001-60E0-4AB8-92C5-B0E4D34483FE}"/>
+              </c:ext>
+            </c:extLst>
+          </c:dPt>
+          <c:dPt>
+            <c:idx val="1"/>
+            <c:bubble3D val="0"/>
+            <c:spPr>
+              <a:solidFill>
+                <a:schemeClr val="bg1">
+                  <a:lumMod val="75000"/>
+                </a:schemeClr>
+              </a:solidFill>
+              <a:ln w="19050">
+                <a:solidFill>
+                  <a:schemeClr val="lt1"/>
+                </a:solidFill>
+              </a:ln>
+              <a:effectLst/>
+            </c:spPr>
+            <c:extLst>
+              <c:ext xmlns:c16="http://schemas.microsoft.com/office/drawing/2014/chart" uri="{C3380CC4-5D6E-409C-BE32-E72D297353CC}">
+                <c16:uniqueId val="{00000003-60E0-4AB8-92C5-B0E4D34483FE}"/>
+              </c:ext>
+            </c:extLst>
+          </c:dPt>
+          <c:dPt>
+            <c:idx val="2"/>
+            <c:bubble3D val="0"/>
+            <c:explosion val="3"/>
+            <c:spPr>
+              <a:solidFill>
+                <a:srgbClr val="FF0000"/>
+              </a:solidFill>
+              <a:ln w="19050">
+                <a:solidFill>
+                  <a:schemeClr val="lt1"/>
+                </a:solidFill>
+              </a:ln>
+              <a:effectLst/>
+            </c:spPr>
+            <c:extLst>
+              <c:ext xmlns:c16="http://schemas.microsoft.com/office/drawing/2014/chart" uri="{C3380CC4-5D6E-409C-BE32-E72D297353CC}">
+                <c16:uniqueId val="{00000005-60E0-4AB8-92C5-B0E4D34483FE}"/>
+              </c:ext>
+            </c:extLst>
+          </c:dPt>
+          <c:dPt>
+            <c:idx val="3"/>
+            <c:bubble3D val="0"/>
+            <c:spPr>
+              <a:solidFill>
+                <a:schemeClr val="tx1">
+                  <a:lumMod val="50000"/>
+                  <a:lumOff val="50000"/>
+                </a:schemeClr>
+              </a:solidFill>
+              <a:ln w="19050">
+                <a:solidFill>
+                  <a:schemeClr val="lt1"/>
+                </a:solidFill>
+              </a:ln>
+              <a:effectLst/>
+            </c:spPr>
+            <c:extLst>
+              <c:ext xmlns:c16="http://schemas.microsoft.com/office/drawing/2014/chart" uri="{C3380CC4-5D6E-409C-BE32-E72D297353CC}">
+                <c16:uniqueId val="{00000007-60E0-4AB8-92C5-B0E4D34483FE}"/>
+              </c:ext>
+            </c:extLst>
+          </c:dPt>
+          <c:dPt>
+            <c:idx val="4"/>
+            <c:bubble3D val="0"/>
+            <c:spPr>
+              <a:solidFill>
+                <a:schemeClr val="bg1">
+                  <a:lumMod val="85000"/>
+                </a:schemeClr>
+              </a:solidFill>
+              <a:ln w="19050">
+                <a:solidFill>
+                  <a:schemeClr val="lt1"/>
+                </a:solidFill>
+              </a:ln>
+              <a:effectLst/>
+            </c:spPr>
+            <c:extLst>
+              <c:ext xmlns:c16="http://schemas.microsoft.com/office/drawing/2014/chart" uri="{C3380CC4-5D6E-409C-BE32-E72D297353CC}">
+                <c16:uniqueId val="{00000009-60E0-4AB8-92C5-B0E4D34483FE}"/>
+              </c:ext>
+            </c:extLst>
+          </c:dPt>
+          <c:dPt>
+            <c:idx val="5"/>
+            <c:bubble3D val="0"/>
+            <c:spPr>
+              <a:solidFill>
+                <a:schemeClr val="bg1">
+                  <a:lumMod val="65000"/>
+                </a:schemeClr>
+              </a:solidFill>
+              <a:ln w="19050">
+                <a:solidFill>
+                  <a:schemeClr val="lt1"/>
+                </a:solidFill>
+              </a:ln>
+              <a:effectLst/>
+            </c:spPr>
+            <c:extLst>
+              <c:ext xmlns:c16="http://schemas.microsoft.com/office/drawing/2014/chart" uri="{C3380CC4-5D6E-409C-BE32-E72D297353CC}">
+                <c16:uniqueId val="{0000000B-60E0-4AB8-92C5-B0E4D34483FE}"/>
+              </c:ext>
+            </c:extLst>
+          </c:dPt>
+          <c:dPt>
+            <c:idx val="6"/>
+            <c:bubble3D val="0"/>
+            <c:spPr>
+              <a:solidFill>
+                <a:schemeClr val="tx1">
+                  <a:lumMod val="50000"/>
+                  <a:lumOff val="50000"/>
+                </a:schemeClr>
+              </a:solidFill>
+              <a:ln w="19050">
+                <a:solidFill>
+                  <a:schemeClr val="lt1"/>
+                </a:solidFill>
+              </a:ln>
+              <a:effectLst/>
+            </c:spPr>
+            <c:extLst>
+              <c:ext xmlns:c16="http://schemas.microsoft.com/office/drawing/2014/chart" uri="{C3380CC4-5D6E-409C-BE32-E72D297353CC}">
+                <c16:uniqueId val="{0000000D-60E0-4AB8-92C5-B0E4D34483FE}"/>
+              </c:ext>
+            </c:extLst>
+          </c:dPt>
+          <c:dPt>
+            <c:idx val="7"/>
+            <c:bubble3D val="0"/>
+            <c:spPr>
+              <a:solidFill>
+                <a:schemeClr val="tx1">
+                  <a:lumMod val="65000"/>
+                  <a:lumOff val="35000"/>
+                </a:schemeClr>
+              </a:solidFill>
+              <a:ln w="19050">
+                <a:solidFill>
+                  <a:schemeClr val="lt1"/>
+                </a:solidFill>
+              </a:ln>
+              <a:effectLst/>
+            </c:spPr>
+            <c:extLst>
+              <c:ext xmlns:c16="http://schemas.microsoft.com/office/drawing/2014/chart" uri="{C3380CC4-5D6E-409C-BE32-E72D297353CC}">
+                <c16:uniqueId val="{0000000F-60E0-4AB8-92C5-B0E4D34483FE}"/>
+              </c:ext>
+            </c:extLst>
+          </c:dPt>
+          <c:dLbls>
+            <c:dLbl>
+              <c:idx val="0"/>
+              <c:layout>
+                <c:manualLayout>
+                  <c:x val="-3.6286625729486058E-2"/>
+                  <c:y val="0.11125908248279388"/>
+                </c:manualLayout>
+              </c:layout>
+              <c:spPr>
+                <a:noFill/>
+                <a:ln>
+                  <a:noFill/>
+                </a:ln>
+                <a:effectLst/>
+              </c:spPr>
+              <c:txPr>
+                <a:bodyPr rot="0" spcFirstLastPara="1" vertOverflow="ellipsis" vert="horz" wrap="square" lIns="38100" tIns="19050" rIns="38100" bIns="19050" anchor="ctr" anchorCtr="1">
+                  <a:spAutoFit/>
+                </a:bodyPr>
+                <a:lstStyle/>
+                <a:p>
+                  <a:pPr>
+                    <a:defRPr sz="1400" b="0" i="0" u="none" strike="noStrike" kern="1200" baseline="0">
+                      <a:solidFill>
+                        <a:schemeClr val="bg1"/>
+                      </a:solidFill>
+                      <a:latin typeface="Bahnschrift SemiBold Condensed" panose="020B0502040204020203" pitchFamily="34" charset="0"/>
+                      <a:ea typeface="+mn-ea"/>
+                      <a:cs typeface="+mn-cs"/>
+                    </a:defRPr>
+                  </a:pPr>
+                  <a:endParaRPr lang="ko-KR"/>
+                </a:p>
+              </c:txPr>
+              <c:dLblPos val="bestFit"/>
+              <c:showLegendKey val="0"/>
+              <c:showVal val="0"/>
+              <c:showCatName val="0"/>
+              <c:showSerName val="0"/>
+              <c:showPercent val="1"/>
+              <c:showBubbleSize val="0"/>
+              <c:extLst>
+                <c:ext xmlns:c15="http://schemas.microsoft.com/office/drawing/2012/chart" uri="{CE6537A1-D6FC-4f65-9D91-7224C49458BB}"/>
+                <c:ext xmlns:c16="http://schemas.microsoft.com/office/drawing/2014/chart" uri="{C3380CC4-5D6E-409C-BE32-E72D297353CC}">
+                  <c16:uniqueId val="{00000001-60E0-4AB8-92C5-B0E4D34483FE}"/>
+                </c:ext>
+              </c:extLst>
+            </c:dLbl>
+            <c:dLbl>
+              <c:idx val="1"/>
+              <c:layout>
+                <c:manualLayout>
+                  <c:x val="-0.15195358637784878"/>
+                  <c:y val="0.21263518395478082"/>
+                </c:manualLayout>
+              </c:layout>
+              <c:spPr>
+                <a:noFill/>
+                <a:ln>
+                  <a:noFill/>
+                </a:ln>
+                <a:effectLst/>
+              </c:spPr>
+              <c:txPr>
+                <a:bodyPr rot="0" spcFirstLastPara="1" vertOverflow="ellipsis" vert="horz" wrap="square" lIns="38100" tIns="19050" rIns="38100" bIns="19050" anchor="ctr" anchorCtr="1">
+                  <a:spAutoFit/>
+                </a:bodyPr>
+                <a:lstStyle/>
+                <a:p>
+                  <a:pPr>
+                    <a:defRPr sz="2000" b="0" i="0" u="none" strike="noStrike" kern="1200" baseline="0">
+                      <a:solidFill>
+                        <a:schemeClr val="bg1"/>
+                      </a:solidFill>
+                      <a:latin typeface="Bahnschrift SemiBold Condensed" panose="020B0502040204020203" pitchFamily="34" charset="0"/>
+                      <a:ea typeface="+mn-ea"/>
+                      <a:cs typeface="+mn-cs"/>
+                    </a:defRPr>
+                  </a:pPr>
+                  <a:endParaRPr lang="ko-KR"/>
+                </a:p>
+              </c:txPr>
+              <c:dLblPos val="bestFit"/>
+              <c:showLegendKey val="0"/>
+              <c:showVal val="0"/>
+              <c:showCatName val="0"/>
+              <c:showSerName val="0"/>
+              <c:showPercent val="1"/>
+              <c:showBubbleSize val="0"/>
+              <c:extLst>
+                <c:ext xmlns:c15="http://schemas.microsoft.com/office/drawing/2012/chart" uri="{CE6537A1-D6FC-4f65-9D91-7224C49458BB}"/>
+                <c:ext xmlns:c16="http://schemas.microsoft.com/office/drawing/2014/chart" uri="{C3380CC4-5D6E-409C-BE32-E72D297353CC}">
+                  <c16:uniqueId val="{00000003-60E0-4AB8-92C5-B0E4D34483FE}"/>
+                </c:ext>
+              </c:extLst>
+            </c:dLbl>
+            <c:dLbl>
+              <c:idx val="2"/>
+              <c:layout>
+                <c:manualLayout>
+                  <c:x val="-0.22194432641329176"/>
+                  <c:y val="-0.25399571130537868"/>
+                </c:manualLayout>
+              </c:layout>
+              <c:spPr>
+                <a:noFill/>
+                <a:ln>
+                  <a:noFill/>
+                </a:ln>
+                <a:effectLst/>
+              </c:spPr>
+              <c:txPr>
+                <a:bodyPr rot="0" spcFirstLastPara="1" vertOverflow="ellipsis" vert="horz" wrap="square" lIns="38100" tIns="19050" rIns="38100" bIns="19050" anchor="ctr" anchorCtr="1">
+                  <a:spAutoFit/>
+                </a:bodyPr>
+                <a:lstStyle/>
+                <a:p>
+                  <a:pPr>
+                    <a:defRPr sz="4000" b="0" i="0" u="none" strike="noStrike" kern="1200" baseline="0">
+                      <a:solidFill>
+                        <a:schemeClr val="bg1"/>
+                      </a:solidFill>
+                      <a:latin typeface="Bahnschrift SemiBold Condensed" panose="020B0502040204020203" pitchFamily="34" charset="0"/>
+                      <a:ea typeface="+mn-ea"/>
+                      <a:cs typeface="+mn-cs"/>
+                    </a:defRPr>
+                  </a:pPr>
+                  <a:endParaRPr lang="ko-KR"/>
+                </a:p>
+              </c:txPr>
+              <c:dLblPos val="bestFit"/>
+              <c:showLegendKey val="0"/>
+              <c:showVal val="0"/>
+              <c:showCatName val="0"/>
+              <c:showSerName val="0"/>
+              <c:showPercent val="1"/>
+              <c:showBubbleSize val="0"/>
+              <c:extLst>
+                <c:ext xmlns:c15="http://schemas.microsoft.com/office/drawing/2012/chart" uri="{CE6537A1-D6FC-4f65-9D91-7224C49458BB}"/>
+                <c:ext xmlns:c16="http://schemas.microsoft.com/office/drawing/2014/chart" uri="{C3380CC4-5D6E-409C-BE32-E72D297353CC}">
+                  <c16:uniqueId val="{00000005-60E0-4AB8-92C5-B0E4D34483FE}"/>
+                </c:ext>
+              </c:extLst>
+            </c:dLbl>
+            <c:dLbl>
+              <c:idx val="3"/>
+              <c:layout>
+                <c:manualLayout>
+                  <c:x val="0.22306763628621276"/>
+                  <c:y val="-0.19551882421840452"/>
+                </c:manualLayout>
+              </c:layout>
+              <c:spPr>
+                <a:noFill/>
+                <a:ln>
+                  <a:noFill/>
+                </a:ln>
+                <a:effectLst/>
+              </c:spPr>
+              <c:txPr>
+                <a:bodyPr rot="0" spcFirstLastPara="1" vertOverflow="ellipsis" vert="horz" wrap="square" lIns="38100" tIns="19050" rIns="38100" bIns="19050" anchor="ctr" anchorCtr="1">
+                  <a:spAutoFit/>
+                </a:bodyPr>
+                <a:lstStyle/>
+                <a:p>
+                  <a:pPr>
+                    <a:defRPr sz="2800" b="0" i="0" u="none" strike="noStrike" kern="1200" baseline="0">
+                      <a:solidFill>
+                        <a:schemeClr val="bg1"/>
+                      </a:solidFill>
+                      <a:latin typeface="Bahnschrift SemiBold Condensed" panose="020B0502040204020203" pitchFamily="34" charset="0"/>
+                      <a:ea typeface="+mn-ea"/>
+                      <a:cs typeface="+mn-cs"/>
+                    </a:defRPr>
+                  </a:pPr>
+                  <a:endParaRPr lang="ko-KR"/>
+                </a:p>
+              </c:txPr>
+              <c:dLblPos val="bestFit"/>
+              <c:showLegendKey val="0"/>
+              <c:showVal val="0"/>
+              <c:showCatName val="0"/>
+              <c:showSerName val="0"/>
+              <c:showPercent val="1"/>
+              <c:showBubbleSize val="0"/>
+              <c:extLst>
+                <c:ext xmlns:c15="http://schemas.microsoft.com/office/drawing/2012/chart" uri="{CE6537A1-D6FC-4f65-9D91-7224C49458BB}"/>
+                <c:ext xmlns:c16="http://schemas.microsoft.com/office/drawing/2014/chart" uri="{C3380CC4-5D6E-409C-BE32-E72D297353CC}">
+                  <c16:uniqueId val="{00000007-60E0-4AB8-92C5-B0E4D34483FE}"/>
+                </c:ext>
+              </c:extLst>
+            </c:dLbl>
+            <c:dLbl>
+              <c:idx val="4"/>
+              <c:spPr>
+                <a:noFill/>
+                <a:ln>
+                  <a:noFill/>
+                </a:ln>
+                <a:effectLst/>
+              </c:spPr>
+              <c:txPr>
+                <a:bodyPr rot="0" spcFirstLastPara="1" vertOverflow="ellipsis" vert="horz" wrap="square" lIns="38100" tIns="19050" rIns="38100" bIns="19050" anchor="ctr" anchorCtr="1">
+                  <a:spAutoFit/>
+                </a:bodyPr>
+                <a:lstStyle/>
+                <a:p>
+                  <a:pPr>
+                    <a:defRPr sz="2800" b="0" i="0" u="none" strike="noStrike" kern="1200" baseline="0">
+                      <a:solidFill>
+                        <a:schemeClr val="bg1"/>
+                      </a:solidFill>
+                      <a:latin typeface="Bahnschrift SemiBold Condensed" panose="020B0502040204020203" pitchFamily="34" charset="0"/>
+                      <a:ea typeface="+mn-ea"/>
+                      <a:cs typeface="+mn-cs"/>
+                    </a:defRPr>
+                  </a:pPr>
+                  <a:endParaRPr lang="ko-KR"/>
+                </a:p>
+              </c:txPr>
+              <c:dLblPos val="ctr"/>
+              <c:showLegendKey val="0"/>
+              <c:showVal val="0"/>
+              <c:showCatName val="0"/>
+              <c:showSerName val="0"/>
+              <c:showPercent val="1"/>
+              <c:showBubbleSize val="0"/>
+              <c:extLst>
+                <c:ext xmlns:c16="http://schemas.microsoft.com/office/drawing/2014/chart" uri="{C3380CC4-5D6E-409C-BE32-E72D297353CC}">
+                  <c16:uniqueId val="{00000009-60E0-4AB8-92C5-B0E4D34483FE}"/>
+                </c:ext>
+              </c:extLst>
+            </c:dLbl>
+            <c:dLbl>
+              <c:idx val="5"/>
+              <c:layout>
+                <c:manualLayout>
+                  <c:x val="9.2189187775378406E-2"/>
+                  <c:y val="0.16933854536931395"/>
+                </c:manualLayout>
+              </c:layout>
+              <c:spPr>
+                <a:noFill/>
+                <a:ln>
+                  <a:noFill/>
+                </a:ln>
+                <a:effectLst/>
+              </c:spPr>
+              <c:txPr>
+                <a:bodyPr rot="0" spcFirstLastPara="1" vertOverflow="ellipsis" vert="horz" wrap="square" lIns="38100" tIns="19050" rIns="38100" bIns="19050" anchor="ctr" anchorCtr="1">
+                  <a:spAutoFit/>
+                </a:bodyPr>
+                <a:lstStyle/>
+                <a:p>
+                  <a:pPr>
+                    <a:defRPr sz="1400" b="0" i="0" u="none" strike="noStrike" kern="1200" baseline="0">
+                      <a:solidFill>
+                        <a:schemeClr val="bg1"/>
+                      </a:solidFill>
+                      <a:latin typeface="Bahnschrift SemiBold Condensed" panose="020B0502040204020203" pitchFamily="34" charset="0"/>
+                      <a:ea typeface="+mn-ea"/>
+                      <a:cs typeface="+mn-cs"/>
+                    </a:defRPr>
+                  </a:pPr>
+                  <a:endParaRPr lang="ko-KR"/>
+                </a:p>
+              </c:txPr>
+              <c:dLblPos val="bestFit"/>
+              <c:showLegendKey val="0"/>
+              <c:showVal val="0"/>
+              <c:showCatName val="0"/>
+              <c:showSerName val="0"/>
+              <c:showPercent val="1"/>
+              <c:showBubbleSize val="0"/>
+              <c:extLst>
+                <c:ext xmlns:c15="http://schemas.microsoft.com/office/drawing/2012/chart" uri="{CE6537A1-D6FC-4f65-9D91-7224C49458BB}"/>
+                <c:ext xmlns:c16="http://schemas.microsoft.com/office/drawing/2014/chart" uri="{C3380CC4-5D6E-409C-BE32-E72D297353CC}">
+                  <c16:uniqueId val="{0000000B-60E0-4AB8-92C5-B0E4D34483FE}"/>
+                </c:ext>
+              </c:extLst>
+            </c:dLbl>
+            <c:dLbl>
+              <c:idx val="6"/>
+              <c:layout>
+                <c:manualLayout>
+                  <c:x val="2.2103920847034379E-2"/>
+                  <c:y val="0.12962776429355025"/>
+                </c:manualLayout>
+              </c:layout>
+              <c:spPr>
+                <a:noFill/>
+                <a:ln>
+                  <a:noFill/>
+                </a:ln>
+                <a:effectLst/>
+              </c:spPr>
+              <c:txPr>
+                <a:bodyPr rot="0" spcFirstLastPara="1" vertOverflow="ellipsis" vert="horz" wrap="square" lIns="38100" tIns="19050" rIns="38100" bIns="19050" anchor="ctr" anchorCtr="1">
+                  <a:spAutoFit/>
+                </a:bodyPr>
+                <a:lstStyle/>
+                <a:p>
+                  <a:pPr>
+                    <a:defRPr sz="1000" b="0" i="0" u="none" strike="noStrike" kern="1200" baseline="0">
+                      <a:solidFill>
+                        <a:schemeClr val="bg1"/>
+                      </a:solidFill>
+                      <a:latin typeface="Bahnschrift SemiBold Condensed" panose="020B0502040204020203" pitchFamily="34" charset="0"/>
+                      <a:ea typeface="+mn-ea"/>
+                      <a:cs typeface="+mn-cs"/>
+                    </a:defRPr>
+                  </a:pPr>
+                  <a:endParaRPr lang="ko-KR"/>
+                </a:p>
+              </c:txPr>
+              <c:dLblPos val="bestFit"/>
+              <c:showLegendKey val="0"/>
+              <c:showVal val="0"/>
+              <c:showCatName val="0"/>
+              <c:showSerName val="0"/>
+              <c:showPercent val="1"/>
+              <c:showBubbleSize val="0"/>
+              <c:extLst>
+                <c:ext xmlns:c15="http://schemas.microsoft.com/office/drawing/2012/chart" uri="{CE6537A1-D6FC-4f65-9D91-7224C49458BB}"/>
+                <c:ext xmlns:c16="http://schemas.microsoft.com/office/drawing/2014/chart" uri="{C3380CC4-5D6E-409C-BE32-E72D297353CC}">
+                  <c16:uniqueId val="{0000000D-60E0-4AB8-92C5-B0E4D34483FE}"/>
+                </c:ext>
+              </c:extLst>
+            </c:dLbl>
+            <c:dLbl>
+              <c:idx val="7"/>
+              <c:delete val="1"/>
+              <c:extLst>
+                <c:ext xmlns:c15="http://schemas.microsoft.com/office/drawing/2012/chart" uri="{CE6537A1-D6FC-4f65-9D91-7224C49458BB}"/>
+                <c:ext xmlns:c16="http://schemas.microsoft.com/office/drawing/2014/chart" uri="{C3380CC4-5D6E-409C-BE32-E72D297353CC}">
+                  <c16:uniqueId val="{0000000F-60E0-4AB8-92C5-B0E4D34483FE}"/>
+                </c:ext>
+              </c:extLst>
+            </c:dLbl>
+            <c:spPr>
+              <a:noFill/>
+              <a:ln>
+                <a:noFill/>
+              </a:ln>
+              <a:effectLst/>
+            </c:spPr>
+            <c:txPr>
+              <a:bodyPr rot="0" spcFirstLastPara="1" vertOverflow="ellipsis" vert="horz" wrap="square" lIns="38100" tIns="19050" rIns="38100" bIns="19050" anchor="ctr" anchorCtr="1">
+                <a:spAutoFit/>
+              </a:bodyPr>
+              <a:lstStyle/>
+              <a:p>
+                <a:pPr>
+                  <a:defRPr sz="2400" b="0" i="0" u="none" strike="noStrike" kern="1200" baseline="0">
+                    <a:solidFill>
+                      <a:schemeClr val="bg1"/>
+                    </a:solidFill>
+                    <a:latin typeface="Bahnschrift SemiBold Condensed" panose="020B0502040204020203" pitchFamily="34" charset="0"/>
+                    <a:ea typeface="+mn-ea"/>
+                    <a:cs typeface="+mn-cs"/>
+                  </a:defRPr>
+                </a:pPr>
+                <a:endParaRPr lang="ko-KR"/>
+              </a:p>
+            </c:txPr>
+            <c:dLblPos val="ctr"/>
+            <c:showLegendKey val="0"/>
+            <c:showVal val="0"/>
+            <c:showCatName val="0"/>
+            <c:showSerName val="0"/>
+            <c:showPercent val="1"/>
+            <c:showBubbleSize val="0"/>
+            <c:showLeaderLines val="0"/>
+            <c:extLst>
+              <c:ext xmlns:c15="http://schemas.microsoft.com/office/drawing/2012/chart" uri="{CE6537A1-D6FC-4f65-9D91-7224C49458BB}"/>
+            </c:extLst>
+          </c:dLbls>
+          <c:cat>
+            <c:strRef>
+              <c:f>참고자료!$B$4:$B$11</c:f>
+              <c:strCache>
+                <c:ptCount val="8"/>
+                <c:pt idx="0">
+                  <c:v>10세미만</c:v>
+                </c:pt>
+                <c:pt idx="1">
+                  <c:v>10대</c:v>
+                </c:pt>
+                <c:pt idx="2">
+                  <c:v>20대</c:v>
+                </c:pt>
+                <c:pt idx="3">
+                  <c:v>30대</c:v>
+                </c:pt>
+                <c:pt idx="4">
+                  <c:v>40대</c:v>
+                </c:pt>
+                <c:pt idx="5">
+                  <c:v>50대</c:v>
+                </c:pt>
+                <c:pt idx="6">
+                  <c:v>60대</c:v>
+                </c:pt>
+                <c:pt idx="7">
+                  <c:v>70대</c:v>
+                </c:pt>
+              </c:strCache>
+            </c:strRef>
+          </c:cat>
+          <c:val>
+            <c:numRef>
+              <c:f>참고자료!$C$4:$C$11</c:f>
+              <c:numCache>
+                <c:formatCode>General</c:formatCode>
+                <c:ptCount val="8"/>
+                <c:pt idx="0">
+                  <c:v>20</c:v>
+                </c:pt>
+                <c:pt idx="1">
+                  <c:v>41</c:v>
+                </c:pt>
+                <c:pt idx="2">
+                  <c:v>124</c:v>
+                </c:pt>
+                <c:pt idx="3">
+                  <c:v>65</c:v>
+                </c:pt>
+                <c:pt idx="4">
+                  <c:v>46</c:v>
+                </c:pt>
+                <c:pt idx="5">
+                  <c:v>22</c:v>
+                </c:pt>
+                <c:pt idx="6">
+                  <c:v>13</c:v>
+                </c:pt>
+                <c:pt idx="7">
+                  <c:v>1</c:v>
+                </c:pt>
+              </c:numCache>
+            </c:numRef>
+          </c:val>
+          <c:extLst>
+            <c:ext xmlns:c16="http://schemas.microsoft.com/office/drawing/2014/chart" uri="{C3380CC4-5D6E-409C-BE32-E72D297353CC}">
+              <c16:uniqueId val="{00000010-60E0-4AB8-92C5-B0E4D34483FE}"/>
+            </c:ext>
+          </c:extLst>
+        </c:ser>
+        <c:dLbls>
+          <c:dLblPos val="ctr"/>
+          <c:showLegendKey val="0"/>
+          <c:showVal val="1"/>
+          <c:showCatName val="0"/>
+          <c:showSerName val="0"/>
+          <c:showPercent val="0"/>
+          <c:showBubbleSize val="0"/>
+          <c:showLeaderLines val="0"/>
+        </c:dLbls>
+        <c:firstSliceAng val="0"/>
+      </c:pieChart>
+      <c:spPr>
+        <a:noFill/>
+        <a:ln>
+          <a:noFill/>
+        </a:ln>
+        <a:effectLst/>
+      </c:spPr>
+    </c:plotArea>
+    <c:plotVisOnly val="1"/>
+    <c:dispBlanksAs val="gap"/>
+    <c:extLst>
+      <c:ext xmlns:c16r3="http://schemas.microsoft.com/office/drawing/2017/03/chart" uri="{56B9EC1D-385E-4148-901F-78D8002777C0}">
+        <c16r3:dataDisplayOptions16>
+          <c16r3:dispNaAsBlank val="1"/>
+        </c16r3:dataDisplayOptions16>
+      </c:ext>
+    </c:extLst>
+    <c:showDLblsOverMax val="0"/>
+  </c:chart>
+  <c:spPr>
+    <a:noFill/>
+    <a:ln>
+      <a:noFill/>
+    </a:ln>
+    <a:effectLst/>
+  </c:spPr>
+  <c:txPr>
+    <a:bodyPr/>
+    <a:lstStyle/>
+    <a:p>
+      <a:pPr>
+        <a:defRPr/>
+      </a:pPr>
+      <a:endParaRPr lang="ko-KR"/>
+    </a:p>
+  </c:txPr>
+  <c:externalData r:id="rId4">
+    <c:autoUpdate val="0"/>
+  </c:externalData>
+</c:chartSpace>
+</file>
+
+<file path=ppt/charts/colors1.xml><?xml version="1.0" encoding="utf-8"?>
+<cs:colorStyle xmlns:cs="http://schemas.microsoft.com/office/drawing/2012/chartStyle" xmlns:a="http://schemas.openxmlformats.org/drawingml/2006/main" meth="cycle" id="10">
+  <a:schemeClr val="accent1"/>
+  <a:schemeClr val="accent2"/>
+  <a:schemeClr val="accent3"/>
+  <a:schemeClr val="accent4"/>
+  <a:schemeClr val="accent5"/>
+  <a:schemeClr val="accent6"/>
+  <cs:variation/>
+  <cs:variation>
+    <a:lumMod val="60000"/>
+  </cs:variation>
+  <cs:variation>
+    <a:lumMod val="80000"/>
+    <a:lumOff val="20000"/>
+  </cs:variation>
+  <cs:variation>
+    <a:lumMod val="80000"/>
+  </cs:variation>
+  <cs:variation>
+    <a:lumMod val="60000"/>
+    <a:lumOff val="40000"/>
+  </cs:variation>
+  <cs:variation>
+    <a:lumMod val="50000"/>
+  </cs:variation>
+  <cs:variation>
+    <a:lumMod val="70000"/>
+    <a:lumOff val="30000"/>
+  </cs:variation>
+  <cs:variation>
+    <a:lumMod val="70000"/>
+  </cs:variation>
+  <cs:variation>
+    <a:lumMod val="50000"/>
+    <a:lumOff val="50000"/>
+  </cs:variation>
+</cs:colorStyle>
+</file>
+
+<file path=ppt/charts/style1.xml><?xml version="1.0" encoding="utf-8"?>
+<cs:chartStyle xmlns:cs="http://schemas.microsoft.com/office/drawing/2012/chartStyle" xmlns:a="http://schemas.openxmlformats.org/drawingml/2006/main" id="251">
+  <cs:axisTitle>
+    <cs:lnRef idx="0"/>
+    <cs:fillRef idx="0"/>
+    <cs:effectRef idx="0"/>
+    <cs:fontRef idx="minor">
+      <a:schemeClr val="tx1">
+        <a:lumMod val="65000"/>
+        <a:lumOff val="35000"/>
+      </a:schemeClr>
+    </cs:fontRef>
+    <cs:defRPr sz="1000" kern="1200"/>
+  </cs:axisTitle>
+  <cs:categoryAxis>
+    <cs:lnRef idx="0"/>
+    <cs:fillRef idx="0"/>
+    <cs:effectRef idx="0"/>
+    <cs:fontRef idx="minor">
+      <a:schemeClr val="tx1">
+        <a:lumMod val="65000"/>
+        <a:lumOff val="35000"/>
+      </a:schemeClr>
+    </cs:fontRef>
+    <cs:spPr>
+      <a:ln w="9525" cap="flat" cmpd="sng" algn="ctr">
+        <a:solidFill>
+          <a:schemeClr val="tx1">
+            <a:lumMod val="15000"/>
+            <a:lumOff val="85000"/>
+          </a:schemeClr>
+        </a:solidFill>
+        <a:round/>
+      </a:ln>
+    </cs:spPr>
+    <cs:defRPr sz="900" kern="1200"/>
+  </cs:categoryAxis>
+  <cs:chartArea mods="allowNoFillOverride allowNoLineOverride">
+    <cs:lnRef idx="0"/>
+    <cs:fillRef idx="0"/>
+    <cs:effectRef idx="0"/>
+    <cs:fontRef idx="minor">
+      <a:schemeClr val="tx1"/>
+    </cs:fontRef>
+    <cs:spPr>
+      <a:solidFill>
+        <a:schemeClr val="bg1"/>
+      </a:solidFill>
+      <a:ln w="9525" cap="flat" cmpd="sng" algn="ctr">
+        <a:solidFill>
+          <a:schemeClr val="tx1">
+            <a:lumMod val="15000"/>
+            <a:lumOff val="85000"/>
+          </a:schemeClr>
+        </a:solidFill>
+        <a:round/>
+      </a:ln>
+    </cs:spPr>
+    <cs:defRPr sz="900" kern="1200"/>
+  </cs:chartArea>
+  <cs:dataLabel>
+    <cs:lnRef idx="0"/>
+    <cs:fillRef idx="0"/>
+    <cs:effectRef idx="0"/>
+    <cs:fontRef idx="minor">
+      <a:schemeClr val="tx1">
+        <a:lumMod val="75000"/>
+        <a:lumOff val="25000"/>
+      </a:schemeClr>
+    </cs:fontRef>
+    <cs:defRPr sz="900" kern="1200"/>
+  </cs:dataLabel>
+  <cs:dataLabelCallout>
+    <cs:lnRef idx="0"/>
+    <cs:fillRef idx="0"/>
+    <cs:effectRef idx="0"/>
+    <cs:fontRef idx="minor">
+      <a:schemeClr val="dk1">
+        <a:lumMod val="65000"/>
+        <a:lumOff val="35000"/>
+      </a:schemeClr>
+    </cs:fontRef>
+    <cs:spPr>
+      <a:solidFill>
+        <a:schemeClr val="lt1"/>
+      </a:solidFill>
+      <a:ln>
+        <a:solidFill>
+          <a:schemeClr val="dk1">
+            <a:lumMod val="25000"/>
+            <a:lumOff val="75000"/>
+          </a:schemeClr>
+        </a:solidFill>
+      </a:ln>
+    </cs:spPr>
+    <cs:defRPr sz="900" kern="1200"/>
+    <cs:bodyPr rot="0" spcFirstLastPara="1" vertOverflow="clip" horzOverflow="clip" vert="horz" wrap="square" lIns="36576" tIns="18288" rIns="36576" bIns="18288" anchor="ctr" anchorCtr="1">
+      <a:spAutoFit/>
+    </cs:bodyPr>
+  </cs:dataLabelCallout>
+  <cs:dataPoint>
+    <cs:lnRef idx="0"/>
+    <cs:fillRef idx="1">
+      <cs:styleClr val="auto"/>
+    </cs:fillRef>
+    <cs:effectRef idx="0"/>
+    <cs:fontRef idx="minor">
+      <a:schemeClr val="tx1"/>
+    </cs:fontRef>
+    <cs:spPr>
+      <a:ln w="19050">
+        <a:solidFill>
+          <a:schemeClr val="lt1"/>
+        </a:solidFill>
+      </a:ln>
+    </cs:spPr>
+  </cs:dataPoint>
+  <cs:dataPoint3D>
+    <cs:lnRef idx="0"/>
+    <cs:fillRef idx="1">
+      <cs:styleClr val="auto"/>
+    </cs:fillRef>
+    <cs:effectRef idx="0"/>
+    <cs:fontRef idx="minor">
+      <a:schemeClr val="tx1"/>
+    </cs:fontRef>
+    <cs:spPr>
+      <a:ln w="25400">
+        <a:solidFill>
+          <a:schemeClr val="lt1"/>
+        </a:solidFill>
+      </a:ln>
+    </cs:spPr>
+  </cs:dataPoint3D>
+  <cs:dataPointLine>
+    <cs:lnRef idx="0">
+      <cs:styleClr val="auto"/>
+    </cs:lnRef>
+    <cs:fillRef idx="0"/>
+    <cs:effectRef idx="0"/>
+    <cs:fontRef idx="minor">
+      <a:schemeClr val="tx1"/>
+    </cs:fontRef>
+    <cs:spPr>
+      <a:ln w="28575" cap="rnd">
+        <a:solidFill>
+          <a:schemeClr val="phClr"/>
+        </a:solidFill>
+        <a:round/>
+      </a:ln>
+    </cs:spPr>
+  </cs:dataPointLine>
+  <cs:dataPointMarker>
+    <cs:lnRef idx="0">
+      <cs:styleClr val="auto"/>
+    </cs:lnRef>
+    <cs:fillRef idx="1">
+      <cs:styleClr val="auto"/>
+    </cs:fillRef>
+    <cs:effectRef idx="0"/>
+    <cs:fontRef idx="minor">
+      <a:schemeClr val="tx1"/>
+    </cs:fontRef>
+    <cs:spPr>
+      <a:ln w="9525">
+        <a:solidFill>
+          <a:schemeClr val="phClr"/>
+        </a:solidFill>
+      </a:ln>
+    </cs:spPr>
+  </cs:dataPointMarker>
+  <cs:dataPointMarkerLayout symbol="circle" size="5"/>
+  <cs:dataPointWireframe>
+    <cs:lnRef idx="0">
+      <cs:styleClr val="auto"/>
+    </cs:lnRef>
+    <cs:fillRef idx="0"/>
+    <cs:effectRef idx="0"/>
+    <cs:fontRef idx="minor">
+      <a:schemeClr val="tx1"/>
+    </cs:fontRef>
+    <cs:spPr>
+      <a:ln w="9525" cap="rnd">
+        <a:solidFill>
+          <a:schemeClr val="phClr"/>
+        </a:solidFill>
+        <a:round/>
+      </a:ln>
+    </cs:spPr>
+  </cs:dataPointWireframe>
+  <cs:dataTable>
+    <cs:lnRef idx="0"/>
+    <cs:fillRef idx="0"/>
+    <cs:effectRef idx="0"/>
+    <cs:fontRef idx="minor">
+      <a:schemeClr val="tx1">
+        <a:lumMod val="65000"/>
+        <a:lumOff val="35000"/>
+      </a:schemeClr>
+    </cs:fontRef>
+    <cs:spPr>
+      <a:noFill/>
+      <a:ln w="9525" cap="flat" cmpd="sng" algn="ctr">
+        <a:solidFill>
+          <a:schemeClr val="tx1">
+            <a:lumMod val="15000"/>
+            <a:lumOff val="85000"/>
+          </a:schemeClr>
+        </a:solidFill>
+        <a:round/>
+      </a:ln>
+    </cs:spPr>
+    <cs:defRPr sz="900" kern="1200"/>
+  </cs:dataTable>
+  <cs:downBar>
+    <cs:lnRef idx="0"/>
+    <cs:fillRef idx="0"/>
+    <cs:effectRef idx="0"/>
+    <cs:fontRef idx="minor">
+      <a:schemeClr val="tx1"/>
+    </cs:fontRef>
+    <cs:spPr>
+      <a:solidFill>
+        <a:schemeClr val="dk1">
+          <a:lumMod val="75000"/>
+          <a:lumOff val="25000"/>
+        </a:schemeClr>
+      </a:solidFill>
+      <a:ln w="9525" cap="flat" cmpd="sng" algn="ctr">
+        <a:solidFill>
+          <a:schemeClr val="tx1">
+            <a:lumMod val="65000"/>
+            <a:lumOff val="35000"/>
+          </a:schemeClr>
+        </a:solidFill>
+        <a:round/>
+      </a:ln>
+    </cs:spPr>
+  </cs:downBar>
+  <cs:dropLine>
+    <cs:lnRef idx="0"/>
+    <cs:fillRef idx="0"/>
+    <cs:effectRef idx="0"/>
+    <cs:fontRef idx="minor">
+      <a:schemeClr val="tx1"/>
+    </cs:fontRef>
+    <cs:spPr>
+      <a:ln w="9525" cap="flat" cmpd="sng" algn="ctr">
+        <a:solidFill>
+          <a:schemeClr val="tx1">
+            <a:lumMod val="35000"/>
+            <a:lumOff val="65000"/>
+          </a:schemeClr>
+        </a:solidFill>
+        <a:round/>
+      </a:ln>
+    </cs:spPr>
+  </cs:dropLine>
+  <cs:errorBar>
+    <cs:lnRef idx="0"/>
+    <cs:fillRef idx="0"/>
+    <cs:effectRef idx="0"/>
+    <cs:fontRef idx="minor">
+      <a:schemeClr val="tx1"/>
+    </cs:fontRef>
+    <cs:spPr>
+      <a:ln w="9525" cap="flat" cmpd="sng" algn="ctr">
+        <a:solidFill>
+          <a:schemeClr val="tx1">
+            <a:lumMod val="65000"/>
+            <a:lumOff val="35000"/>
+          </a:schemeClr>
+        </a:solidFill>
+        <a:round/>
+      </a:ln>
+    </cs:spPr>
+  </cs:errorBar>
+  <cs:floor>
+    <cs:lnRef idx="0"/>
+    <cs:fillRef idx="0"/>
+    <cs:effectRef idx="0"/>
+    <cs:fontRef idx="minor">
+      <a:schemeClr val="tx1"/>
+    </cs:fontRef>
+    <cs:spPr>
+      <a:noFill/>
+      <a:ln>
+        <a:noFill/>
+      </a:ln>
+    </cs:spPr>
+  </cs:floor>
+  <cs:gridlineMajor>
+    <cs:lnRef idx="0"/>
+    <cs:fillRef idx="0"/>
+    <cs:effectRef idx="0"/>
+    <cs:fontRef idx="minor">
+      <a:schemeClr val="tx1"/>
+    </cs:fontRef>
+    <cs:spPr>
+      <a:ln w="9525" cap="flat" cmpd="sng" algn="ctr">
+        <a:solidFill>
+          <a:schemeClr val="tx1">
+            <a:lumMod val="15000"/>
+            <a:lumOff val="85000"/>
+          </a:schemeClr>
+        </a:solidFill>
+        <a:round/>
+      </a:ln>
+    </cs:spPr>
+  </cs:gridlineMajor>
+  <cs:gridlineMinor>
+    <cs:lnRef idx="0"/>
+    <cs:fillRef idx="0"/>
+    <cs:effectRef idx="0"/>
+    <cs:fontRef idx="minor">
+      <a:schemeClr val="tx1"/>
+    </cs:fontRef>
+    <cs:spPr>
+      <a:ln w="9525" cap="flat" cmpd="sng" algn="ctr">
+        <a:solidFill>
+          <a:schemeClr val="tx1">
+            <a:lumMod val="5000"/>
+            <a:lumOff val="95000"/>
+          </a:schemeClr>
+        </a:solidFill>
+        <a:round/>
+      </a:ln>
+    </cs:spPr>
+  </cs:gridlineMinor>
+  <cs:hiLoLine>
+    <cs:lnRef idx="0"/>
+    <cs:fillRef idx="0"/>
+    <cs:effectRef idx="0"/>
+    <cs:fontRef idx="minor">
+      <a:schemeClr val="tx1"/>
+    </cs:fontRef>
+    <cs:spPr>
+      <a:ln w="9525" cap="flat" cmpd="sng" algn="ctr">
+        <a:solidFill>
+          <a:schemeClr val="tx1">
+            <a:lumMod val="50000"/>
+            <a:lumOff val="50000"/>
+          </a:schemeClr>
+        </a:solidFill>
+        <a:round/>
+      </a:ln>
+    </cs:spPr>
+  </cs:hiLoLine>
+  <cs:leaderLine>
+    <cs:lnRef idx="0"/>
+    <cs:fillRef idx="0"/>
+    <cs:effectRef idx="0"/>
+    <cs:fontRef idx="minor">
+      <a:schemeClr val="tx1"/>
+    </cs:fontRef>
+    <cs:spPr>
+      <a:ln w="9525" cap="flat" cmpd="sng" algn="ctr">
+        <a:solidFill>
+          <a:schemeClr val="tx1">
+            <a:lumMod val="35000"/>
+            <a:lumOff val="65000"/>
+          </a:schemeClr>
+        </a:solidFill>
+        <a:round/>
+      </a:ln>
+    </cs:spPr>
+  </cs:leaderLine>
+  <cs:legend>
+    <cs:lnRef idx="0"/>
+    <cs:fillRef idx="0"/>
+    <cs:effectRef idx="0"/>
+    <cs:fontRef idx="minor">
+      <a:schemeClr val="tx1">
+        <a:lumMod val="65000"/>
+        <a:lumOff val="35000"/>
+      </a:schemeClr>
+    </cs:fontRef>
+    <cs:defRPr sz="900" kern="1200"/>
+  </cs:legend>
+  <cs:plotArea mods="allowNoFillOverride allowNoLineOverride">
+    <cs:lnRef idx="0"/>
+    <cs:fillRef idx="0"/>
+    <cs:effectRef idx="0"/>
+    <cs:fontRef idx="minor">
+      <a:schemeClr val="tx1"/>
+    </cs:fontRef>
+  </cs:plotArea>
+  <cs:plotArea3D mods="allowNoFillOverride allowNoLineOverride">
+    <cs:lnRef idx="0"/>
+    <cs:fillRef idx="0"/>
+    <cs:effectRef idx="0"/>
+    <cs:fontRef idx="minor">
+      <a:schemeClr val="tx1"/>
+    </cs:fontRef>
+  </cs:plotArea3D>
+  <cs:seriesAxis>
+    <cs:lnRef idx="0"/>
+    <cs:fillRef idx="0"/>
+    <cs:effectRef idx="0"/>
+    <cs:fontRef idx="minor">
+      <a:schemeClr val="tx1">
+        <a:lumMod val="65000"/>
+        <a:lumOff val="35000"/>
+      </a:schemeClr>
+    </cs:fontRef>
+    <cs:defRPr sz="900" kern="1200"/>
+  </cs:seriesAxis>
+  <cs:seriesLine>
+    <cs:lnRef idx="0"/>
+    <cs:fillRef idx="0"/>
+    <cs:effectRef idx="0"/>
+    <cs:fontRef idx="minor">
+      <a:schemeClr val="tx1"/>
+    </cs:fontRef>
+    <cs:spPr>
+      <a:ln w="9525" cap="flat" cmpd="sng" algn="ctr">
+        <a:solidFill>
+          <a:schemeClr val="tx1">
+            <a:lumMod val="35000"/>
+            <a:lumOff val="65000"/>
+          </a:schemeClr>
+        </a:solidFill>
+        <a:round/>
+      </a:ln>
+    </cs:spPr>
+  </cs:seriesLine>
+  <cs:title>
+    <cs:lnRef idx="0"/>
+    <cs:fillRef idx="0"/>
+    <cs:effectRef idx="0"/>
+    <cs:fontRef idx="minor">
+      <a:schemeClr val="tx1">
+        <a:lumMod val="65000"/>
+        <a:lumOff val="35000"/>
+      </a:schemeClr>
+    </cs:fontRef>
+    <cs:defRPr sz="1400" b="0" kern="1200" spc="0" baseline="0"/>
+  </cs:title>
+  <cs:trendline>
+    <cs:lnRef idx="0">
+      <cs:styleClr val="auto"/>
+    </cs:lnRef>
+    <cs:fillRef idx="0"/>
+    <cs:effectRef idx="0"/>
+    <cs:fontRef idx="minor">
+      <a:schemeClr val="tx1"/>
+    </cs:fontRef>
+    <cs:spPr>
+      <a:ln w="19050" cap="rnd">
+        <a:solidFill>
+          <a:schemeClr val="phClr"/>
+        </a:solidFill>
+        <a:prstDash val="sysDot"/>
+      </a:ln>
+    </cs:spPr>
+  </cs:trendline>
+  <cs:trendlineLabel>
+    <cs:lnRef idx="0"/>
+    <cs:fillRef idx="0"/>
+    <cs:effectRef idx="0"/>
+    <cs:fontRef idx="minor">
+      <a:schemeClr val="tx1">
+        <a:lumMod val="65000"/>
+        <a:lumOff val="35000"/>
+      </a:schemeClr>
+    </cs:fontRef>
+    <cs:defRPr sz="900" kern="1200"/>
+  </cs:trendlineLabel>
+  <cs:upBar>
+    <cs:lnRef idx="0"/>
+    <cs:fillRef idx="0"/>
+    <cs:effectRef idx="0"/>
+    <cs:fontRef idx="minor">
+      <a:schemeClr val="tx1"/>
+    </cs:fontRef>
+    <cs:spPr>
+      <a:solidFill>
+        <a:schemeClr val="lt1"/>
+      </a:solidFill>
+      <a:ln w="9525" cap="flat" cmpd="sng" algn="ctr">
+        <a:solidFill>
+          <a:schemeClr val="tx1">
+            <a:lumMod val="65000"/>
+            <a:lumOff val="35000"/>
+          </a:schemeClr>
+        </a:solidFill>
+        <a:round/>
+      </a:ln>
+    </cs:spPr>
+  </cs:upBar>
+  <cs:valueAxis>
+    <cs:lnRef idx="0"/>
+    <cs:fillRef idx="0"/>
+    <cs:effectRef idx="0"/>
+    <cs:fontRef idx="minor">
+      <a:schemeClr val="tx1">
+        <a:lumMod val="65000"/>
+        <a:lumOff val="35000"/>
+      </a:schemeClr>
+    </cs:fontRef>
+    <cs:defRPr sz="900" kern="1200"/>
+  </cs:valueAxis>
+  <cs:wall>
+    <cs:lnRef idx="0"/>
+    <cs:fillRef idx="0"/>
+    <cs:effectRef idx="0"/>
+    <cs:fontRef idx="minor">
+      <a:schemeClr val="tx1"/>
+    </cs:fontRef>
+    <cs:spPr>
+      <a:noFill/>
+      <a:ln>
+        <a:noFill/>
+      </a:ln>
+    </cs:spPr>
+  </cs:wall>
+</cs:chartStyle>
 </file>
 
 <file path=ppt/slideLayouts/slideLayout1.xml><?xml version="1.0" encoding="utf-8"?>
@@ -3952,6 +5236,58 @@
       </p:grpSpPr>
       <p:sp>
         <p:nvSpPr>
+          <p:cNvPr id="45" name="직사각형 44">
+            <a:extLst>
+              <a:ext uri="{FF2B5EF4-FFF2-40B4-BE49-F238E27FC236}">
+                <a16:creationId xmlns:a16="http://schemas.microsoft.com/office/drawing/2014/main" id="{3D5E4B66-FD25-4ADD-9729-010B2DE862FB}"/>
+              </a:ext>
+            </a:extLst>
+          </p:cNvPr>
+          <p:cNvSpPr/>
+          <p:nvPr/>
+        </p:nvSpPr>
+        <p:spPr>
+          <a:xfrm>
+            <a:off x="6195690" y="1257227"/>
+            <a:ext cx="5444408" cy="4343546"/>
+          </a:xfrm>
+          <a:prstGeom prst="rect">
+            <a:avLst/>
+          </a:prstGeom>
+          <a:solidFill>
+            <a:schemeClr val="bg1"/>
+          </a:solidFill>
+          <a:ln>
+            <a:noFill/>
+          </a:ln>
+        </p:spPr>
+        <p:style>
+          <a:lnRef idx="2">
+            <a:schemeClr val="accent1">
+              <a:shade val="50000"/>
+            </a:schemeClr>
+          </a:lnRef>
+          <a:fillRef idx="1">
+            <a:schemeClr val="accent1"/>
+          </a:fillRef>
+          <a:effectRef idx="0">
+            <a:schemeClr val="accent1"/>
+          </a:effectRef>
+          <a:fontRef idx="minor">
+            <a:schemeClr val="lt1"/>
+          </a:fontRef>
+        </p:style>
+        <p:txBody>
+          <a:bodyPr rtlCol="0" anchor="ctr"/>
+          <a:lstStyle/>
+          <a:p>
+            <a:pPr algn="ctr"/>
+            <a:endParaRPr lang="ko-KR" altLang="en-US" dirty="0"/>
+          </a:p>
+        </p:txBody>
+      </p:sp>
+      <p:sp>
+        <p:nvSpPr>
           <p:cNvPr id="8" name="제목 1">
             <a:extLst>
               <a:ext uri="{FF2B5EF4-FFF2-40B4-BE49-F238E27FC236}">
@@ -3979,6 +5315,1645 @@
           <a:lstStyle/>
           <a:p>
             <a:r>
+              <a:rPr lang="ko-KR" altLang="en-US" sz="2800" dirty="0">
+                <a:solidFill>
+                  <a:schemeClr val="bg1"/>
+                </a:solidFill>
+                <a:latin typeface="Arial Narrow" panose="020B0606020202030204" pitchFamily="34" charset="0"/>
+                <a:ea typeface="LG스마트체 Regular" panose="020B0600000101010101" pitchFamily="50" charset="-127"/>
+              </a:rPr>
+              <a:t>탑승객 현황</a:t>
+            </a:r>
+          </a:p>
+        </p:txBody>
+      </p:sp>
+      <p:sp>
+        <p:nvSpPr>
+          <p:cNvPr id="9" name="Freeform 15">
+            <a:extLst>
+              <a:ext uri="{FF2B5EF4-FFF2-40B4-BE49-F238E27FC236}">
+                <a16:creationId xmlns:a16="http://schemas.microsoft.com/office/drawing/2014/main" id="{5D716D4D-426C-4829-966B-6EAC76F25C71}"/>
+              </a:ext>
+            </a:extLst>
+          </p:cNvPr>
+          <p:cNvSpPr/>
+          <p:nvPr/>
+        </p:nvSpPr>
+        <p:spPr>
+          <a:xfrm>
+            <a:off x="1890765" y="2739292"/>
+            <a:ext cx="432048" cy="1022765"/>
+          </a:xfrm>
+          <a:custGeom>
+            <a:avLst/>
+            <a:gdLst>
+              <a:gd name="connsiteX0" fmla="*/ 728026 w 2450507"/>
+              <a:gd name="connsiteY0" fmla="*/ 1125059 h 5800959"/>
+              <a:gd name="connsiteX1" fmla="*/ 1724714 w 2450507"/>
+              <a:gd name="connsiteY1" fmla="*/ 1125059 h 5800959"/>
+              <a:gd name="connsiteX2" fmla="*/ 2450506 w 2450507"/>
+              <a:gd name="connsiteY2" fmla="*/ 1850851 h 5800959"/>
+              <a:gd name="connsiteX3" fmla="*/ 2450506 w 2450507"/>
+              <a:gd name="connsiteY3" fmla="*/ 1882105 h 5800959"/>
+              <a:gd name="connsiteX4" fmla="*/ 2450507 w 2450507"/>
+              <a:gd name="connsiteY4" fmla="*/ 1882115 h 5800959"/>
+              <a:gd name="connsiteX5" fmla="*/ 2450506 w 2450507"/>
+              <a:gd name="connsiteY5" fmla="*/ 3168826 h 5800959"/>
+              <a:gd name="connsiteX6" fmla="*/ 2213690 w 2450507"/>
+              <a:gd name="connsiteY6" fmla="*/ 3405642 h 5800959"/>
+              <a:gd name="connsiteX7" fmla="*/ 2213691 w 2450507"/>
+              <a:gd name="connsiteY7" fmla="*/ 3405641 h 5800959"/>
+              <a:gd name="connsiteX8" fmla="*/ 1976875 w 2450507"/>
+              <a:gd name="connsiteY8" fmla="*/ 3168825 h 5800959"/>
+              <a:gd name="connsiteX9" fmla="*/ 1976875 w 2450507"/>
+              <a:gd name="connsiteY9" fmla="*/ 1911559 h 5800959"/>
+              <a:gd name="connsiteX10" fmla="*/ 1896214 w 2450507"/>
+              <a:gd name="connsiteY10" fmla="*/ 1911559 h 5800959"/>
+              <a:gd name="connsiteX11" fmla="*/ 1896214 w 2450507"/>
+              <a:gd name="connsiteY11" fmla="*/ 3339560 h 5800959"/>
+              <a:gd name="connsiteX12" fmla="*/ 1896214 w 2450507"/>
+              <a:gd name="connsiteY12" fmla="*/ 3405641 h 5800959"/>
+              <a:gd name="connsiteX13" fmla="*/ 1896214 w 2450507"/>
+              <a:gd name="connsiteY13" fmla="*/ 5496394 h 5800959"/>
+              <a:gd name="connsiteX14" fmla="*/ 1591649 w 2450507"/>
+              <a:gd name="connsiteY14" fmla="*/ 5800959 h 5800959"/>
+              <a:gd name="connsiteX15" fmla="*/ 1287084 w 2450507"/>
+              <a:gd name="connsiteY15" fmla="*/ 5496394 h 5800959"/>
+              <a:gd name="connsiteX16" fmla="*/ 1287084 w 2450507"/>
+              <a:gd name="connsiteY16" fmla="*/ 3405641 h 5800959"/>
+              <a:gd name="connsiteX17" fmla="*/ 1163422 w 2450507"/>
+              <a:gd name="connsiteY17" fmla="*/ 3405641 h 5800959"/>
+              <a:gd name="connsiteX18" fmla="*/ 1163422 w 2450507"/>
+              <a:gd name="connsiteY18" fmla="*/ 5496394 h 5800959"/>
+              <a:gd name="connsiteX19" fmla="*/ 858857 w 2450507"/>
+              <a:gd name="connsiteY19" fmla="*/ 5800959 h 5800959"/>
+              <a:gd name="connsiteX20" fmla="*/ 554292 w 2450507"/>
+              <a:gd name="connsiteY20" fmla="*/ 5496394 h 5800959"/>
+              <a:gd name="connsiteX21" fmla="*/ 554292 w 2450507"/>
+              <a:gd name="connsiteY21" fmla="*/ 3405641 h 5800959"/>
+              <a:gd name="connsiteX22" fmla="*/ 554292 w 2450507"/>
+              <a:gd name="connsiteY22" fmla="*/ 3405641 h 5800959"/>
+              <a:gd name="connsiteX23" fmla="*/ 554292 w 2450507"/>
+              <a:gd name="connsiteY23" fmla="*/ 1911559 h 5800959"/>
+              <a:gd name="connsiteX24" fmla="*/ 473632 w 2450507"/>
+              <a:gd name="connsiteY24" fmla="*/ 1911559 h 5800959"/>
+              <a:gd name="connsiteX25" fmla="*/ 473631 w 2450507"/>
+              <a:gd name="connsiteY25" fmla="*/ 3168826 h 5800959"/>
+              <a:gd name="connsiteX26" fmla="*/ 236815 w 2450507"/>
+              <a:gd name="connsiteY26" fmla="*/ 3405642 h 5800959"/>
+              <a:gd name="connsiteX27" fmla="*/ 236816 w 2450507"/>
+              <a:gd name="connsiteY27" fmla="*/ 3405641 h 5800959"/>
+              <a:gd name="connsiteX28" fmla="*/ 0 w 2450507"/>
+              <a:gd name="connsiteY28" fmla="*/ 3168825 h 5800959"/>
+              <a:gd name="connsiteX29" fmla="*/ 0 w 2450507"/>
+              <a:gd name="connsiteY29" fmla="*/ 1882115 h 5800959"/>
+              <a:gd name="connsiteX30" fmla="*/ 2234 w 2450507"/>
+              <a:gd name="connsiteY30" fmla="*/ 1859954 h 5800959"/>
+              <a:gd name="connsiteX31" fmla="*/ 2234 w 2450507"/>
+              <a:gd name="connsiteY31" fmla="*/ 1850851 h 5800959"/>
+              <a:gd name="connsiteX32" fmla="*/ 728026 w 2450507"/>
+              <a:gd name="connsiteY32" fmla="*/ 1125059 h 5800959"/>
+              <a:gd name="connsiteX33" fmla="*/ 1226370 w 2450507"/>
+              <a:gd name="connsiteY33" fmla="*/ 0 h 5800959"/>
+              <a:gd name="connsiteX34" fmla="*/ 1730426 w 2450507"/>
+              <a:gd name="connsiteY34" fmla="*/ 504056 h 5800959"/>
+              <a:gd name="connsiteX35" fmla="*/ 1226370 w 2450507"/>
+              <a:gd name="connsiteY35" fmla="*/ 1008112 h 5800959"/>
+              <a:gd name="connsiteX36" fmla="*/ 722314 w 2450507"/>
+              <a:gd name="connsiteY36" fmla="*/ 504056 h 5800959"/>
+              <a:gd name="connsiteX37" fmla="*/ 1226370 w 2450507"/>
+              <a:gd name="connsiteY37" fmla="*/ 0 h 5800959"/>
+            </a:gdLst>
+            <a:ahLst/>
+            <a:cxnLst>
+              <a:cxn ang="0">
+                <a:pos x="connsiteX0" y="connsiteY0"/>
+              </a:cxn>
+              <a:cxn ang="0">
+                <a:pos x="connsiteX1" y="connsiteY1"/>
+              </a:cxn>
+              <a:cxn ang="0">
+                <a:pos x="connsiteX2" y="connsiteY2"/>
+              </a:cxn>
+              <a:cxn ang="0">
+                <a:pos x="connsiteX3" y="connsiteY3"/>
+              </a:cxn>
+              <a:cxn ang="0">
+                <a:pos x="connsiteX4" y="connsiteY4"/>
+              </a:cxn>
+              <a:cxn ang="0">
+                <a:pos x="connsiteX5" y="connsiteY5"/>
+              </a:cxn>
+              <a:cxn ang="0">
+                <a:pos x="connsiteX6" y="connsiteY6"/>
+              </a:cxn>
+              <a:cxn ang="0">
+                <a:pos x="connsiteX7" y="connsiteY7"/>
+              </a:cxn>
+              <a:cxn ang="0">
+                <a:pos x="connsiteX8" y="connsiteY8"/>
+              </a:cxn>
+              <a:cxn ang="0">
+                <a:pos x="connsiteX9" y="connsiteY9"/>
+              </a:cxn>
+              <a:cxn ang="0">
+                <a:pos x="connsiteX10" y="connsiteY10"/>
+              </a:cxn>
+              <a:cxn ang="0">
+                <a:pos x="connsiteX11" y="connsiteY11"/>
+              </a:cxn>
+              <a:cxn ang="0">
+                <a:pos x="connsiteX12" y="connsiteY12"/>
+              </a:cxn>
+              <a:cxn ang="0">
+                <a:pos x="connsiteX13" y="connsiteY13"/>
+              </a:cxn>
+              <a:cxn ang="0">
+                <a:pos x="connsiteX14" y="connsiteY14"/>
+              </a:cxn>
+              <a:cxn ang="0">
+                <a:pos x="connsiteX15" y="connsiteY15"/>
+              </a:cxn>
+              <a:cxn ang="0">
+                <a:pos x="connsiteX16" y="connsiteY16"/>
+              </a:cxn>
+              <a:cxn ang="0">
+                <a:pos x="connsiteX17" y="connsiteY17"/>
+              </a:cxn>
+              <a:cxn ang="0">
+                <a:pos x="connsiteX18" y="connsiteY18"/>
+              </a:cxn>
+              <a:cxn ang="0">
+                <a:pos x="connsiteX19" y="connsiteY19"/>
+              </a:cxn>
+              <a:cxn ang="0">
+                <a:pos x="connsiteX20" y="connsiteY20"/>
+              </a:cxn>
+              <a:cxn ang="0">
+                <a:pos x="connsiteX21" y="connsiteY21"/>
+              </a:cxn>
+              <a:cxn ang="0">
+                <a:pos x="connsiteX22" y="connsiteY22"/>
+              </a:cxn>
+              <a:cxn ang="0">
+                <a:pos x="connsiteX23" y="connsiteY23"/>
+              </a:cxn>
+              <a:cxn ang="0">
+                <a:pos x="connsiteX24" y="connsiteY24"/>
+              </a:cxn>
+              <a:cxn ang="0">
+                <a:pos x="connsiteX25" y="connsiteY25"/>
+              </a:cxn>
+              <a:cxn ang="0">
+                <a:pos x="connsiteX26" y="connsiteY26"/>
+              </a:cxn>
+              <a:cxn ang="0">
+                <a:pos x="connsiteX27" y="connsiteY27"/>
+              </a:cxn>
+              <a:cxn ang="0">
+                <a:pos x="connsiteX28" y="connsiteY28"/>
+              </a:cxn>
+              <a:cxn ang="0">
+                <a:pos x="connsiteX29" y="connsiteY29"/>
+              </a:cxn>
+              <a:cxn ang="0">
+                <a:pos x="connsiteX30" y="connsiteY30"/>
+              </a:cxn>
+              <a:cxn ang="0">
+                <a:pos x="connsiteX31" y="connsiteY31"/>
+              </a:cxn>
+              <a:cxn ang="0">
+                <a:pos x="connsiteX32" y="connsiteY32"/>
+              </a:cxn>
+              <a:cxn ang="0">
+                <a:pos x="connsiteX33" y="connsiteY33"/>
+              </a:cxn>
+              <a:cxn ang="0">
+                <a:pos x="connsiteX34" y="connsiteY34"/>
+              </a:cxn>
+              <a:cxn ang="0">
+                <a:pos x="connsiteX35" y="connsiteY35"/>
+              </a:cxn>
+              <a:cxn ang="0">
+                <a:pos x="connsiteX36" y="connsiteY36"/>
+              </a:cxn>
+              <a:cxn ang="0">
+                <a:pos x="connsiteX37" y="connsiteY37"/>
+              </a:cxn>
+            </a:cxnLst>
+            <a:rect l="l" t="t" r="r" b="b"/>
+            <a:pathLst>
+              <a:path w="2450507" h="5800959">
+                <a:moveTo>
+                  <a:pt x="728026" y="1125059"/>
+                </a:moveTo>
+                <a:lnTo>
+                  <a:pt x="1724714" y="1125059"/>
+                </a:lnTo>
+                <a:cubicBezTo>
+                  <a:pt x="2125558" y="1125059"/>
+                  <a:pt x="2450506" y="1450007"/>
+                  <a:pt x="2450506" y="1850851"/>
+                </a:cubicBezTo>
+                <a:lnTo>
+                  <a:pt x="2450506" y="1882105"/>
+                </a:lnTo>
+                <a:lnTo>
+                  <a:pt x="2450507" y="1882115"/>
+                </a:lnTo>
+                <a:cubicBezTo>
+                  <a:pt x="2450507" y="2311019"/>
+                  <a:pt x="2450506" y="2739922"/>
+                  <a:pt x="2450506" y="3168826"/>
+                </a:cubicBezTo>
+                <a:cubicBezTo>
+                  <a:pt x="2450506" y="3299616"/>
+                  <a:pt x="2344480" y="3405642"/>
+                  <a:pt x="2213690" y="3405642"/>
+                </a:cubicBezTo>
+                <a:lnTo>
+                  <a:pt x="2213691" y="3405641"/>
+                </a:lnTo>
+                <a:cubicBezTo>
+                  <a:pt x="2082901" y="3405641"/>
+                  <a:pt x="1976875" y="3299615"/>
+                  <a:pt x="1976875" y="3168825"/>
+                </a:cubicBezTo>
+                <a:lnTo>
+                  <a:pt x="1976875" y="1911559"/>
+                </a:lnTo>
+                <a:lnTo>
+                  <a:pt x="1896214" y="1911559"/>
+                </a:lnTo>
+                <a:lnTo>
+                  <a:pt x="1896214" y="3339560"/>
+                </a:lnTo>
+                <a:lnTo>
+                  <a:pt x="1896214" y="3405641"/>
+                </a:lnTo>
+                <a:lnTo>
+                  <a:pt x="1896214" y="5496394"/>
+                </a:lnTo>
+                <a:cubicBezTo>
+                  <a:pt x="1896214" y="5664601"/>
+                  <a:pt x="1759856" y="5800959"/>
+                  <a:pt x="1591649" y="5800959"/>
+                </a:cubicBezTo>
+                <a:cubicBezTo>
+                  <a:pt x="1423442" y="5800959"/>
+                  <a:pt x="1287084" y="5664601"/>
+                  <a:pt x="1287084" y="5496394"/>
+                </a:cubicBezTo>
+                <a:lnTo>
+                  <a:pt x="1287084" y="3405641"/>
+                </a:lnTo>
+                <a:lnTo>
+                  <a:pt x="1163422" y="3405641"/>
+                </a:lnTo>
+                <a:lnTo>
+                  <a:pt x="1163422" y="5496394"/>
+                </a:lnTo>
+                <a:cubicBezTo>
+                  <a:pt x="1163422" y="5664601"/>
+                  <a:pt x="1027064" y="5800959"/>
+                  <a:pt x="858857" y="5800959"/>
+                </a:cubicBezTo>
+                <a:cubicBezTo>
+                  <a:pt x="690650" y="5800959"/>
+                  <a:pt x="554292" y="5664601"/>
+                  <a:pt x="554292" y="5496394"/>
+                </a:cubicBezTo>
+                <a:lnTo>
+                  <a:pt x="554292" y="3405641"/>
+                </a:lnTo>
+                <a:lnTo>
+                  <a:pt x="554292" y="3405641"/>
+                </a:lnTo>
+                <a:lnTo>
+                  <a:pt x="554292" y="1911559"/>
+                </a:lnTo>
+                <a:lnTo>
+                  <a:pt x="473632" y="1911559"/>
+                </a:lnTo>
+                <a:lnTo>
+                  <a:pt x="473631" y="3168826"/>
+                </a:lnTo>
+                <a:cubicBezTo>
+                  <a:pt x="473631" y="3299616"/>
+                  <a:pt x="367605" y="3405642"/>
+                  <a:pt x="236815" y="3405642"/>
+                </a:cubicBezTo>
+                <a:lnTo>
+                  <a:pt x="236816" y="3405641"/>
+                </a:lnTo>
+                <a:cubicBezTo>
+                  <a:pt x="106026" y="3405641"/>
+                  <a:pt x="0" y="3299615"/>
+                  <a:pt x="0" y="3168825"/>
+                </a:cubicBezTo>
+                <a:lnTo>
+                  <a:pt x="0" y="1882115"/>
+                </a:lnTo>
+                <a:lnTo>
+                  <a:pt x="2234" y="1859954"/>
+                </a:lnTo>
+                <a:lnTo>
+                  <a:pt x="2234" y="1850851"/>
+                </a:lnTo>
+                <a:cubicBezTo>
+                  <a:pt x="2234" y="1450007"/>
+                  <a:pt x="327182" y="1125059"/>
+                  <a:pt x="728026" y="1125059"/>
+                </a:cubicBezTo>
+                <a:close/>
+                <a:moveTo>
+                  <a:pt x="1226370" y="0"/>
+                </a:moveTo>
+                <a:cubicBezTo>
+                  <a:pt x="1504752" y="0"/>
+                  <a:pt x="1730426" y="225674"/>
+                  <a:pt x="1730426" y="504056"/>
+                </a:cubicBezTo>
+                <a:cubicBezTo>
+                  <a:pt x="1730426" y="782438"/>
+                  <a:pt x="1504752" y="1008112"/>
+                  <a:pt x="1226370" y="1008112"/>
+                </a:cubicBezTo>
+                <a:cubicBezTo>
+                  <a:pt x="947988" y="1008112"/>
+                  <a:pt x="722314" y="782438"/>
+                  <a:pt x="722314" y="504056"/>
+                </a:cubicBezTo>
+                <a:cubicBezTo>
+                  <a:pt x="722314" y="225674"/>
+                  <a:pt x="947988" y="0"/>
+                  <a:pt x="1226370" y="0"/>
+                </a:cubicBezTo>
+                <a:close/>
+              </a:path>
+            </a:pathLst>
+          </a:custGeom>
+          <a:solidFill>
+            <a:schemeClr val="tx2">
+              <a:lumMod val="20000"/>
+              <a:lumOff val="80000"/>
+            </a:schemeClr>
+          </a:solidFill>
+          <a:ln>
+            <a:noFill/>
+          </a:ln>
+        </p:spPr>
+        <p:style>
+          <a:lnRef idx="2">
+            <a:schemeClr val="accent1">
+              <a:shade val="50000"/>
+            </a:schemeClr>
+          </a:lnRef>
+          <a:fillRef idx="1">
+            <a:schemeClr val="accent1"/>
+          </a:fillRef>
+          <a:effectRef idx="0">
+            <a:schemeClr val="accent1"/>
+          </a:effectRef>
+          <a:fontRef idx="minor">
+            <a:schemeClr val="lt1"/>
+          </a:fontRef>
+        </p:style>
+        <p:txBody>
+          <a:bodyPr rtlCol="0" anchor="ctr"/>
+          <a:lstStyle/>
+          <a:p>
+            <a:pPr algn="ctr"/>
+            <a:endParaRPr lang="ko-KR" altLang="en-US"/>
+          </a:p>
+        </p:txBody>
+      </p:sp>
+      <p:sp>
+        <p:nvSpPr>
+          <p:cNvPr id="10" name="Freeform 15">
+            <a:extLst>
+              <a:ext uri="{FF2B5EF4-FFF2-40B4-BE49-F238E27FC236}">
+                <a16:creationId xmlns:a16="http://schemas.microsoft.com/office/drawing/2014/main" id="{E732C9BA-0416-42DD-88D8-102E0EFEAE40}"/>
+              </a:ext>
+            </a:extLst>
+          </p:cNvPr>
+          <p:cNvSpPr/>
+          <p:nvPr/>
+        </p:nvSpPr>
+        <p:spPr>
+          <a:xfrm>
+            <a:off x="2446313" y="2739292"/>
+            <a:ext cx="432048" cy="1022765"/>
+          </a:xfrm>
+          <a:custGeom>
+            <a:avLst/>
+            <a:gdLst>
+              <a:gd name="connsiteX0" fmla="*/ 728026 w 2450507"/>
+              <a:gd name="connsiteY0" fmla="*/ 1125059 h 5800959"/>
+              <a:gd name="connsiteX1" fmla="*/ 1724714 w 2450507"/>
+              <a:gd name="connsiteY1" fmla="*/ 1125059 h 5800959"/>
+              <a:gd name="connsiteX2" fmla="*/ 2450506 w 2450507"/>
+              <a:gd name="connsiteY2" fmla="*/ 1850851 h 5800959"/>
+              <a:gd name="connsiteX3" fmla="*/ 2450506 w 2450507"/>
+              <a:gd name="connsiteY3" fmla="*/ 1882105 h 5800959"/>
+              <a:gd name="connsiteX4" fmla="*/ 2450507 w 2450507"/>
+              <a:gd name="connsiteY4" fmla="*/ 1882115 h 5800959"/>
+              <a:gd name="connsiteX5" fmla="*/ 2450506 w 2450507"/>
+              <a:gd name="connsiteY5" fmla="*/ 3168826 h 5800959"/>
+              <a:gd name="connsiteX6" fmla="*/ 2213690 w 2450507"/>
+              <a:gd name="connsiteY6" fmla="*/ 3405642 h 5800959"/>
+              <a:gd name="connsiteX7" fmla="*/ 2213691 w 2450507"/>
+              <a:gd name="connsiteY7" fmla="*/ 3405641 h 5800959"/>
+              <a:gd name="connsiteX8" fmla="*/ 1976875 w 2450507"/>
+              <a:gd name="connsiteY8" fmla="*/ 3168825 h 5800959"/>
+              <a:gd name="connsiteX9" fmla="*/ 1976875 w 2450507"/>
+              <a:gd name="connsiteY9" fmla="*/ 1911559 h 5800959"/>
+              <a:gd name="connsiteX10" fmla="*/ 1896214 w 2450507"/>
+              <a:gd name="connsiteY10" fmla="*/ 1911559 h 5800959"/>
+              <a:gd name="connsiteX11" fmla="*/ 1896214 w 2450507"/>
+              <a:gd name="connsiteY11" fmla="*/ 3339560 h 5800959"/>
+              <a:gd name="connsiteX12" fmla="*/ 1896214 w 2450507"/>
+              <a:gd name="connsiteY12" fmla="*/ 3405641 h 5800959"/>
+              <a:gd name="connsiteX13" fmla="*/ 1896214 w 2450507"/>
+              <a:gd name="connsiteY13" fmla="*/ 5496394 h 5800959"/>
+              <a:gd name="connsiteX14" fmla="*/ 1591649 w 2450507"/>
+              <a:gd name="connsiteY14" fmla="*/ 5800959 h 5800959"/>
+              <a:gd name="connsiteX15" fmla="*/ 1287084 w 2450507"/>
+              <a:gd name="connsiteY15" fmla="*/ 5496394 h 5800959"/>
+              <a:gd name="connsiteX16" fmla="*/ 1287084 w 2450507"/>
+              <a:gd name="connsiteY16" fmla="*/ 3405641 h 5800959"/>
+              <a:gd name="connsiteX17" fmla="*/ 1163422 w 2450507"/>
+              <a:gd name="connsiteY17" fmla="*/ 3405641 h 5800959"/>
+              <a:gd name="connsiteX18" fmla="*/ 1163422 w 2450507"/>
+              <a:gd name="connsiteY18" fmla="*/ 5496394 h 5800959"/>
+              <a:gd name="connsiteX19" fmla="*/ 858857 w 2450507"/>
+              <a:gd name="connsiteY19" fmla="*/ 5800959 h 5800959"/>
+              <a:gd name="connsiteX20" fmla="*/ 554292 w 2450507"/>
+              <a:gd name="connsiteY20" fmla="*/ 5496394 h 5800959"/>
+              <a:gd name="connsiteX21" fmla="*/ 554292 w 2450507"/>
+              <a:gd name="connsiteY21" fmla="*/ 3405641 h 5800959"/>
+              <a:gd name="connsiteX22" fmla="*/ 554292 w 2450507"/>
+              <a:gd name="connsiteY22" fmla="*/ 3405641 h 5800959"/>
+              <a:gd name="connsiteX23" fmla="*/ 554292 w 2450507"/>
+              <a:gd name="connsiteY23" fmla="*/ 1911559 h 5800959"/>
+              <a:gd name="connsiteX24" fmla="*/ 473632 w 2450507"/>
+              <a:gd name="connsiteY24" fmla="*/ 1911559 h 5800959"/>
+              <a:gd name="connsiteX25" fmla="*/ 473631 w 2450507"/>
+              <a:gd name="connsiteY25" fmla="*/ 3168826 h 5800959"/>
+              <a:gd name="connsiteX26" fmla="*/ 236815 w 2450507"/>
+              <a:gd name="connsiteY26" fmla="*/ 3405642 h 5800959"/>
+              <a:gd name="connsiteX27" fmla="*/ 236816 w 2450507"/>
+              <a:gd name="connsiteY27" fmla="*/ 3405641 h 5800959"/>
+              <a:gd name="connsiteX28" fmla="*/ 0 w 2450507"/>
+              <a:gd name="connsiteY28" fmla="*/ 3168825 h 5800959"/>
+              <a:gd name="connsiteX29" fmla="*/ 0 w 2450507"/>
+              <a:gd name="connsiteY29" fmla="*/ 1882115 h 5800959"/>
+              <a:gd name="connsiteX30" fmla="*/ 2234 w 2450507"/>
+              <a:gd name="connsiteY30" fmla="*/ 1859954 h 5800959"/>
+              <a:gd name="connsiteX31" fmla="*/ 2234 w 2450507"/>
+              <a:gd name="connsiteY31" fmla="*/ 1850851 h 5800959"/>
+              <a:gd name="connsiteX32" fmla="*/ 728026 w 2450507"/>
+              <a:gd name="connsiteY32" fmla="*/ 1125059 h 5800959"/>
+              <a:gd name="connsiteX33" fmla="*/ 1226370 w 2450507"/>
+              <a:gd name="connsiteY33" fmla="*/ 0 h 5800959"/>
+              <a:gd name="connsiteX34" fmla="*/ 1730426 w 2450507"/>
+              <a:gd name="connsiteY34" fmla="*/ 504056 h 5800959"/>
+              <a:gd name="connsiteX35" fmla="*/ 1226370 w 2450507"/>
+              <a:gd name="connsiteY35" fmla="*/ 1008112 h 5800959"/>
+              <a:gd name="connsiteX36" fmla="*/ 722314 w 2450507"/>
+              <a:gd name="connsiteY36" fmla="*/ 504056 h 5800959"/>
+              <a:gd name="connsiteX37" fmla="*/ 1226370 w 2450507"/>
+              <a:gd name="connsiteY37" fmla="*/ 0 h 5800959"/>
+            </a:gdLst>
+            <a:ahLst/>
+            <a:cxnLst>
+              <a:cxn ang="0">
+                <a:pos x="connsiteX0" y="connsiteY0"/>
+              </a:cxn>
+              <a:cxn ang="0">
+                <a:pos x="connsiteX1" y="connsiteY1"/>
+              </a:cxn>
+              <a:cxn ang="0">
+                <a:pos x="connsiteX2" y="connsiteY2"/>
+              </a:cxn>
+              <a:cxn ang="0">
+                <a:pos x="connsiteX3" y="connsiteY3"/>
+              </a:cxn>
+              <a:cxn ang="0">
+                <a:pos x="connsiteX4" y="connsiteY4"/>
+              </a:cxn>
+              <a:cxn ang="0">
+                <a:pos x="connsiteX5" y="connsiteY5"/>
+              </a:cxn>
+              <a:cxn ang="0">
+                <a:pos x="connsiteX6" y="connsiteY6"/>
+              </a:cxn>
+              <a:cxn ang="0">
+                <a:pos x="connsiteX7" y="connsiteY7"/>
+              </a:cxn>
+              <a:cxn ang="0">
+                <a:pos x="connsiteX8" y="connsiteY8"/>
+              </a:cxn>
+              <a:cxn ang="0">
+                <a:pos x="connsiteX9" y="connsiteY9"/>
+              </a:cxn>
+              <a:cxn ang="0">
+                <a:pos x="connsiteX10" y="connsiteY10"/>
+              </a:cxn>
+              <a:cxn ang="0">
+                <a:pos x="connsiteX11" y="connsiteY11"/>
+              </a:cxn>
+              <a:cxn ang="0">
+                <a:pos x="connsiteX12" y="connsiteY12"/>
+              </a:cxn>
+              <a:cxn ang="0">
+                <a:pos x="connsiteX13" y="connsiteY13"/>
+              </a:cxn>
+              <a:cxn ang="0">
+                <a:pos x="connsiteX14" y="connsiteY14"/>
+              </a:cxn>
+              <a:cxn ang="0">
+                <a:pos x="connsiteX15" y="connsiteY15"/>
+              </a:cxn>
+              <a:cxn ang="0">
+                <a:pos x="connsiteX16" y="connsiteY16"/>
+              </a:cxn>
+              <a:cxn ang="0">
+                <a:pos x="connsiteX17" y="connsiteY17"/>
+              </a:cxn>
+              <a:cxn ang="0">
+                <a:pos x="connsiteX18" y="connsiteY18"/>
+              </a:cxn>
+              <a:cxn ang="0">
+                <a:pos x="connsiteX19" y="connsiteY19"/>
+              </a:cxn>
+              <a:cxn ang="0">
+                <a:pos x="connsiteX20" y="connsiteY20"/>
+              </a:cxn>
+              <a:cxn ang="0">
+                <a:pos x="connsiteX21" y="connsiteY21"/>
+              </a:cxn>
+              <a:cxn ang="0">
+                <a:pos x="connsiteX22" y="connsiteY22"/>
+              </a:cxn>
+              <a:cxn ang="0">
+                <a:pos x="connsiteX23" y="connsiteY23"/>
+              </a:cxn>
+              <a:cxn ang="0">
+                <a:pos x="connsiteX24" y="connsiteY24"/>
+              </a:cxn>
+              <a:cxn ang="0">
+                <a:pos x="connsiteX25" y="connsiteY25"/>
+              </a:cxn>
+              <a:cxn ang="0">
+                <a:pos x="connsiteX26" y="connsiteY26"/>
+              </a:cxn>
+              <a:cxn ang="0">
+                <a:pos x="connsiteX27" y="connsiteY27"/>
+              </a:cxn>
+              <a:cxn ang="0">
+                <a:pos x="connsiteX28" y="connsiteY28"/>
+              </a:cxn>
+              <a:cxn ang="0">
+                <a:pos x="connsiteX29" y="connsiteY29"/>
+              </a:cxn>
+              <a:cxn ang="0">
+                <a:pos x="connsiteX30" y="connsiteY30"/>
+              </a:cxn>
+              <a:cxn ang="0">
+                <a:pos x="connsiteX31" y="connsiteY31"/>
+              </a:cxn>
+              <a:cxn ang="0">
+                <a:pos x="connsiteX32" y="connsiteY32"/>
+              </a:cxn>
+              <a:cxn ang="0">
+                <a:pos x="connsiteX33" y="connsiteY33"/>
+              </a:cxn>
+              <a:cxn ang="0">
+                <a:pos x="connsiteX34" y="connsiteY34"/>
+              </a:cxn>
+              <a:cxn ang="0">
+                <a:pos x="connsiteX35" y="connsiteY35"/>
+              </a:cxn>
+              <a:cxn ang="0">
+                <a:pos x="connsiteX36" y="connsiteY36"/>
+              </a:cxn>
+              <a:cxn ang="0">
+                <a:pos x="connsiteX37" y="connsiteY37"/>
+              </a:cxn>
+            </a:cxnLst>
+            <a:rect l="l" t="t" r="r" b="b"/>
+            <a:pathLst>
+              <a:path w="2450507" h="5800959">
+                <a:moveTo>
+                  <a:pt x="728026" y="1125059"/>
+                </a:moveTo>
+                <a:lnTo>
+                  <a:pt x="1724714" y="1125059"/>
+                </a:lnTo>
+                <a:cubicBezTo>
+                  <a:pt x="2125558" y="1125059"/>
+                  <a:pt x="2450506" y="1450007"/>
+                  <a:pt x="2450506" y="1850851"/>
+                </a:cubicBezTo>
+                <a:lnTo>
+                  <a:pt x="2450506" y="1882105"/>
+                </a:lnTo>
+                <a:lnTo>
+                  <a:pt x="2450507" y="1882115"/>
+                </a:lnTo>
+                <a:cubicBezTo>
+                  <a:pt x="2450507" y="2311019"/>
+                  <a:pt x="2450506" y="2739922"/>
+                  <a:pt x="2450506" y="3168826"/>
+                </a:cubicBezTo>
+                <a:cubicBezTo>
+                  <a:pt x="2450506" y="3299616"/>
+                  <a:pt x="2344480" y="3405642"/>
+                  <a:pt x="2213690" y="3405642"/>
+                </a:cubicBezTo>
+                <a:lnTo>
+                  <a:pt x="2213691" y="3405641"/>
+                </a:lnTo>
+                <a:cubicBezTo>
+                  <a:pt x="2082901" y="3405641"/>
+                  <a:pt x="1976875" y="3299615"/>
+                  <a:pt x="1976875" y="3168825"/>
+                </a:cubicBezTo>
+                <a:lnTo>
+                  <a:pt x="1976875" y="1911559"/>
+                </a:lnTo>
+                <a:lnTo>
+                  <a:pt x="1896214" y="1911559"/>
+                </a:lnTo>
+                <a:lnTo>
+                  <a:pt x="1896214" y="3339560"/>
+                </a:lnTo>
+                <a:lnTo>
+                  <a:pt x="1896214" y="3405641"/>
+                </a:lnTo>
+                <a:lnTo>
+                  <a:pt x="1896214" y="5496394"/>
+                </a:lnTo>
+                <a:cubicBezTo>
+                  <a:pt x="1896214" y="5664601"/>
+                  <a:pt x="1759856" y="5800959"/>
+                  <a:pt x="1591649" y="5800959"/>
+                </a:cubicBezTo>
+                <a:cubicBezTo>
+                  <a:pt x="1423442" y="5800959"/>
+                  <a:pt x="1287084" y="5664601"/>
+                  <a:pt x="1287084" y="5496394"/>
+                </a:cubicBezTo>
+                <a:lnTo>
+                  <a:pt x="1287084" y="3405641"/>
+                </a:lnTo>
+                <a:lnTo>
+                  <a:pt x="1163422" y="3405641"/>
+                </a:lnTo>
+                <a:lnTo>
+                  <a:pt x="1163422" y="5496394"/>
+                </a:lnTo>
+                <a:cubicBezTo>
+                  <a:pt x="1163422" y="5664601"/>
+                  <a:pt x="1027064" y="5800959"/>
+                  <a:pt x="858857" y="5800959"/>
+                </a:cubicBezTo>
+                <a:cubicBezTo>
+                  <a:pt x="690650" y="5800959"/>
+                  <a:pt x="554292" y="5664601"/>
+                  <a:pt x="554292" y="5496394"/>
+                </a:cubicBezTo>
+                <a:lnTo>
+                  <a:pt x="554292" y="3405641"/>
+                </a:lnTo>
+                <a:lnTo>
+                  <a:pt x="554292" y="3405641"/>
+                </a:lnTo>
+                <a:lnTo>
+                  <a:pt x="554292" y="1911559"/>
+                </a:lnTo>
+                <a:lnTo>
+                  <a:pt x="473632" y="1911559"/>
+                </a:lnTo>
+                <a:lnTo>
+                  <a:pt x="473631" y="3168826"/>
+                </a:lnTo>
+                <a:cubicBezTo>
+                  <a:pt x="473631" y="3299616"/>
+                  <a:pt x="367605" y="3405642"/>
+                  <a:pt x="236815" y="3405642"/>
+                </a:cubicBezTo>
+                <a:lnTo>
+                  <a:pt x="236816" y="3405641"/>
+                </a:lnTo>
+                <a:cubicBezTo>
+                  <a:pt x="106026" y="3405641"/>
+                  <a:pt x="0" y="3299615"/>
+                  <a:pt x="0" y="3168825"/>
+                </a:cubicBezTo>
+                <a:lnTo>
+                  <a:pt x="0" y="1882115"/>
+                </a:lnTo>
+                <a:lnTo>
+                  <a:pt x="2234" y="1859954"/>
+                </a:lnTo>
+                <a:lnTo>
+                  <a:pt x="2234" y="1850851"/>
+                </a:lnTo>
+                <a:cubicBezTo>
+                  <a:pt x="2234" y="1450007"/>
+                  <a:pt x="327182" y="1125059"/>
+                  <a:pt x="728026" y="1125059"/>
+                </a:cubicBezTo>
+                <a:close/>
+                <a:moveTo>
+                  <a:pt x="1226370" y="0"/>
+                </a:moveTo>
+                <a:cubicBezTo>
+                  <a:pt x="1504752" y="0"/>
+                  <a:pt x="1730426" y="225674"/>
+                  <a:pt x="1730426" y="504056"/>
+                </a:cubicBezTo>
+                <a:cubicBezTo>
+                  <a:pt x="1730426" y="782438"/>
+                  <a:pt x="1504752" y="1008112"/>
+                  <a:pt x="1226370" y="1008112"/>
+                </a:cubicBezTo>
+                <a:cubicBezTo>
+                  <a:pt x="947988" y="1008112"/>
+                  <a:pt x="722314" y="782438"/>
+                  <a:pt x="722314" y="504056"/>
+                </a:cubicBezTo>
+                <a:cubicBezTo>
+                  <a:pt x="722314" y="225674"/>
+                  <a:pt x="947988" y="0"/>
+                  <a:pt x="1226370" y="0"/>
+                </a:cubicBezTo>
+                <a:close/>
+              </a:path>
+            </a:pathLst>
+          </a:custGeom>
+          <a:solidFill>
+            <a:schemeClr val="tx2">
+              <a:lumMod val="20000"/>
+              <a:lumOff val="80000"/>
+            </a:schemeClr>
+          </a:solidFill>
+          <a:ln>
+            <a:noFill/>
+          </a:ln>
+        </p:spPr>
+        <p:style>
+          <a:lnRef idx="2">
+            <a:schemeClr val="accent1">
+              <a:shade val="50000"/>
+            </a:schemeClr>
+          </a:lnRef>
+          <a:fillRef idx="1">
+            <a:schemeClr val="accent1"/>
+          </a:fillRef>
+          <a:effectRef idx="0">
+            <a:schemeClr val="accent1"/>
+          </a:effectRef>
+          <a:fontRef idx="minor">
+            <a:schemeClr val="lt1"/>
+          </a:fontRef>
+        </p:style>
+        <p:txBody>
+          <a:bodyPr rtlCol="0" anchor="ctr"/>
+          <a:lstStyle/>
+          <a:p>
+            <a:pPr algn="ctr"/>
+            <a:endParaRPr lang="ko-KR" altLang="en-US"/>
+          </a:p>
+        </p:txBody>
+      </p:sp>
+      <p:sp>
+        <p:nvSpPr>
+          <p:cNvPr id="18" name="Freeform 28">
+            <a:extLst>
+              <a:ext uri="{FF2B5EF4-FFF2-40B4-BE49-F238E27FC236}">
+                <a16:creationId xmlns:a16="http://schemas.microsoft.com/office/drawing/2014/main" id="{2FF2A1C2-2E4C-4880-88B9-F7D4CF8BC281}"/>
+              </a:ext>
+            </a:extLst>
+          </p:cNvPr>
+          <p:cNvSpPr/>
+          <p:nvPr/>
+        </p:nvSpPr>
+        <p:spPr>
+          <a:xfrm>
+            <a:off x="4052604" y="2736799"/>
+            <a:ext cx="504056" cy="1025257"/>
+          </a:xfrm>
+          <a:custGeom>
+            <a:avLst/>
+            <a:gdLst>
+              <a:gd name="connsiteX0" fmla="*/ 1091476 w 2758322"/>
+              <a:gd name="connsiteY0" fmla="*/ 1092138 h 5610468"/>
+              <a:gd name="connsiteX1" fmla="*/ 1672465 w 2758322"/>
+              <a:gd name="connsiteY1" fmla="*/ 1092138 h 5610468"/>
+              <a:gd name="connsiteX2" fmla="*/ 2355278 w 2758322"/>
+              <a:gd name="connsiteY2" fmla="*/ 1630715 h 5610468"/>
+              <a:gd name="connsiteX3" fmla="*/ 2357084 w 2758322"/>
+              <a:gd name="connsiteY3" fmla="*/ 1648052 h 5610468"/>
+              <a:gd name="connsiteX4" fmla="*/ 2747364 w 2758322"/>
+              <a:gd name="connsiteY4" fmla="*/ 2782778 h 5610468"/>
+              <a:gd name="connsiteX5" fmla="*/ 2622945 w 2758322"/>
+              <a:gd name="connsiteY5" fmla="*/ 3037651 h 5610468"/>
+              <a:gd name="connsiteX6" fmla="*/ 2368071 w 2758322"/>
+              <a:gd name="connsiteY6" fmla="*/ 2913232 h 5610468"/>
+              <a:gd name="connsiteX7" fmla="*/ 1978655 w 2758322"/>
+              <a:gd name="connsiteY7" fmla="*/ 1781015 h 5610468"/>
+              <a:gd name="connsiteX8" fmla="*/ 1877373 w 2758322"/>
+              <a:gd name="connsiteY8" fmla="*/ 1781015 h 5610468"/>
+              <a:gd name="connsiteX9" fmla="*/ 2572346 w 2758322"/>
+              <a:gd name="connsiteY9" fmla="*/ 3761286 h 5610468"/>
+              <a:gd name="connsiteX10" fmla="*/ 1989631 w 2758322"/>
+              <a:gd name="connsiteY10" fmla="*/ 3761286 h 5610468"/>
+              <a:gd name="connsiteX11" fmla="*/ 1989630 w 2758322"/>
+              <a:gd name="connsiteY11" fmla="*/ 5367304 h 5610468"/>
+              <a:gd name="connsiteX12" fmla="*/ 1746466 w 2758322"/>
+              <a:gd name="connsiteY12" fmla="*/ 5610468 h 5610468"/>
+              <a:gd name="connsiteX13" fmla="*/ 1746467 w 2758322"/>
+              <a:gd name="connsiteY13" fmla="*/ 5610467 h 5610468"/>
+              <a:gd name="connsiteX14" fmla="*/ 1503303 w 2758322"/>
+              <a:gd name="connsiteY14" fmla="*/ 5367303 h 5610468"/>
+              <a:gd name="connsiteX15" fmla="*/ 1503303 w 2758322"/>
+              <a:gd name="connsiteY15" fmla="*/ 3761286 h 5610468"/>
+              <a:gd name="connsiteX16" fmla="*/ 1290929 w 2758322"/>
+              <a:gd name="connsiteY16" fmla="*/ 3761286 h 5610468"/>
+              <a:gd name="connsiteX17" fmla="*/ 1290928 w 2758322"/>
+              <a:gd name="connsiteY17" fmla="*/ 5367304 h 5610468"/>
+              <a:gd name="connsiteX18" fmla="*/ 1047764 w 2758322"/>
+              <a:gd name="connsiteY18" fmla="*/ 5610468 h 5610468"/>
+              <a:gd name="connsiteX19" fmla="*/ 1047765 w 2758322"/>
+              <a:gd name="connsiteY19" fmla="*/ 5610467 h 5610468"/>
+              <a:gd name="connsiteX20" fmla="*/ 804601 w 2758322"/>
+              <a:gd name="connsiteY20" fmla="*/ 5367303 h 5610468"/>
+              <a:gd name="connsiteX21" fmla="*/ 804601 w 2758322"/>
+              <a:gd name="connsiteY21" fmla="*/ 3761286 h 5610468"/>
+              <a:gd name="connsiteX22" fmla="*/ 212057 w 2758322"/>
+              <a:gd name="connsiteY22" fmla="*/ 3761286 h 5610468"/>
+              <a:gd name="connsiteX23" fmla="*/ 907030 w 2758322"/>
+              <a:gd name="connsiteY23" fmla="*/ 1781015 h 5610468"/>
+              <a:gd name="connsiteX24" fmla="*/ 784167 w 2758322"/>
+              <a:gd name="connsiteY24" fmla="*/ 1781015 h 5610468"/>
+              <a:gd name="connsiteX25" fmla="*/ 390010 w 2758322"/>
+              <a:gd name="connsiteY25" fmla="*/ 2913473 h 5610468"/>
+              <a:gd name="connsiteX26" fmla="*/ 134681 w 2758322"/>
+              <a:gd name="connsiteY26" fmla="*/ 3036955 h 5610468"/>
+              <a:gd name="connsiteX27" fmla="*/ 11199 w 2758322"/>
+              <a:gd name="connsiteY27" fmla="*/ 2781626 h 5610468"/>
+              <a:gd name="connsiteX28" fmla="*/ 407332 w 2758322"/>
+              <a:gd name="connsiteY28" fmla="*/ 1643491 h 5610468"/>
+              <a:gd name="connsiteX29" fmla="*/ 408663 w 2758322"/>
+              <a:gd name="connsiteY29" fmla="*/ 1630715 h 5610468"/>
+              <a:gd name="connsiteX30" fmla="*/ 1091476 w 2758322"/>
+              <a:gd name="connsiteY30" fmla="*/ 1092138 h 5610468"/>
+              <a:gd name="connsiteX31" fmla="*/ 1392202 w 2758322"/>
+              <a:gd name="connsiteY31" fmla="*/ 0 h 5610468"/>
+              <a:gd name="connsiteX32" fmla="*/ 1927374 w 2758322"/>
+              <a:gd name="connsiteY32" fmla="*/ 496967 h 5610468"/>
+              <a:gd name="connsiteX33" fmla="*/ 1392202 w 2758322"/>
+              <a:gd name="connsiteY33" fmla="*/ 993934 h 5610468"/>
+              <a:gd name="connsiteX34" fmla="*/ 857030 w 2758322"/>
+              <a:gd name="connsiteY34" fmla="*/ 496967 h 5610468"/>
+              <a:gd name="connsiteX35" fmla="*/ 1392202 w 2758322"/>
+              <a:gd name="connsiteY35" fmla="*/ 0 h 5610468"/>
+            </a:gdLst>
+            <a:ahLst/>
+            <a:cxnLst>
+              <a:cxn ang="0">
+                <a:pos x="connsiteX0" y="connsiteY0"/>
+              </a:cxn>
+              <a:cxn ang="0">
+                <a:pos x="connsiteX1" y="connsiteY1"/>
+              </a:cxn>
+              <a:cxn ang="0">
+                <a:pos x="connsiteX2" y="connsiteY2"/>
+              </a:cxn>
+              <a:cxn ang="0">
+                <a:pos x="connsiteX3" y="connsiteY3"/>
+              </a:cxn>
+              <a:cxn ang="0">
+                <a:pos x="connsiteX4" y="connsiteY4"/>
+              </a:cxn>
+              <a:cxn ang="0">
+                <a:pos x="connsiteX5" y="connsiteY5"/>
+              </a:cxn>
+              <a:cxn ang="0">
+                <a:pos x="connsiteX6" y="connsiteY6"/>
+              </a:cxn>
+              <a:cxn ang="0">
+                <a:pos x="connsiteX7" y="connsiteY7"/>
+              </a:cxn>
+              <a:cxn ang="0">
+                <a:pos x="connsiteX8" y="connsiteY8"/>
+              </a:cxn>
+              <a:cxn ang="0">
+                <a:pos x="connsiteX9" y="connsiteY9"/>
+              </a:cxn>
+              <a:cxn ang="0">
+                <a:pos x="connsiteX10" y="connsiteY10"/>
+              </a:cxn>
+              <a:cxn ang="0">
+                <a:pos x="connsiteX11" y="connsiteY11"/>
+              </a:cxn>
+              <a:cxn ang="0">
+                <a:pos x="connsiteX12" y="connsiteY12"/>
+              </a:cxn>
+              <a:cxn ang="0">
+                <a:pos x="connsiteX13" y="connsiteY13"/>
+              </a:cxn>
+              <a:cxn ang="0">
+                <a:pos x="connsiteX14" y="connsiteY14"/>
+              </a:cxn>
+              <a:cxn ang="0">
+                <a:pos x="connsiteX15" y="connsiteY15"/>
+              </a:cxn>
+              <a:cxn ang="0">
+                <a:pos x="connsiteX16" y="connsiteY16"/>
+              </a:cxn>
+              <a:cxn ang="0">
+                <a:pos x="connsiteX17" y="connsiteY17"/>
+              </a:cxn>
+              <a:cxn ang="0">
+                <a:pos x="connsiteX18" y="connsiteY18"/>
+              </a:cxn>
+              <a:cxn ang="0">
+                <a:pos x="connsiteX19" y="connsiteY19"/>
+              </a:cxn>
+              <a:cxn ang="0">
+                <a:pos x="connsiteX20" y="connsiteY20"/>
+              </a:cxn>
+              <a:cxn ang="0">
+                <a:pos x="connsiteX21" y="connsiteY21"/>
+              </a:cxn>
+              <a:cxn ang="0">
+                <a:pos x="connsiteX22" y="connsiteY22"/>
+              </a:cxn>
+              <a:cxn ang="0">
+                <a:pos x="connsiteX23" y="connsiteY23"/>
+              </a:cxn>
+              <a:cxn ang="0">
+                <a:pos x="connsiteX24" y="connsiteY24"/>
+              </a:cxn>
+              <a:cxn ang="0">
+                <a:pos x="connsiteX25" y="connsiteY25"/>
+              </a:cxn>
+              <a:cxn ang="0">
+                <a:pos x="connsiteX26" y="connsiteY26"/>
+              </a:cxn>
+              <a:cxn ang="0">
+                <a:pos x="connsiteX27" y="connsiteY27"/>
+              </a:cxn>
+              <a:cxn ang="0">
+                <a:pos x="connsiteX28" y="connsiteY28"/>
+              </a:cxn>
+              <a:cxn ang="0">
+                <a:pos x="connsiteX29" y="connsiteY29"/>
+              </a:cxn>
+              <a:cxn ang="0">
+                <a:pos x="connsiteX30" y="connsiteY30"/>
+              </a:cxn>
+              <a:cxn ang="0">
+                <a:pos x="connsiteX31" y="connsiteY31"/>
+              </a:cxn>
+              <a:cxn ang="0">
+                <a:pos x="connsiteX32" y="connsiteY32"/>
+              </a:cxn>
+              <a:cxn ang="0">
+                <a:pos x="connsiteX33" y="connsiteY33"/>
+              </a:cxn>
+              <a:cxn ang="0">
+                <a:pos x="connsiteX34" y="connsiteY34"/>
+              </a:cxn>
+              <a:cxn ang="0">
+                <a:pos x="connsiteX35" y="connsiteY35"/>
+              </a:cxn>
+            </a:cxnLst>
+            <a:rect l="l" t="t" r="r" b="b"/>
+            <a:pathLst>
+              <a:path w="2758322" h="5610468">
+                <a:moveTo>
+                  <a:pt x="1091476" y="1092138"/>
+                </a:moveTo>
+                <a:lnTo>
+                  <a:pt x="1672465" y="1092138"/>
+                </a:lnTo>
+                <a:cubicBezTo>
+                  <a:pt x="2009276" y="1092138"/>
+                  <a:pt x="2290288" y="1323350"/>
+                  <a:pt x="2355278" y="1630715"/>
+                </a:cubicBezTo>
+                <a:lnTo>
+                  <a:pt x="2357084" y="1648052"/>
+                </a:lnTo>
+                <a:lnTo>
+                  <a:pt x="2747364" y="2782778"/>
+                </a:lnTo>
+                <a:cubicBezTo>
+                  <a:pt x="2783388" y="2887517"/>
+                  <a:pt x="2727684" y="3001627"/>
+                  <a:pt x="2622945" y="3037651"/>
+                </a:cubicBezTo>
+                <a:cubicBezTo>
+                  <a:pt x="2518206" y="3073675"/>
+                  <a:pt x="2404095" y="3017971"/>
+                  <a:pt x="2368071" y="2913232"/>
+                </a:cubicBezTo>
+                <a:lnTo>
+                  <a:pt x="1978655" y="1781015"/>
+                </a:lnTo>
+                <a:lnTo>
+                  <a:pt x="1877373" y="1781015"/>
+                </a:lnTo>
+                <a:lnTo>
+                  <a:pt x="2572346" y="3761286"/>
+                </a:lnTo>
+                <a:lnTo>
+                  <a:pt x="1989631" y="3761286"/>
+                </a:lnTo>
+                <a:lnTo>
+                  <a:pt x="1989630" y="5367304"/>
+                </a:lnTo>
+                <a:cubicBezTo>
+                  <a:pt x="1989630" y="5501600"/>
+                  <a:pt x="1880762" y="5610468"/>
+                  <a:pt x="1746466" y="5610468"/>
+                </a:cubicBezTo>
+                <a:lnTo>
+                  <a:pt x="1746467" y="5610467"/>
+                </a:lnTo>
+                <a:cubicBezTo>
+                  <a:pt x="1612171" y="5610467"/>
+                  <a:pt x="1503303" y="5501599"/>
+                  <a:pt x="1503303" y="5367303"/>
+                </a:cubicBezTo>
+                <a:lnTo>
+                  <a:pt x="1503303" y="3761286"/>
+                </a:lnTo>
+                <a:lnTo>
+                  <a:pt x="1290929" y="3761286"/>
+                </a:lnTo>
+                <a:lnTo>
+                  <a:pt x="1290928" y="5367304"/>
+                </a:lnTo>
+                <a:cubicBezTo>
+                  <a:pt x="1290928" y="5501600"/>
+                  <a:pt x="1182060" y="5610468"/>
+                  <a:pt x="1047764" y="5610468"/>
+                </a:cubicBezTo>
+                <a:lnTo>
+                  <a:pt x="1047765" y="5610467"/>
+                </a:lnTo>
+                <a:cubicBezTo>
+                  <a:pt x="913469" y="5610467"/>
+                  <a:pt x="804601" y="5501599"/>
+                  <a:pt x="804601" y="5367303"/>
+                </a:cubicBezTo>
+                <a:lnTo>
+                  <a:pt x="804601" y="3761286"/>
+                </a:lnTo>
+                <a:lnTo>
+                  <a:pt x="212057" y="3761286"/>
+                </a:lnTo>
+                <a:lnTo>
+                  <a:pt x="907030" y="1781015"/>
+                </a:lnTo>
+                <a:lnTo>
+                  <a:pt x="784167" y="1781015"/>
+                </a:lnTo>
+                <a:lnTo>
+                  <a:pt x="390010" y="2913473"/>
+                </a:lnTo>
+                <a:cubicBezTo>
+                  <a:pt x="353602" y="3018079"/>
+                  <a:pt x="239287" y="3073364"/>
+                  <a:pt x="134681" y="3036955"/>
+                </a:cubicBezTo>
+                <a:cubicBezTo>
+                  <a:pt x="30075" y="3000546"/>
+                  <a:pt x="-25209" y="2886232"/>
+                  <a:pt x="11199" y="2781626"/>
+                </a:cubicBezTo>
+                <a:lnTo>
+                  <a:pt x="407332" y="1643491"/>
+                </a:lnTo>
+                <a:lnTo>
+                  <a:pt x="408663" y="1630715"/>
+                </a:lnTo>
+                <a:cubicBezTo>
+                  <a:pt x="473653" y="1323350"/>
+                  <a:pt x="754665" y="1092138"/>
+                  <a:pt x="1091476" y="1092138"/>
+                </a:cubicBezTo>
+                <a:close/>
+                <a:moveTo>
+                  <a:pt x="1392202" y="0"/>
+                </a:moveTo>
+                <a:cubicBezTo>
+                  <a:pt x="1687769" y="0"/>
+                  <a:pt x="1927374" y="222500"/>
+                  <a:pt x="1927374" y="496967"/>
+                </a:cubicBezTo>
+                <a:cubicBezTo>
+                  <a:pt x="1927374" y="771434"/>
+                  <a:pt x="1687769" y="993934"/>
+                  <a:pt x="1392202" y="993934"/>
+                </a:cubicBezTo>
+                <a:cubicBezTo>
+                  <a:pt x="1096635" y="993934"/>
+                  <a:pt x="857030" y="771434"/>
+                  <a:pt x="857030" y="496967"/>
+                </a:cubicBezTo>
+                <a:cubicBezTo>
+                  <a:pt x="857030" y="222500"/>
+                  <a:pt x="1096635" y="0"/>
+                  <a:pt x="1392202" y="0"/>
+                </a:cubicBezTo>
+                <a:close/>
+              </a:path>
+            </a:pathLst>
+          </a:custGeom>
+          <a:solidFill>
+            <a:schemeClr val="accent2">
+              <a:lumMod val="20000"/>
+              <a:lumOff val="80000"/>
+            </a:schemeClr>
+          </a:solidFill>
+          <a:ln>
+            <a:noFill/>
+          </a:ln>
+        </p:spPr>
+        <p:style>
+          <a:lnRef idx="2">
+            <a:schemeClr val="accent1">
+              <a:shade val="50000"/>
+            </a:schemeClr>
+          </a:lnRef>
+          <a:fillRef idx="1">
+            <a:schemeClr val="accent1"/>
+          </a:fillRef>
+          <a:effectRef idx="0">
+            <a:schemeClr val="accent1"/>
+          </a:effectRef>
+          <a:fontRef idx="minor">
+            <a:schemeClr val="lt1"/>
+          </a:fontRef>
+        </p:style>
+        <p:txBody>
+          <a:bodyPr rtlCol="0" anchor="ctr"/>
+          <a:lstStyle/>
+          <a:p>
+            <a:pPr algn="ctr"/>
+            <a:endParaRPr lang="ko-KR" altLang="en-US"/>
+          </a:p>
+        </p:txBody>
+      </p:sp>
+      <p:sp>
+        <p:nvSpPr>
+          <p:cNvPr id="19" name="Freeform 28">
+            <a:extLst>
+              <a:ext uri="{FF2B5EF4-FFF2-40B4-BE49-F238E27FC236}">
+                <a16:creationId xmlns:a16="http://schemas.microsoft.com/office/drawing/2014/main" id="{CAB81EA9-BD87-4E25-AC4B-3DFE9CFEE528}"/>
+              </a:ext>
+            </a:extLst>
+          </p:cNvPr>
+          <p:cNvSpPr/>
+          <p:nvPr/>
+        </p:nvSpPr>
+        <p:spPr>
+          <a:xfrm>
+            <a:off x="3499729" y="2736800"/>
+            <a:ext cx="504056" cy="1025257"/>
+          </a:xfrm>
+          <a:custGeom>
+            <a:avLst/>
+            <a:gdLst>
+              <a:gd name="connsiteX0" fmla="*/ 1091476 w 2758322"/>
+              <a:gd name="connsiteY0" fmla="*/ 1092138 h 5610468"/>
+              <a:gd name="connsiteX1" fmla="*/ 1672465 w 2758322"/>
+              <a:gd name="connsiteY1" fmla="*/ 1092138 h 5610468"/>
+              <a:gd name="connsiteX2" fmla="*/ 2355278 w 2758322"/>
+              <a:gd name="connsiteY2" fmla="*/ 1630715 h 5610468"/>
+              <a:gd name="connsiteX3" fmla="*/ 2357084 w 2758322"/>
+              <a:gd name="connsiteY3" fmla="*/ 1648052 h 5610468"/>
+              <a:gd name="connsiteX4" fmla="*/ 2747364 w 2758322"/>
+              <a:gd name="connsiteY4" fmla="*/ 2782778 h 5610468"/>
+              <a:gd name="connsiteX5" fmla="*/ 2622945 w 2758322"/>
+              <a:gd name="connsiteY5" fmla="*/ 3037651 h 5610468"/>
+              <a:gd name="connsiteX6" fmla="*/ 2368071 w 2758322"/>
+              <a:gd name="connsiteY6" fmla="*/ 2913232 h 5610468"/>
+              <a:gd name="connsiteX7" fmla="*/ 1978655 w 2758322"/>
+              <a:gd name="connsiteY7" fmla="*/ 1781015 h 5610468"/>
+              <a:gd name="connsiteX8" fmla="*/ 1877373 w 2758322"/>
+              <a:gd name="connsiteY8" fmla="*/ 1781015 h 5610468"/>
+              <a:gd name="connsiteX9" fmla="*/ 2572346 w 2758322"/>
+              <a:gd name="connsiteY9" fmla="*/ 3761286 h 5610468"/>
+              <a:gd name="connsiteX10" fmla="*/ 1989631 w 2758322"/>
+              <a:gd name="connsiteY10" fmla="*/ 3761286 h 5610468"/>
+              <a:gd name="connsiteX11" fmla="*/ 1989630 w 2758322"/>
+              <a:gd name="connsiteY11" fmla="*/ 5367304 h 5610468"/>
+              <a:gd name="connsiteX12" fmla="*/ 1746466 w 2758322"/>
+              <a:gd name="connsiteY12" fmla="*/ 5610468 h 5610468"/>
+              <a:gd name="connsiteX13" fmla="*/ 1746467 w 2758322"/>
+              <a:gd name="connsiteY13" fmla="*/ 5610467 h 5610468"/>
+              <a:gd name="connsiteX14" fmla="*/ 1503303 w 2758322"/>
+              <a:gd name="connsiteY14" fmla="*/ 5367303 h 5610468"/>
+              <a:gd name="connsiteX15" fmla="*/ 1503303 w 2758322"/>
+              <a:gd name="connsiteY15" fmla="*/ 3761286 h 5610468"/>
+              <a:gd name="connsiteX16" fmla="*/ 1290929 w 2758322"/>
+              <a:gd name="connsiteY16" fmla="*/ 3761286 h 5610468"/>
+              <a:gd name="connsiteX17" fmla="*/ 1290928 w 2758322"/>
+              <a:gd name="connsiteY17" fmla="*/ 5367304 h 5610468"/>
+              <a:gd name="connsiteX18" fmla="*/ 1047764 w 2758322"/>
+              <a:gd name="connsiteY18" fmla="*/ 5610468 h 5610468"/>
+              <a:gd name="connsiteX19" fmla="*/ 1047765 w 2758322"/>
+              <a:gd name="connsiteY19" fmla="*/ 5610467 h 5610468"/>
+              <a:gd name="connsiteX20" fmla="*/ 804601 w 2758322"/>
+              <a:gd name="connsiteY20" fmla="*/ 5367303 h 5610468"/>
+              <a:gd name="connsiteX21" fmla="*/ 804601 w 2758322"/>
+              <a:gd name="connsiteY21" fmla="*/ 3761286 h 5610468"/>
+              <a:gd name="connsiteX22" fmla="*/ 212057 w 2758322"/>
+              <a:gd name="connsiteY22" fmla="*/ 3761286 h 5610468"/>
+              <a:gd name="connsiteX23" fmla="*/ 907030 w 2758322"/>
+              <a:gd name="connsiteY23" fmla="*/ 1781015 h 5610468"/>
+              <a:gd name="connsiteX24" fmla="*/ 784167 w 2758322"/>
+              <a:gd name="connsiteY24" fmla="*/ 1781015 h 5610468"/>
+              <a:gd name="connsiteX25" fmla="*/ 390010 w 2758322"/>
+              <a:gd name="connsiteY25" fmla="*/ 2913473 h 5610468"/>
+              <a:gd name="connsiteX26" fmla="*/ 134681 w 2758322"/>
+              <a:gd name="connsiteY26" fmla="*/ 3036955 h 5610468"/>
+              <a:gd name="connsiteX27" fmla="*/ 11199 w 2758322"/>
+              <a:gd name="connsiteY27" fmla="*/ 2781626 h 5610468"/>
+              <a:gd name="connsiteX28" fmla="*/ 407332 w 2758322"/>
+              <a:gd name="connsiteY28" fmla="*/ 1643491 h 5610468"/>
+              <a:gd name="connsiteX29" fmla="*/ 408663 w 2758322"/>
+              <a:gd name="connsiteY29" fmla="*/ 1630715 h 5610468"/>
+              <a:gd name="connsiteX30" fmla="*/ 1091476 w 2758322"/>
+              <a:gd name="connsiteY30" fmla="*/ 1092138 h 5610468"/>
+              <a:gd name="connsiteX31" fmla="*/ 1392202 w 2758322"/>
+              <a:gd name="connsiteY31" fmla="*/ 0 h 5610468"/>
+              <a:gd name="connsiteX32" fmla="*/ 1927374 w 2758322"/>
+              <a:gd name="connsiteY32" fmla="*/ 496967 h 5610468"/>
+              <a:gd name="connsiteX33" fmla="*/ 1392202 w 2758322"/>
+              <a:gd name="connsiteY33" fmla="*/ 993934 h 5610468"/>
+              <a:gd name="connsiteX34" fmla="*/ 857030 w 2758322"/>
+              <a:gd name="connsiteY34" fmla="*/ 496967 h 5610468"/>
+              <a:gd name="connsiteX35" fmla="*/ 1392202 w 2758322"/>
+              <a:gd name="connsiteY35" fmla="*/ 0 h 5610468"/>
+            </a:gdLst>
+            <a:ahLst/>
+            <a:cxnLst>
+              <a:cxn ang="0">
+                <a:pos x="connsiteX0" y="connsiteY0"/>
+              </a:cxn>
+              <a:cxn ang="0">
+                <a:pos x="connsiteX1" y="connsiteY1"/>
+              </a:cxn>
+              <a:cxn ang="0">
+                <a:pos x="connsiteX2" y="connsiteY2"/>
+              </a:cxn>
+              <a:cxn ang="0">
+                <a:pos x="connsiteX3" y="connsiteY3"/>
+              </a:cxn>
+              <a:cxn ang="0">
+                <a:pos x="connsiteX4" y="connsiteY4"/>
+              </a:cxn>
+              <a:cxn ang="0">
+                <a:pos x="connsiteX5" y="connsiteY5"/>
+              </a:cxn>
+              <a:cxn ang="0">
+                <a:pos x="connsiteX6" y="connsiteY6"/>
+              </a:cxn>
+              <a:cxn ang="0">
+                <a:pos x="connsiteX7" y="connsiteY7"/>
+              </a:cxn>
+              <a:cxn ang="0">
+                <a:pos x="connsiteX8" y="connsiteY8"/>
+              </a:cxn>
+              <a:cxn ang="0">
+                <a:pos x="connsiteX9" y="connsiteY9"/>
+              </a:cxn>
+              <a:cxn ang="0">
+                <a:pos x="connsiteX10" y="connsiteY10"/>
+              </a:cxn>
+              <a:cxn ang="0">
+                <a:pos x="connsiteX11" y="connsiteY11"/>
+              </a:cxn>
+              <a:cxn ang="0">
+                <a:pos x="connsiteX12" y="connsiteY12"/>
+              </a:cxn>
+              <a:cxn ang="0">
+                <a:pos x="connsiteX13" y="connsiteY13"/>
+              </a:cxn>
+              <a:cxn ang="0">
+                <a:pos x="connsiteX14" y="connsiteY14"/>
+              </a:cxn>
+              <a:cxn ang="0">
+                <a:pos x="connsiteX15" y="connsiteY15"/>
+              </a:cxn>
+              <a:cxn ang="0">
+                <a:pos x="connsiteX16" y="connsiteY16"/>
+              </a:cxn>
+              <a:cxn ang="0">
+                <a:pos x="connsiteX17" y="connsiteY17"/>
+              </a:cxn>
+              <a:cxn ang="0">
+                <a:pos x="connsiteX18" y="connsiteY18"/>
+              </a:cxn>
+              <a:cxn ang="0">
+                <a:pos x="connsiteX19" y="connsiteY19"/>
+              </a:cxn>
+              <a:cxn ang="0">
+                <a:pos x="connsiteX20" y="connsiteY20"/>
+              </a:cxn>
+              <a:cxn ang="0">
+                <a:pos x="connsiteX21" y="connsiteY21"/>
+              </a:cxn>
+              <a:cxn ang="0">
+                <a:pos x="connsiteX22" y="connsiteY22"/>
+              </a:cxn>
+              <a:cxn ang="0">
+                <a:pos x="connsiteX23" y="connsiteY23"/>
+              </a:cxn>
+              <a:cxn ang="0">
+                <a:pos x="connsiteX24" y="connsiteY24"/>
+              </a:cxn>
+              <a:cxn ang="0">
+                <a:pos x="connsiteX25" y="connsiteY25"/>
+              </a:cxn>
+              <a:cxn ang="0">
+                <a:pos x="connsiteX26" y="connsiteY26"/>
+              </a:cxn>
+              <a:cxn ang="0">
+                <a:pos x="connsiteX27" y="connsiteY27"/>
+              </a:cxn>
+              <a:cxn ang="0">
+                <a:pos x="connsiteX28" y="connsiteY28"/>
+              </a:cxn>
+              <a:cxn ang="0">
+                <a:pos x="connsiteX29" y="connsiteY29"/>
+              </a:cxn>
+              <a:cxn ang="0">
+                <a:pos x="connsiteX30" y="connsiteY30"/>
+              </a:cxn>
+              <a:cxn ang="0">
+                <a:pos x="connsiteX31" y="connsiteY31"/>
+              </a:cxn>
+              <a:cxn ang="0">
+                <a:pos x="connsiteX32" y="connsiteY32"/>
+              </a:cxn>
+              <a:cxn ang="0">
+                <a:pos x="connsiteX33" y="connsiteY33"/>
+              </a:cxn>
+              <a:cxn ang="0">
+                <a:pos x="connsiteX34" y="connsiteY34"/>
+              </a:cxn>
+              <a:cxn ang="0">
+                <a:pos x="connsiteX35" y="connsiteY35"/>
+              </a:cxn>
+            </a:cxnLst>
+            <a:rect l="l" t="t" r="r" b="b"/>
+            <a:pathLst>
+              <a:path w="2758322" h="5610468">
+                <a:moveTo>
+                  <a:pt x="1091476" y="1092138"/>
+                </a:moveTo>
+                <a:lnTo>
+                  <a:pt x="1672465" y="1092138"/>
+                </a:lnTo>
+                <a:cubicBezTo>
+                  <a:pt x="2009276" y="1092138"/>
+                  <a:pt x="2290288" y="1323350"/>
+                  <a:pt x="2355278" y="1630715"/>
+                </a:cubicBezTo>
+                <a:lnTo>
+                  <a:pt x="2357084" y="1648052"/>
+                </a:lnTo>
+                <a:lnTo>
+                  <a:pt x="2747364" y="2782778"/>
+                </a:lnTo>
+                <a:cubicBezTo>
+                  <a:pt x="2783388" y="2887517"/>
+                  <a:pt x="2727684" y="3001627"/>
+                  <a:pt x="2622945" y="3037651"/>
+                </a:cubicBezTo>
+                <a:cubicBezTo>
+                  <a:pt x="2518206" y="3073675"/>
+                  <a:pt x="2404095" y="3017971"/>
+                  <a:pt x="2368071" y="2913232"/>
+                </a:cubicBezTo>
+                <a:lnTo>
+                  <a:pt x="1978655" y="1781015"/>
+                </a:lnTo>
+                <a:lnTo>
+                  <a:pt x="1877373" y="1781015"/>
+                </a:lnTo>
+                <a:lnTo>
+                  <a:pt x="2572346" y="3761286"/>
+                </a:lnTo>
+                <a:lnTo>
+                  <a:pt x="1989631" y="3761286"/>
+                </a:lnTo>
+                <a:lnTo>
+                  <a:pt x="1989630" y="5367304"/>
+                </a:lnTo>
+                <a:cubicBezTo>
+                  <a:pt x="1989630" y="5501600"/>
+                  <a:pt x="1880762" y="5610468"/>
+                  <a:pt x="1746466" y="5610468"/>
+                </a:cubicBezTo>
+                <a:lnTo>
+                  <a:pt x="1746467" y="5610467"/>
+                </a:lnTo>
+                <a:cubicBezTo>
+                  <a:pt x="1612171" y="5610467"/>
+                  <a:pt x="1503303" y="5501599"/>
+                  <a:pt x="1503303" y="5367303"/>
+                </a:cubicBezTo>
+                <a:lnTo>
+                  <a:pt x="1503303" y="3761286"/>
+                </a:lnTo>
+                <a:lnTo>
+                  <a:pt x="1290929" y="3761286"/>
+                </a:lnTo>
+                <a:lnTo>
+                  <a:pt x="1290928" y="5367304"/>
+                </a:lnTo>
+                <a:cubicBezTo>
+                  <a:pt x="1290928" y="5501600"/>
+                  <a:pt x="1182060" y="5610468"/>
+                  <a:pt x="1047764" y="5610468"/>
+                </a:cubicBezTo>
+                <a:lnTo>
+                  <a:pt x="1047765" y="5610467"/>
+                </a:lnTo>
+                <a:cubicBezTo>
+                  <a:pt x="913469" y="5610467"/>
+                  <a:pt x="804601" y="5501599"/>
+                  <a:pt x="804601" y="5367303"/>
+                </a:cubicBezTo>
+                <a:lnTo>
+                  <a:pt x="804601" y="3761286"/>
+                </a:lnTo>
+                <a:lnTo>
+                  <a:pt x="212057" y="3761286"/>
+                </a:lnTo>
+                <a:lnTo>
+                  <a:pt x="907030" y="1781015"/>
+                </a:lnTo>
+                <a:lnTo>
+                  <a:pt x="784167" y="1781015"/>
+                </a:lnTo>
+                <a:lnTo>
+                  <a:pt x="390010" y="2913473"/>
+                </a:lnTo>
+                <a:cubicBezTo>
+                  <a:pt x="353602" y="3018079"/>
+                  <a:pt x="239287" y="3073364"/>
+                  <a:pt x="134681" y="3036955"/>
+                </a:cubicBezTo>
+                <a:cubicBezTo>
+                  <a:pt x="30075" y="3000546"/>
+                  <a:pt x="-25209" y="2886232"/>
+                  <a:pt x="11199" y="2781626"/>
+                </a:cubicBezTo>
+                <a:lnTo>
+                  <a:pt x="407332" y="1643491"/>
+                </a:lnTo>
+                <a:lnTo>
+                  <a:pt x="408663" y="1630715"/>
+                </a:lnTo>
+                <a:cubicBezTo>
+                  <a:pt x="473653" y="1323350"/>
+                  <a:pt x="754665" y="1092138"/>
+                  <a:pt x="1091476" y="1092138"/>
+                </a:cubicBezTo>
+                <a:close/>
+                <a:moveTo>
+                  <a:pt x="1392202" y="0"/>
+                </a:moveTo>
+                <a:cubicBezTo>
+                  <a:pt x="1687769" y="0"/>
+                  <a:pt x="1927374" y="222500"/>
+                  <a:pt x="1927374" y="496967"/>
+                </a:cubicBezTo>
+                <a:cubicBezTo>
+                  <a:pt x="1927374" y="771434"/>
+                  <a:pt x="1687769" y="993934"/>
+                  <a:pt x="1392202" y="993934"/>
+                </a:cubicBezTo>
+                <a:cubicBezTo>
+                  <a:pt x="1096635" y="993934"/>
+                  <a:pt x="857030" y="771434"/>
+                  <a:pt x="857030" y="496967"/>
+                </a:cubicBezTo>
+                <a:cubicBezTo>
+                  <a:pt x="857030" y="222500"/>
+                  <a:pt x="1096635" y="0"/>
+                  <a:pt x="1392202" y="0"/>
+                </a:cubicBezTo>
+                <a:close/>
+              </a:path>
+            </a:pathLst>
+          </a:custGeom>
+          <a:solidFill>
+            <a:schemeClr val="accent2">
+              <a:lumMod val="20000"/>
+              <a:lumOff val="80000"/>
+            </a:schemeClr>
+          </a:solidFill>
+          <a:ln>
+            <a:noFill/>
+          </a:ln>
+        </p:spPr>
+        <p:style>
+          <a:lnRef idx="2">
+            <a:schemeClr val="accent1">
+              <a:shade val="50000"/>
+            </a:schemeClr>
+          </a:lnRef>
+          <a:fillRef idx="1">
+            <a:schemeClr val="accent1"/>
+          </a:fillRef>
+          <a:effectRef idx="0">
+            <a:schemeClr val="accent1"/>
+          </a:effectRef>
+          <a:fontRef idx="minor">
+            <a:schemeClr val="lt1"/>
+          </a:fontRef>
+        </p:style>
+        <p:txBody>
+          <a:bodyPr rtlCol="0" anchor="ctr"/>
+          <a:lstStyle/>
+          <a:p>
+            <a:pPr algn="ctr"/>
+            <a:endParaRPr lang="ko-KR" altLang="en-US"/>
+          </a:p>
+        </p:txBody>
+      </p:sp>
+      <p:sp>
+        <p:nvSpPr>
+          <p:cNvPr id="20" name="제목 1">
+            <a:extLst>
+              <a:ext uri="{FF2B5EF4-FFF2-40B4-BE49-F238E27FC236}">
+                <a16:creationId xmlns:a16="http://schemas.microsoft.com/office/drawing/2014/main" id="{29A56E47-34E0-4BFB-8DD0-F21C9239E160}"/>
+              </a:ext>
+            </a:extLst>
+          </p:cNvPr>
+          <p:cNvSpPr txBox="1">
+            <a:spLocks/>
+          </p:cNvSpPr>
+          <p:nvPr/>
+        </p:nvSpPr>
+        <p:spPr>
+          <a:xfrm>
+            <a:off x="2150427" y="4214397"/>
+            <a:ext cx="2062557" cy="749687"/>
+          </a:xfrm>
+          <a:prstGeom prst="rect">
+            <a:avLst/>
+          </a:prstGeom>
+        </p:spPr>
+        <p:txBody>
+          <a:bodyPr vert="horz" lIns="91440" tIns="45720" rIns="91440" bIns="45720" rtlCol="0" anchor="ctr">
+            <a:normAutofit/>
+          </a:bodyPr>
+          <a:lstStyle>
+            <a:lvl1pPr algn="l" defTabSz="914400" rtl="0" eaLnBrk="1" latinLnBrk="1" hangingPunct="1">
+              <a:lnSpc>
+                <a:spcPct val="90000"/>
+              </a:lnSpc>
+              <a:spcBef>
+                <a:spcPct val="0"/>
+              </a:spcBef>
+              <a:buNone/>
+              <a:defRPr sz="4400" kern="1200">
+                <a:solidFill>
+                  <a:schemeClr val="tx1"/>
+                </a:solidFill>
+                <a:latin typeface="+mj-lt"/>
+                <a:ea typeface="+mj-ea"/>
+                <a:cs typeface="+mj-cs"/>
+              </a:defRPr>
+            </a:lvl1pPr>
+          </a:lstStyle>
+          <a:p>
+            <a:pPr algn="ctr"/>
+            <a:r>
+              <a:rPr lang="en-US" altLang="ko-KR" sz="3600" dirty="0">
+                <a:solidFill>
+                  <a:schemeClr val="bg1"/>
+                </a:solidFill>
+                <a:latin typeface="Arial Narrow" panose="020B0606020202030204" pitchFamily="34" charset="0"/>
+                <a:ea typeface="LG스마트체 Regular" panose="020B0600000101010101" pitchFamily="50" charset="-127"/>
+              </a:rPr>
+              <a:t>418</a:t>
+            </a:r>
+            <a:r>
               <a:rPr lang="ko-KR" altLang="en-US" sz="3600" dirty="0">
                 <a:solidFill>
                   <a:schemeClr val="bg1"/>
@@ -3986,7 +6961,7 @@
                 <a:latin typeface="Arial Narrow" panose="020B0606020202030204" pitchFamily="34" charset="0"/>
                 <a:ea typeface="LG스마트체 Regular" panose="020B0600000101010101" pitchFamily="50" charset="-127"/>
               </a:rPr>
-              <a:t>타이타닉</a:t>
+              <a:t>명</a:t>
             </a:r>
             <a:endParaRPr lang="ko-KR" altLang="en-US" sz="1800" dirty="0">
               <a:solidFill>
@@ -3995,6 +6970,2296 @@
               <a:latin typeface="Arial Narrow" panose="020B0606020202030204" pitchFamily="34" charset="0"/>
               <a:ea typeface="LG스마트체 Regular" panose="020B0600000101010101" pitchFamily="50" charset="-127"/>
             </a:endParaRPr>
+          </a:p>
+        </p:txBody>
+      </p:sp>
+      <p:sp>
+        <p:nvSpPr>
+          <p:cNvPr id="24" name="제목 1">
+            <a:extLst>
+              <a:ext uri="{FF2B5EF4-FFF2-40B4-BE49-F238E27FC236}">
+                <a16:creationId xmlns:a16="http://schemas.microsoft.com/office/drawing/2014/main" id="{91957F45-C021-4EF5-BD00-873CA6AAB032}"/>
+              </a:ext>
+            </a:extLst>
+          </p:cNvPr>
+          <p:cNvSpPr txBox="1">
+            <a:spLocks/>
+          </p:cNvSpPr>
+          <p:nvPr/>
+        </p:nvSpPr>
+        <p:spPr>
+          <a:xfrm>
+            <a:off x="1040320" y="2112553"/>
+            <a:ext cx="2062557" cy="749687"/>
+          </a:xfrm>
+          <a:prstGeom prst="rect">
+            <a:avLst/>
+          </a:prstGeom>
+        </p:spPr>
+        <p:txBody>
+          <a:bodyPr vert="horz" lIns="91440" tIns="45720" rIns="91440" bIns="45720" rtlCol="0" anchor="ctr">
+            <a:normAutofit/>
+          </a:bodyPr>
+          <a:lstStyle>
+            <a:lvl1pPr algn="l" defTabSz="914400" rtl="0" eaLnBrk="1" latinLnBrk="1" hangingPunct="1">
+              <a:lnSpc>
+                <a:spcPct val="90000"/>
+              </a:lnSpc>
+              <a:spcBef>
+                <a:spcPct val="0"/>
+              </a:spcBef>
+              <a:buNone/>
+              <a:defRPr sz="4400" kern="1200">
+                <a:solidFill>
+                  <a:schemeClr val="tx1"/>
+                </a:solidFill>
+                <a:latin typeface="+mj-lt"/>
+                <a:ea typeface="+mj-ea"/>
+                <a:cs typeface="+mj-cs"/>
+              </a:defRPr>
+            </a:lvl1pPr>
+          </a:lstStyle>
+          <a:p>
+            <a:pPr algn="ctr"/>
+            <a:r>
+              <a:rPr lang="ko-KR" altLang="en-US" sz="1800" dirty="0">
+                <a:solidFill>
+                  <a:schemeClr val="bg1"/>
+                </a:solidFill>
+                <a:latin typeface="Arial Narrow" panose="020B0606020202030204" pitchFamily="34" charset="0"/>
+                <a:ea typeface="LG스마트체 Regular" panose="020B0600000101010101" pitchFamily="50" charset="-127"/>
+              </a:rPr>
+              <a:t>남성 </a:t>
+            </a:r>
+            <a:r>
+              <a:rPr lang="en-US" altLang="ko-KR" sz="1800" dirty="0">
+                <a:solidFill>
+                  <a:schemeClr val="bg1"/>
+                </a:solidFill>
+                <a:latin typeface="Arial Narrow" panose="020B0606020202030204" pitchFamily="34" charset="0"/>
+                <a:ea typeface="LG스마트체 Regular" panose="020B0600000101010101" pitchFamily="50" charset="-127"/>
+              </a:rPr>
+              <a:t>62%</a:t>
+            </a:r>
+            <a:endParaRPr lang="ko-KR" altLang="en-US" sz="1800" dirty="0">
+              <a:solidFill>
+                <a:schemeClr val="bg1"/>
+              </a:solidFill>
+              <a:latin typeface="Arial Narrow" panose="020B0606020202030204" pitchFamily="34" charset="0"/>
+              <a:ea typeface="LG스마트체 Regular" panose="020B0600000101010101" pitchFamily="50" charset="-127"/>
+            </a:endParaRPr>
+          </a:p>
+        </p:txBody>
+      </p:sp>
+      <p:sp>
+        <p:nvSpPr>
+          <p:cNvPr id="25" name="제목 1">
+            <a:extLst>
+              <a:ext uri="{FF2B5EF4-FFF2-40B4-BE49-F238E27FC236}">
+                <a16:creationId xmlns:a16="http://schemas.microsoft.com/office/drawing/2014/main" id="{3EBB7D68-0FEA-4CA0-A7D7-D2EBEF3413A5}"/>
+              </a:ext>
+            </a:extLst>
+          </p:cNvPr>
+          <p:cNvSpPr txBox="1">
+            <a:spLocks/>
+          </p:cNvSpPr>
+          <p:nvPr/>
+        </p:nvSpPr>
+        <p:spPr>
+          <a:xfrm>
+            <a:off x="3021325" y="2106325"/>
+            <a:ext cx="2062557" cy="749687"/>
+          </a:xfrm>
+          <a:prstGeom prst="rect">
+            <a:avLst/>
+          </a:prstGeom>
+        </p:spPr>
+        <p:txBody>
+          <a:bodyPr vert="horz" lIns="91440" tIns="45720" rIns="91440" bIns="45720" rtlCol="0" anchor="ctr">
+            <a:normAutofit/>
+          </a:bodyPr>
+          <a:lstStyle>
+            <a:lvl1pPr algn="l" defTabSz="914400" rtl="0" eaLnBrk="1" latinLnBrk="1" hangingPunct="1">
+              <a:lnSpc>
+                <a:spcPct val="90000"/>
+              </a:lnSpc>
+              <a:spcBef>
+                <a:spcPct val="0"/>
+              </a:spcBef>
+              <a:buNone/>
+              <a:defRPr sz="4400" kern="1200">
+                <a:solidFill>
+                  <a:schemeClr val="tx1"/>
+                </a:solidFill>
+                <a:latin typeface="+mj-lt"/>
+                <a:ea typeface="+mj-ea"/>
+                <a:cs typeface="+mj-cs"/>
+              </a:defRPr>
+            </a:lvl1pPr>
+          </a:lstStyle>
+          <a:p>
+            <a:pPr algn="ctr"/>
+            <a:r>
+              <a:rPr lang="ko-KR" altLang="en-US" sz="1800" dirty="0">
+                <a:solidFill>
+                  <a:schemeClr val="bg1"/>
+                </a:solidFill>
+                <a:latin typeface="Arial Narrow" panose="020B0606020202030204" pitchFamily="34" charset="0"/>
+                <a:ea typeface="LG스마트체 Regular" panose="020B0600000101010101" pitchFamily="50" charset="-127"/>
+              </a:rPr>
+              <a:t>여성 </a:t>
+            </a:r>
+            <a:r>
+              <a:rPr lang="en-US" altLang="ko-KR" sz="1800" dirty="0">
+                <a:solidFill>
+                  <a:schemeClr val="bg1"/>
+                </a:solidFill>
+                <a:latin typeface="Arial Narrow" panose="020B0606020202030204" pitchFamily="34" charset="0"/>
+                <a:ea typeface="LG스마트체 Regular" panose="020B0600000101010101" pitchFamily="50" charset="-127"/>
+              </a:rPr>
+              <a:t>48%</a:t>
+            </a:r>
+            <a:endParaRPr lang="ko-KR" altLang="en-US" sz="1800" dirty="0">
+              <a:solidFill>
+                <a:schemeClr val="bg1"/>
+              </a:solidFill>
+              <a:latin typeface="Arial Narrow" panose="020B0606020202030204" pitchFamily="34" charset="0"/>
+              <a:ea typeface="LG스마트체 Regular" panose="020B0600000101010101" pitchFamily="50" charset="-127"/>
+            </a:endParaRPr>
+          </a:p>
+        </p:txBody>
+      </p:sp>
+      <p:sp>
+        <p:nvSpPr>
+          <p:cNvPr id="26" name="Freeform 17">
+            <a:extLst>
+              <a:ext uri="{FF2B5EF4-FFF2-40B4-BE49-F238E27FC236}">
+                <a16:creationId xmlns:a16="http://schemas.microsoft.com/office/drawing/2014/main" id="{061B1EBC-E5B2-42F4-9D7A-2B8C98A0556A}"/>
+              </a:ext>
+            </a:extLst>
+          </p:cNvPr>
+          <p:cNvSpPr/>
+          <p:nvPr/>
+        </p:nvSpPr>
+        <p:spPr>
+          <a:xfrm>
+            <a:off x="1718379" y="3023822"/>
+            <a:ext cx="432048" cy="1022765"/>
+          </a:xfrm>
+          <a:custGeom>
+            <a:avLst/>
+            <a:gdLst>
+              <a:gd name="connsiteX0" fmla="*/ 728026 w 2450507"/>
+              <a:gd name="connsiteY0" fmla="*/ 1125059 h 5800959"/>
+              <a:gd name="connsiteX1" fmla="*/ 1724714 w 2450507"/>
+              <a:gd name="connsiteY1" fmla="*/ 1125059 h 5800959"/>
+              <a:gd name="connsiteX2" fmla="*/ 2450506 w 2450507"/>
+              <a:gd name="connsiteY2" fmla="*/ 1850851 h 5800959"/>
+              <a:gd name="connsiteX3" fmla="*/ 2450506 w 2450507"/>
+              <a:gd name="connsiteY3" fmla="*/ 1882105 h 5800959"/>
+              <a:gd name="connsiteX4" fmla="*/ 2450507 w 2450507"/>
+              <a:gd name="connsiteY4" fmla="*/ 1882115 h 5800959"/>
+              <a:gd name="connsiteX5" fmla="*/ 2450506 w 2450507"/>
+              <a:gd name="connsiteY5" fmla="*/ 3168826 h 5800959"/>
+              <a:gd name="connsiteX6" fmla="*/ 2213690 w 2450507"/>
+              <a:gd name="connsiteY6" fmla="*/ 3405642 h 5800959"/>
+              <a:gd name="connsiteX7" fmla="*/ 2213691 w 2450507"/>
+              <a:gd name="connsiteY7" fmla="*/ 3405641 h 5800959"/>
+              <a:gd name="connsiteX8" fmla="*/ 1976875 w 2450507"/>
+              <a:gd name="connsiteY8" fmla="*/ 3168825 h 5800959"/>
+              <a:gd name="connsiteX9" fmla="*/ 1976875 w 2450507"/>
+              <a:gd name="connsiteY9" fmla="*/ 1911559 h 5800959"/>
+              <a:gd name="connsiteX10" fmla="*/ 1896214 w 2450507"/>
+              <a:gd name="connsiteY10" fmla="*/ 1911559 h 5800959"/>
+              <a:gd name="connsiteX11" fmla="*/ 1896214 w 2450507"/>
+              <a:gd name="connsiteY11" fmla="*/ 3339560 h 5800959"/>
+              <a:gd name="connsiteX12" fmla="*/ 1896214 w 2450507"/>
+              <a:gd name="connsiteY12" fmla="*/ 3405641 h 5800959"/>
+              <a:gd name="connsiteX13" fmla="*/ 1896214 w 2450507"/>
+              <a:gd name="connsiteY13" fmla="*/ 5496394 h 5800959"/>
+              <a:gd name="connsiteX14" fmla="*/ 1591649 w 2450507"/>
+              <a:gd name="connsiteY14" fmla="*/ 5800959 h 5800959"/>
+              <a:gd name="connsiteX15" fmla="*/ 1287084 w 2450507"/>
+              <a:gd name="connsiteY15" fmla="*/ 5496394 h 5800959"/>
+              <a:gd name="connsiteX16" fmla="*/ 1287084 w 2450507"/>
+              <a:gd name="connsiteY16" fmla="*/ 3405641 h 5800959"/>
+              <a:gd name="connsiteX17" fmla="*/ 1163422 w 2450507"/>
+              <a:gd name="connsiteY17" fmla="*/ 3405641 h 5800959"/>
+              <a:gd name="connsiteX18" fmla="*/ 1163422 w 2450507"/>
+              <a:gd name="connsiteY18" fmla="*/ 5496394 h 5800959"/>
+              <a:gd name="connsiteX19" fmla="*/ 858857 w 2450507"/>
+              <a:gd name="connsiteY19" fmla="*/ 5800959 h 5800959"/>
+              <a:gd name="connsiteX20" fmla="*/ 554292 w 2450507"/>
+              <a:gd name="connsiteY20" fmla="*/ 5496394 h 5800959"/>
+              <a:gd name="connsiteX21" fmla="*/ 554292 w 2450507"/>
+              <a:gd name="connsiteY21" fmla="*/ 3405641 h 5800959"/>
+              <a:gd name="connsiteX22" fmla="*/ 554292 w 2450507"/>
+              <a:gd name="connsiteY22" fmla="*/ 3405641 h 5800959"/>
+              <a:gd name="connsiteX23" fmla="*/ 554292 w 2450507"/>
+              <a:gd name="connsiteY23" fmla="*/ 1911559 h 5800959"/>
+              <a:gd name="connsiteX24" fmla="*/ 473632 w 2450507"/>
+              <a:gd name="connsiteY24" fmla="*/ 1911559 h 5800959"/>
+              <a:gd name="connsiteX25" fmla="*/ 473631 w 2450507"/>
+              <a:gd name="connsiteY25" fmla="*/ 3168826 h 5800959"/>
+              <a:gd name="connsiteX26" fmla="*/ 236815 w 2450507"/>
+              <a:gd name="connsiteY26" fmla="*/ 3405642 h 5800959"/>
+              <a:gd name="connsiteX27" fmla="*/ 236816 w 2450507"/>
+              <a:gd name="connsiteY27" fmla="*/ 3405641 h 5800959"/>
+              <a:gd name="connsiteX28" fmla="*/ 0 w 2450507"/>
+              <a:gd name="connsiteY28" fmla="*/ 3168825 h 5800959"/>
+              <a:gd name="connsiteX29" fmla="*/ 0 w 2450507"/>
+              <a:gd name="connsiteY29" fmla="*/ 1882115 h 5800959"/>
+              <a:gd name="connsiteX30" fmla="*/ 2234 w 2450507"/>
+              <a:gd name="connsiteY30" fmla="*/ 1859954 h 5800959"/>
+              <a:gd name="connsiteX31" fmla="*/ 2234 w 2450507"/>
+              <a:gd name="connsiteY31" fmla="*/ 1850851 h 5800959"/>
+              <a:gd name="connsiteX32" fmla="*/ 728026 w 2450507"/>
+              <a:gd name="connsiteY32" fmla="*/ 1125059 h 5800959"/>
+              <a:gd name="connsiteX33" fmla="*/ 1226370 w 2450507"/>
+              <a:gd name="connsiteY33" fmla="*/ 0 h 5800959"/>
+              <a:gd name="connsiteX34" fmla="*/ 1730426 w 2450507"/>
+              <a:gd name="connsiteY34" fmla="*/ 504056 h 5800959"/>
+              <a:gd name="connsiteX35" fmla="*/ 1226370 w 2450507"/>
+              <a:gd name="connsiteY35" fmla="*/ 1008112 h 5800959"/>
+              <a:gd name="connsiteX36" fmla="*/ 722314 w 2450507"/>
+              <a:gd name="connsiteY36" fmla="*/ 504056 h 5800959"/>
+              <a:gd name="connsiteX37" fmla="*/ 1226370 w 2450507"/>
+              <a:gd name="connsiteY37" fmla="*/ 0 h 5800959"/>
+            </a:gdLst>
+            <a:ahLst/>
+            <a:cxnLst>
+              <a:cxn ang="0">
+                <a:pos x="connsiteX0" y="connsiteY0"/>
+              </a:cxn>
+              <a:cxn ang="0">
+                <a:pos x="connsiteX1" y="connsiteY1"/>
+              </a:cxn>
+              <a:cxn ang="0">
+                <a:pos x="connsiteX2" y="connsiteY2"/>
+              </a:cxn>
+              <a:cxn ang="0">
+                <a:pos x="connsiteX3" y="connsiteY3"/>
+              </a:cxn>
+              <a:cxn ang="0">
+                <a:pos x="connsiteX4" y="connsiteY4"/>
+              </a:cxn>
+              <a:cxn ang="0">
+                <a:pos x="connsiteX5" y="connsiteY5"/>
+              </a:cxn>
+              <a:cxn ang="0">
+                <a:pos x="connsiteX6" y="connsiteY6"/>
+              </a:cxn>
+              <a:cxn ang="0">
+                <a:pos x="connsiteX7" y="connsiteY7"/>
+              </a:cxn>
+              <a:cxn ang="0">
+                <a:pos x="connsiteX8" y="connsiteY8"/>
+              </a:cxn>
+              <a:cxn ang="0">
+                <a:pos x="connsiteX9" y="connsiteY9"/>
+              </a:cxn>
+              <a:cxn ang="0">
+                <a:pos x="connsiteX10" y="connsiteY10"/>
+              </a:cxn>
+              <a:cxn ang="0">
+                <a:pos x="connsiteX11" y="connsiteY11"/>
+              </a:cxn>
+              <a:cxn ang="0">
+                <a:pos x="connsiteX12" y="connsiteY12"/>
+              </a:cxn>
+              <a:cxn ang="0">
+                <a:pos x="connsiteX13" y="connsiteY13"/>
+              </a:cxn>
+              <a:cxn ang="0">
+                <a:pos x="connsiteX14" y="connsiteY14"/>
+              </a:cxn>
+              <a:cxn ang="0">
+                <a:pos x="connsiteX15" y="connsiteY15"/>
+              </a:cxn>
+              <a:cxn ang="0">
+                <a:pos x="connsiteX16" y="connsiteY16"/>
+              </a:cxn>
+              <a:cxn ang="0">
+                <a:pos x="connsiteX17" y="connsiteY17"/>
+              </a:cxn>
+              <a:cxn ang="0">
+                <a:pos x="connsiteX18" y="connsiteY18"/>
+              </a:cxn>
+              <a:cxn ang="0">
+                <a:pos x="connsiteX19" y="connsiteY19"/>
+              </a:cxn>
+              <a:cxn ang="0">
+                <a:pos x="connsiteX20" y="connsiteY20"/>
+              </a:cxn>
+              <a:cxn ang="0">
+                <a:pos x="connsiteX21" y="connsiteY21"/>
+              </a:cxn>
+              <a:cxn ang="0">
+                <a:pos x="connsiteX22" y="connsiteY22"/>
+              </a:cxn>
+              <a:cxn ang="0">
+                <a:pos x="connsiteX23" y="connsiteY23"/>
+              </a:cxn>
+              <a:cxn ang="0">
+                <a:pos x="connsiteX24" y="connsiteY24"/>
+              </a:cxn>
+              <a:cxn ang="0">
+                <a:pos x="connsiteX25" y="connsiteY25"/>
+              </a:cxn>
+              <a:cxn ang="0">
+                <a:pos x="connsiteX26" y="connsiteY26"/>
+              </a:cxn>
+              <a:cxn ang="0">
+                <a:pos x="connsiteX27" y="connsiteY27"/>
+              </a:cxn>
+              <a:cxn ang="0">
+                <a:pos x="connsiteX28" y="connsiteY28"/>
+              </a:cxn>
+              <a:cxn ang="0">
+                <a:pos x="connsiteX29" y="connsiteY29"/>
+              </a:cxn>
+              <a:cxn ang="0">
+                <a:pos x="connsiteX30" y="connsiteY30"/>
+              </a:cxn>
+              <a:cxn ang="0">
+                <a:pos x="connsiteX31" y="connsiteY31"/>
+              </a:cxn>
+              <a:cxn ang="0">
+                <a:pos x="connsiteX32" y="connsiteY32"/>
+              </a:cxn>
+              <a:cxn ang="0">
+                <a:pos x="connsiteX33" y="connsiteY33"/>
+              </a:cxn>
+              <a:cxn ang="0">
+                <a:pos x="connsiteX34" y="connsiteY34"/>
+              </a:cxn>
+              <a:cxn ang="0">
+                <a:pos x="connsiteX35" y="connsiteY35"/>
+              </a:cxn>
+              <a:cxn ang="0">
+                <a:pos x="connsiteX36" y="connsiteY36"/>
+              </a:cxn>
+              <a:cxn ang="0">
+                <a:pos x="connsiteX37" y="connsiteY37"/>
+              </a:cxn>
+            </a:cxnLst>
+            <a:rect l="l" t="t" r="r" b="b"/>
+            <a:pathLst>
+              <a:path w="2450507" h="5800959">
+                <a:moveTo>
+                  <a:pt x="728026" y="1125059"/>
+                </a:moveTo>
+                <a:lnTo>
+                  <a:pt x="1724714" y="1125059"/>
+                </a:lnTo>
+                <a:cubicBezTo>
+                  <a:pt x="2125558" y="1125059"/>
+                  <a:pt x="2450506" y="1450007"/>
+                  <a:pt x="2450506" y="1850851"/>
+                </a:cubicBezTo>
+                <a:lnTo>
+                  <a:pt x="2450506" y="1882105"/>
+                </a:lnTo>
+                <a:lnTo>
+                  <a:pt x="2450507" y="1882115"/>
+                </a:lnTo>
+                <a:cubicBezTo>
+                  <a:pt x="2450507" y="2311019"/>
+                  <a:pt x="2450506" y="2739922"/>
+                  <a:pt x="2450506" y="3168826"/>
+                </a:cubicBezTo>
+                <a:cubicBezTo>
+                  <a:pt x="2450506" y="3299616"/>
+                  <a:pt x="2344480" y="3405642"/>
+                  <a:pt x="2213690" y="3405642"/>
+                </a:cubicBezTo>
+                <a:lnTo>
+                  <a:pt x="2213691" y="3405641"/>
+                </a:lnTo>
+                <a:cubicBezTo>
+                  <a:pt x="2082901" y="3405641"/>
+                  <a:pt x="1976875" y="3299615"/>
+                  <a:pt x="1976875" y="3168825"/>
+                </a:cubicBezTo>
+                <a:lnTo>
+                  <a:pt x="1976875" y="1911559"/>
+                </a:lnTo>
+                <a:lnTo>
+                  <a:pt x="1896214" y="1911559"/>
+                </a:lnTo>
+                <a:lnTo>
+                  <a:pt x="1896214" y="3339560"/>
+                </a:lnTo>
+                <a:lnTo>
+                  <a:pt x="1896214" y="3405641"/>
+                </a:lnTo>
+                <a:lnTo>
+                  <a:pt x="1896214" y="5496394"/>
+                </a:lnTo>
+                <a:cubicBezTo>
+                  <a:pt x="1896214" y="5664601"/>
+                  <a:pt x="1759856" y="5800959"/>
+                  <a:pt x="1591649" y="5800959"/>
+                </a:cubicBezTo>
+                <a:cubicBezTo>
+                  <a:pt x="1423442" y="5800959"/>
+                  <a:pt x="1287084" y="5664601"/>
+                  <a:pt x="1287084" y="5496394"/>
+                </a:cubicBezTo>
+                <a:lnTo>
+                  <a:pt x="1287084" y="3405641"/>
+                </a:lnTo>
+                <a:lnTo>
+                  <a:pt x="1163422" y="3405641"/>
+                </a:lnTo>
+                <a:lnTo>
+                  <a:pt x="1163422" y="5496394"/>
+                </a:lnTo>
+                <a:cubicBezTo>
+                  <a:pt x="1163422" y="5664601"/>
+                  <a:pt x="1027064" y="5800959"/>
+                  <a:pt x="858857" y="5800959"/>
+                </a:cubicBezTo>
+                <a:cubicBezTo>
+                  <a:pt x="690650" y="5800959"/>
+                  <a:pt x="554292" y="5664601"/>
+                  <a:pt x="554292" y="5496394"/>
+                </a:cubicBezTo>
+                <a:lnTo>
+                  <a:pt x="554292" y="3405641"/>
+                </a:lnTo>
+                <a:lnTo>
+                  <a:pt x="554292" y="3405641"/>
+                </a:lnTo>
+                <a:lnTo>
+                  <a:pt x="554292" y="1911559"/>
+                </a:lnTo>
+                <a:lnTo>
+                  <a:pt x="473632" y="1911559"/>
+                </a:lnTo>
+                <a:lnTo>
+                  <a:pt x="473631" y="3168826"/>
+                </a:lnTo>
+                <a:cubicBezTo>
+                  <a:pt x="473631" y="3299616"/>
+                  <a:pt x="367605" y="3405642"/>
+                  <a:pt x="236815" y="3405642"/>
+                </a:cubicBezTo>
+                <a:lnTo>
+                  <a:pt x="236816" y="3405641"/>
+                </a:lnTo>
+                <a:cubicBezTo>
+                  <a:pt x="106026" y="3405641"/>
+                  <a:pt x="0" y="3299615"/>
+                  <a:pt x="0" y="3168825"/>
+                </a:cubicBezTo>
+                <a:lnTo>
+                  <a:pt x="0" y="1882115"/>
+                </a:lnTo>
+                <a:lnTo>
+                  <a:pt x="2234" y="1859954"/>
+                </a:lnTo>
+                <a:lnTo>
+                  <a:pt x="2234" y="1850851"/>
+                </a:lnTo>
+                <a:cubicBezTo>
+                  <a:pt x="2234" y="1450007"/>
+                  <a:pt x="327182" y="1125059"/>
+                  <a:pt x="728026" y="1125059"/>
+                </a:cubicBezTo>
+                <a:close/>
+                <a:moveTo>
+                  <a:pt x="1226370" y="0"/>
+                </a:moveTo>
+                <a:cubicBezTo>
+                  <a:pt x="1504752" y="0"/>
+                  <a:pt x="1730426" y="225674"/>
+                  <a:pt x="1730426" y="504056"/>
+                </a:cubicBezTo>
+                <a:cubicBezTo>
+                  <a:pt x="1730426" y="782438"/>
+                  <a:pt x="1504752" y="1008112"/>
+                  <a:pt x="1226370" y="1008112"/>
+                </a:cubicBezTo>
+                <a:cubicBezTo>
+                  <a:pt x="947988" y="1008112"/>
+                  <a:pt x="722314" y="782438"/>
+                  <a:pt x="722314" y="504056"/>
+                </a:cubicBezTo>
+                <a:cubicBezTo>
+                  <a:pt x="722314" y="225674"/>
+                  <a:pt x="947988" y="0"/>
+                  <a:pt x="1226370" y="0"/>
+                </a:cubicBezTo>
+                <a:close/>
+              </a:path>
+            </a:pathLst>
+          </a:custGeom>
+          <a:solidFill>
+            <a:schemeClr val="tx2">
+              <a:lumMod val="40000"/>
+              <a:lumOff val="60000"/>
+            </a:schemeClr>
+          </a:solidFill>
+          <a:ln>
+            <a:noFill/>
+          </a:ln>
+        </p:spPr>
+        <p:style>
+          <a:lnRef idx="2">
+            <a:schemeClr val="accent1">
+              <a:shade val="50000"/>
+            </a:schemeClr>
+          </a:lnRef>
+          <a:fillRef idx="1">
+            <a:schemeClr val="accent1"/>
+          </a:fillRef>
+          <a:effectRef idx="0">
+            <a:schemeClr val="accent1"/>
+          </a:effectRef>
+          <a:fontRef idx="minor">
+            <a:schemeClr val="lt1"/>
+          </a:fontRef>
+        </p:style>
+        <p:txBody>
+          <a:bodyPr rtlCol="0" anchor="ctr"/>
+          <a:lstStyle/>
+          <a:p>
+            <a:pPr algn="ctr"/>
+            <a:endParaRPr lang="ko-KR" altLang="en-US"/>
+          </a:p>
+        </p:txBody>
+      </p:sp>
+      <p:sp>
+        <p:nvSpPr>
+          <p:cNvPr id="27" name="Freeform 17">
+            <a:extLst>
+              <a:ext uri="{FF2B5EF4-FFF2-40B4-BE49-F238E27FC236}">
+                <a16:creationId xmlns:a16="http://schemas.microsoft.com/office/drawing/2014/main" id="{FCCDCA5E-F5F3-47E3-A2F4-66AD9400989B}"/>
+              </a:ext>
+            </a:extLst>
+          </p:cNvPr>
+          <p:cNvSpPr/>
+          <p:nvPr/>
+        </p:nvSpPr>
+        <p:spPr>
+          <a:xfrm>
+            <a:off x="2186211" y="3023822"/>
+            <a:ext cx="432048" cy="1022765"/>
+          </a:xfrm>
+          <a:custGeom>
+            <a:avLst/>
+            <a:gdLst>
+              <a:gd name="connsiteX0" fmla="*/ 728026 w 2450507"/>
+              <a:gd name="connsiteY0" fmla="*/ 1125059 h 5800959"/>
+              <a:gd name="connsiteX1" fmla="*/ 1724714 w 2450507"/>
+              <a:gd name="connsiteY1" fmla="*/ 1125059 h 5800959"/>
+              <a:gd name="connsiteX2" fmla="*/ 2450506 w 2450507"/>
+              <a:gd name="connsiteY2" fmla="*/ 1850851 h 5800959"/>
+              <a:gd name="connsiteX3" fmla="*/ 2450506 w 2450507"/>
+              <a:gd name="connsiteY3" fmla="*/ 1882105 h 5800959"/>
+              <a:gd name="connsiteX4" fmla="*/ 2450507 w 2450507"/>
+              <a:gd name="connsiteY4" fmla="*/ 1882115 h 5800959"/>
+              <a:gd name="connsiteX5" fmla="*/ 2450506 w 2450507"/>
+              <a:gd name="connsiteY5" fmla="*/ 3168826 h 5800959"/>
+              <a:gd name="connsiteX6" fmla="*/ 2213690 w 2450507"/>
+              <a:gd name="connsiteY6" fmla="*/ 3405642 h 5800959"/>
+              <a:gd name="connsiteX7" fmla="*/ 2213691 w 2450507"/>
+              <a:gd name="connsiteY7" fmla="*/ 3405641 h 5800959"/>
+              <a:gd name="connsiteX8" fmla="*/ 1976875 w 2450507"/>
+              <a:gd name="connsiteY8" fmla="*/ 3168825 h 5800959"/>
+              <a:gd name="connsiteX9" fmla="*/ 1976875 w 2450507"/>
+              <a:gd name="connsiteY9" fmla="*/ 1911559 h 5800959"/>
+              <a:gd name="connsiteX10" fmla="*/ 1896214 w 2450507"/>
+              <a:gd name="connsiteY10" fmla="*/ 1911559 h 5800959"/>
+              <a:gd name="connsiteX11" fmla="*/ 1896214 w 2450507"/>
+              <a:gd name="connsiteY11" fmla="*/ 3339560 h 5800959"/>
+              <a:gd name="connsiteX12" fmla="*/ 1896214 w 2450507"/>
+              <a:gd name="connsiteY12" fmla="*/ 3405641 h 5800959"/>
+              <a:gd name="connsiteX13" fmla="*/ 1896214 w 2450507"/>
+              <a:gd name="connsiteY13" fmla="*/ 5496394 h 5800959"/>
+              <a:gd name="connsiteX14" fmla="*/ 1591649 w 2450507"/>
+              <a:gd name="connsiteY14" fmla="*/ 5800959 h 5800959"/>
+              <a:gd name="connsiteX15" fmla="*/ 1287084 w 2450507"/>
+              <a:gd name="connsiteY15" fmla="*/ 5496394 h 5800959"/>
+              <a:gd name="connsiteX16" fmla="*/ 1287084 w 2450507"/>
+              <a:gd name="connsiteY16" fmla="*/ 3405641 h 5800959"/>
+              <a:gd name="connsiteX17" fmla="*/ 1163422 w 2450507"/>
+              <a:gd name="connsiteY17" fmla="*/ 3405641 h 5800959"/>
+              <a:gd name="connsiteX18" fmla="*/ 1163422 w 2450507"/>
+              <a:gd name="connsiteY18" fmla="*/ 5496394 h 5800959"/>
+              <a:gd name="connsiteX19" fmla="*/ 858857 w 2450507"/>
+              <a:gd name="connsiteY19" fmla="*/ 5800959 h 5800959"/>
+              <a:gd name="connsiteX20" fmla="*/ 554292 w 2450507"/>
+              <a:gd name="connsiteY20" fmla="*/ 5496394 h 5800959"/>
+              <a:gd name="connsiteX21" fmla="*/ 554292 w 2450507"/>
+              <a:gd name="connsiteY21" fmla="*/ 3405641 h 5800959"/>
+              <a:gd name="connsiteX22" fmla="*/ 554292 w 2450507"/>
+              <a:gd name="connsiteY22" fmla="*/ 3405641 h 5800959"/>
+              <a:gd name="connsiteX23" fmla="*/ 554292 w 2450507"/>
+              <a:gd name="connsiteY23" fmla="*/ 1911559 h 5800959"/>
+              <a:gd name="connsiteX24" fmla="*/ 473632 w 2450507"/>
+              <a:gd name="connsiteY24" fmla="*/ 1911559 h 5800959"/>
+              <a:gd name="connsiteX25" fmla="*/ 473631 w 2450507"/>
+              <a:gd name="connsiteY25" fmla="*/ 3168826 h 5800959"/>
+              <a:gd name="connsiteX26" fmla="*/ 236815 w 2450507"/>
+              <a:gd name="connsiteY26" fmla="*/ 3405642 h 5800959"/>
+              <a:gd name="connsiteX27" fmla="*/ 236816 w 2450507"/>
+              <a:gd name="connsiteY27" fmla="*/ 3405641 h 5800959"/>
+              <a:gd name="connsiteX28" fmla="*/ 0 w 2450507"/>
+              <a:gd name="connsiteY28" fmla="*/ 3168825 h 5800959"/>
+              <a:gd name="connsiteX29" fmla="*/ 0 w 2450507"/>
+              <a:gd name="connsiteY29" fmla="*/ 1882115 h 5800959"/>
+              <a:gd name="connsiteX30" fmla="*/ 2234 w 2450507"/>
+              <a:gd name="connsiteY30" fmla="*/ 1859954 h 5800959"/>
+              <a:gd name="connsiteX31" fmla="*/ 2234 w 2450507"/>
+              <a:gd name="connsiteY31" fmla="*/ 1850851 h 5800959"/>
+              <a:gd name="connsiteX32" fmla="*/ 728026 w 2450507"/>
+              <a:gd name="connsiteY32" fmla="*/ 1125059 h 5800959"/>
+              <a:gd name="connsiteX33" fmla="*/ 1226370 w 2450507"/>
+              <a:gd name="connsiteY33" fmla="*/ 0 h 5800959"/>
+              <a:gd name="connsiteX34" fmla="*/ 1730426 w 2450507"/>
+              <a:gd name="connsiteY34" fmla="*/ 504056 h 5800959"/>
+              <a:gd name="connsiteX35" fmla="*/ 1226370 w 2450507"/>
+              <a:gd name="connsiteY35" fmla="*/ 1008112 h 5800959"/>
+              <a:gd name="connsiteX36" fmla="*/ 722314 w 2450507"/>
+              <a:gd name="connsiteY36" fmla="*/ 504056 h 5800959"/>
+              <a:gd name="connsiteX37" fmla="*/ 1226370 w 2450507"/>
+              <a:gd name="connsiteY37" fmla="*/ 0 h 5800959"/>
+            </a:gdLst>
+            <a:ahLst/>
+            <a:cxnLst>
+              <a:cxn ang="0">
+                <a:pos x="connsiteX0" y="connsiteY0"/>
+              </a:cxn>
+              <a:cxn ang="0">
+                <a:pos x="connsiteX1" y="connsiteY1"/>
+              </a:cxn>
+              <a:cxn ang="0">
+                <a:pos x="connsiteX2" y="connsiteY2"/>
+              </a:cxn>
+              <a:cxn ang="0">
+                <a:pos x="connsiteX3" y="connsiteY3"/>
+              </a:cxn>
+              <a:cxn ang="0">
+                <a:pos x="connsiteX4" y="connsiteY4"/>
+              </a:cxn>
+              <a:cxn ang="0">
+                <a:pos x="connsiteX5" y="connsiteY5"/>
+              </a:cxn>
+              <a:cxn ang="0">
+                <a:pos x="connsiteX6" y="connsiteY6"/>
+              </a:cxn>
+              <a:cxn ang="0">
+                <a:pos x="connsiteX7" y="connsiteY7"/>
+              </a:cxn>
+              <a:cxn ang="0">
+                <a:pos x="connsiteX8" y="connsiteY8"/>
+              </a:cxn>
+              <a:cxn ang="0">
+                <a:pos x="connsiteX9" y="connsiteY9"/>
+              </a:cxn>
+              <a:cxn ang="0">
+                <a:pos x="connsiteX10" y="connsiteY10"/>
+              </a:cxn>
+              <a:cxn ang="0">
+                <a:pos x="connsiteX11" y="connsiteY11"/>
+              </a:cxn>
+              <a:cxn ang="0">
+                <a:pos x="connsiteX12" y="connsiteY12"/>
+              </a:cxn>
+              <a:cxn ang="0">
+                <a:pos x="connsiteX13" y="connsiteY13"/>
+              </a:cxn>
+              <a:cxn ang="0">
+                <a:pos x="connsiteX14" y="connsiteY14"/>
+              </a:cxn>
+              <a:cxn ang="0">
+                <a:pos x="connsiteX15" y="connsiteY15"/>
+              </a:cxn>
+              <a:cxn ang="0">
+                <a:pos x="connsiteX16" y="connsiteY16"/>
+              </a:cxn>
+              <a:cxn ang="0">
+                <a:pos x="connsiteX17" y="connsiteY17"/>
+              </a:cxn>
+              <a:cxn ang="0">
+                <a:pos x="connsiteX18" y="connsiteY18"/>
+              </a:cxn>
+              <a:cxn ang="0">
+                <a:pos x="connsiteX19" y="connsiteY19"/>
+              </a:cxn>
+              <a:cxn ang="0">
+                <a:pos x="connsiteX20" y="connsiteY20"/>
+              </a:cxn>
+              <a:cxn ang="0">
+                <a:pos x="connsiteX21" y="connsiteY21"/>
+              </a:cxn>
+              <a:cxn ang="0">
+                <a:pos x="connsiteX22" y="connsiteY22"/>
+              </a:cxn>
+              <a:cxn ang="0">
+                <a:pos x="connsiteX23" y="connsiteY23"/>
+              </a:cxn>
+              <a:cxn ang="0">
+                <a:pos x="connsiteX24" y="connsiteY24"/>
+              </a:cxn>
+              <a:cxn ang="0">
+                <a:pos x="connsiteX25" y="connsiteY25"/>
+              </a:cxn>
+              <a:cxn ang="0">
+                <a:pos x="connsiteX26" y="connsiteY26"/>
+              </a:cxn>
+              <a:cxn ang="0">
+                <a:pos x="connsiteX27" y="connsiteY27"/>
+              </a:cxn>
+              <a:cxn ang="0">
+                <a:pos x="connsiteX28" y="connsiteY28"/>
+              </a:cxn>
+              <a:cxn ang="0">
+                <a:pos x="connsiteX29" y="connsiteY29"/>
+              </a:cxn>
+              <a:cxn ang="0">
+                <a:pos x="connsiteX30" y="connsiteY30"/>
+              </a:cxn>
+              <a:cxn ang="0">
+                <a:pos x="connsiteX31" y="connsiteY31"/>
+              </a:cxn>
+              <a:cxn ang="0">
+                <a:pos x="connsiteX32" y="connsiteY32"/>
+              </a:cxn>
+              <a:cxn ang="0">
+                <a:pos x="connsiteX33" y="connsiteY33"/>
+              </a:cxn>
+              <a:cxn ang="0">
+                <a:pos x="connsiteX34" y="connsiteY34"/>
+              </a:cxn>
+              <a:cxn ang="0">
+                <a:pos x="connsiteX35" y="connsiteY35"/>
+              </a:cxn>
+              <a:cxn ang="0">
+                <a:pos x="connsiteX36" y="connsiteY36"/>
+              </a:cxn>
+              <a:cxn ang="0">
+                <a:pos x="connsiteX37" y="connsiteY37"/>
+              </a:cxn>
+            </a:cxnLst>
+            <a:rect l="l" t="t" r="r" b="b"/>
+            <a:pathLst>
+              <a:path w="2450507" h="5800959">
+                <a:moveTo>
+                  <a:pt x="728026" y="1125059"/>
+                </a:moveTo>
+                <a:lnTo>
+                  <a:pt x="1724714" y="1125059"/>
+                </a:lnTo>
+                <a:cubicBezTo>
+                  <a:pt x="2125558" y="1125059"/>
+                  <a:pt x="2450506" y="1450007"/>
+                  <a:pt x="2450506" y="1850851"/>
+                </a:cubicBezTo>
+                <a:lnTo>
+                  <a:pt x="2450506" y="1882105"/>
+                </a:lnTo>
+                <a:lnTo>
+                  <a:pt x="2450507" y="1882115"/>
+                </a:lnTo>
+                <a:cubicBezTo>
+                  <a:pt x="2450507" y="2311019"/>
+                  <a:pt x="2450506" y="2739922"/>
+                  <a:pt x="2450506" y="3168826"/>
+                </a:cubicBezTo>
+                <a:cubicBezTo>
+                  <a:pt x="2450506" y="3299616"/>
+                  <a:pt x="2344480" y="3405642"/>
+                  <a:pt x="2213690" y="3405642"/>
+                </a:cubicBezTo>
+                <a:lnTo>
+                  <a:pt x="2213691" y="3405641"/>
+                </a:lnTo>
+                <a:cubicBezTo>
+                  <a:pt x="2082901" y="3405641"/>
+                  <a:pt x="1976875" y="3299615"/>
+                  <a:pt x="1976875" y="3168825"/>
+                </a:cubicBezTo>
+                <a:lnTo>
+                  <a:pt x="1976875" y="1911559"/>
+                </a:lnTo>
+                <a:lnTo>
+                  <a:pt x="1896214" y="1911559"/>
+                </a:lnTo>
+                <a:lnTo>
+                  <a:pt x="1896214" y="3339560"/>
+                </a:lnTo>
+                <a:lnTo>
+                  <a:pt x="1896214" y="3405641"/>
+                </a:lnTo>
+                <a:lnTo>
+                  <a:pt x="1896214" y="5496394"/>
+                </a:lnTo>
+                <a:cubicBezTo>
+                  <a:pt x="1896214" y="5664601"/>
+                  <a:pt x="1759856" y="5800959"/>
+                  <a:pt x="1591649" y="5800959"/>
+                </a:cubicBezTo>
+                <a:cubicBezTo>
+                  <a:pt x="1423442" y="5800959"/>
+                  <a:pt x="1287084" y="5664601"/>
+                  <a:pt x="1287084" y="5496394"/>
+                </a:cubicBezTo>
+                <a:lnTo>
+                  <a:pt x="1287084" y="3405641"/>
+                </a:lnTo>
+                <a:lnTo>
+                  <a:pt x="1163422" y="3405641"/>
+                </a:lnTo>
+                <a:lnTo>
+                  <a:pt x="1163422" y="5496394"/>
+                </a:lnTo>
+                <a:cubicBezTo>
+                  <a:pt x="1163422" y="5664601"/>
+                  <a:pt x="1027064" y="5800959"/>
+                  <a:pt x="858857" y="5800959"/>
+                </a:cubicBezTo>
+                <a:cubicBezTo>
+                  <a:pt x="690650" y="5800959"/>
+                  <a:pt x="554292" y="5664601"/>
+                  <a:pt x="554292" y="5496394"/>
+                </a:cubicBezTo>
+                <a:lnTo>
+                  <a:pt x="554292" y="3405641"/>
+                </a:lnTo>
+                <a:lnTo>
+                  <a:pt x="554292" y="3405641"/>
+                </a:lnTo>
+                <a:lnTo>
+                  <a:pt x="554292" y="1911559"/>
+                </a:lnTo>
+                <a:lnTo>
+                  <a:pt x="473632" y="1911559"/>
+                </a:lnTo>
+                <a:lnTo>
+                  <a:pt x="473631" y="3168826"/>
+                </a:lnTo>
+                <a:cubicBezTo>
+                  <a:pt x="473631" y="3299616"/>
+                  <a:pt x="367605" y="3405642"/>
+                  <a:pt x="236815" y="3405642"/>
+                </a:cubicBezTo>
+                <a:lnTo>
+                  <a:pt x="236816" y="3405641"/>
+                </a:lnTo>
+                <a:cubicBezTo>
+                  <a:pt x="106026" y="3405641"/>
+                  <a:pt x="0" y="3299615"/>
+                  <a:pt x="0" y="3168825"/>
+                </a:cubicBezTo>
+                <a:lnTo>
+                  <a:pt x="0" y="1882115"/>
+                </a:lnTo>
+                <a:lnTo>
+                  <a:pt x="2234" y="1859954"/>
+                </a:lnTo>
+                <a:lnTo>
+                  <a:pt x="2234" y="1850851"/>
+                </a:lnTo>
+                <a:cubicBezTo>
+                  <a:pt x="2234" y="1450007"/>
+                  <a:pt x="327182" y="1125059"/>
+                  <a:pt x="728026" y="1125059"/>
+                </a:cubicBezTo>
+                <a:close/>
+                <a:moveTo>
+                  <a:pt x="1226370" y="0"/>
+                </a:moveTo>
+                <a:cubicBezTo>
+                  <a:pt x="1504752" y="0"/>
+                  <a:pt x="1730426" y="225674"/>
+                  <a:pt x="1730426" y="504056"/>
+                </a:cubicBezTo>
+                <a:cubicBezTo>
+                  <a:pt x="1730426" y="782438"/>
+                  <a:pt x="1504752" y="1008112"/>
+                  <a:pt x="1226370" y="1008112"/>
+                </a:cubicBezTo>
+                <a:cubicBezTo>
+                  <a:pt x="947988" y="1008112"/>
+                  <a:pt x="722314" y="782438"/>
+                  <a:pt x="722314" y="504056"/>
+                </a:cubicBezTo>
+                <a:cubicBezTo>
+                  <a:pt x="722314" y="225674"/>
+                  <a:pt x="947988" y="0"/>
+                  <a:pt x="1226370" y="0"/>
+                </a:cubicBezTo>
+                <a:close/>
+              </a:path>
+            </a:pathLst>
+          </a:custGeom>
+          <a:solidFill>
+            <a:schemeClr val="tx2">
+              <a:lumMod val="40000"/>
+              <a:lumOff val="60000"/>
+            </a:schemeClr>
+          </a:solidFill>
+          <a:ln>
+            <a:noFill/>
+          </a:ln>
+        </p:spPr>
+        <p:style>
+          <a:lnRef idx="2">
+            <a:schemeClr val="accent1">
+              <a:shade val="50000"/>
+            </a:schemeClr>
+          </a:lnRef>
+          <a:fillRef idx="1">
+            <a:schemeClr val="accent1"/>
+          </a:fillRef>
+          <a:effectRef idx="0">
+            <a:schemeClr val="accent1"/>
+          </a:effectRef>
+          <a:fontRef idx="minor">
+            <a:schemeClr val="lt1"/>
+          </a:fontRef>
+        </p:style>
+        <p:txBody>
+          <a:bodyPr rtlCol="0" anchor="ctr"/>
+          <a:lstStyle/>
+          <a:p>
+            <a:pPr algn="ctr"/>
+            <a:endParaRPr lang="ko-KR" altLang="en-US"/>
+          </a:p>
+        </p:txBody>
+      </p:sp>
+      <p:sp>
+        <p:nvSpPr>
+          <p:cNvPr id="29" name="Freeform 20">
+            <a:extLst>
+              <a:ext uri="{FF2B5EF4-FFF2-40B4-BE49-F238E27FC236}">
+                <a16:creationId xmlns:a16="http://schemas.microsoft.com/office/drawing/2014/main" id="{C3AE9A21-8E2A-435E-A5AD-8CF3FB6D9560}"/>
+              </a:ext>
+            </a:extLst>
+          </p:cNvPr>
+          <p:cNvSpPr/>
+          <p:nvPr/>
+        </p:nvSpPr>
+        <p:spPr>
+          <a:xfrm>
+            <a:off x="3751757" y="3022576"/>
+            <a:ext cx="504056" cy="1025257"/>
+          </a:xfrm>
+          <a:custGeom>
+            <a:avLst/>
+            <a:gdLst>
+              <a:gd name="connsiteX0" fmla="*/ 1091476 w 2758322"/>
+              <a:gd name="connsiteY0" fmla="*/ 1092138 h 5610468"/>
+              <a:gd name="connsiteX1" fmla="*/ 1672465 w 2758322"/>
+              <a:gd name="connsiteY1" fmla="*/ 1092138 h 5610468"/>
+              <a:gd name="connsiteX2" fmla="*/ 2355278 w 2758322"/>
+              <a:gd name="connsiteY2" fmla="*/ 1630715 h 5610468"/>
+              <a:gd name="connsiteX3" fmla="*/ 2357084 w 2758322"/>
+              <a:gd name="connsiteY3" fmla="*/ 1648052 h 5610468"/>
+              <a:gd name="connsiteX4" fmla="*/ 2747364 w 2758322"/>
+              <a:gd name="connsiteY4" fmla="*/ 2782778 h 5610468"/>
+              <a:gd name="connsiteX5" fmla="*/ 2622945 w 2758322"/>
+              <a:gd name="connsiteY5" fmla="*/ 3037651 h 5610468"/>
+              <a:gd name="connsiteX6" fmla="*/ 2368071 w 2758322"/>
+              <a:gd name="connsiteY6" fmla="*/ 2913232 h 5610468"/>
+              <a:gd name="connsiteX7" fmla="*/ 1978655 w 2758322"/>
+              <a:gd name="connsiteY7" fmla="*/ 1781015 h 5610468"/>
+              <a:gd name="connsiteX8" fmla="*/ 1877373 w 2758322"/>
+              <a:gd name="connsiteY8" fmla="*/ 1781015 h 5610468"/>
+              <a:gd name="connsiteX9" fmla="*/ 2572346 w 2758322"/>
+              <a:gd name="connsiteY9" fmla="*/ 3761286 h 5610468"/>
+              <a:gd name="connsiteX10" fmla="*/ 1989631 w 2758322"/>
+              <a:gd name="connsiteY10" fmla="*/ 3761286 h 5610468"/>
+              <a:gd name="connsiteX11" fmla="*/ 1989630 w 2758322"/>
+              <a:gd name="connsiteY11" fmla="*/ 5367304 h 5610468"/>
+              <a:gd name="connsiteX12" fmla="*/ 1746466 w 2758322"/>
+              <a:gd name="connsiteY12" fmla="*/ 5610468 h 5610468"/>
+              <a:gd name="connsiteX13" fmla="*/ 1746467 w 2758322"/>
+              <a:gd name="connsiteY13" fmla="*/ 5610467 h 5610468"/>
+              <a:gd name="connsiteX14" fmla="*/ 1503303 w 2758322"/>
+              <a:gd name="connsiteY14" fmla="*/ 5367303 h 5610468"/>
+              <a:gd name="connsiteX15" fmla="*/ 1503303 w 2758322"/>
+              <a:gd name="connsiteY15" fmla="*/ 3761286 h 5610468"/>
+              <a:gd name="connsiteX16" fmla="*/ 1290929 w 2758322"/>
+              <a:gd name="connsiteY16" fmla="*/ 3761286 h 5610468"/>
+              <a:gd name="connsiteX17" fmla="*/ 1290928 w 2758322"/>
+              <a:gd name="connsiteY17" fmla="*/ 5367304 h 5610468"/>
+              <a:gd name="connsiteX18" fmla="*/ 1047764 w 2758322"/>
+              <a:gd name="connsiteY18" fmla="*/ 5610468 h 5610468"/>
+              <a:gd name="connsiteX19" fmla="*/ 1047765 w 2758322"/>
+              <a:gd name="connsiteY19" fmla="*/ 5610467 h 5610468"/>
+              <a:gd name="connsiteX20" fmla="*/ 804601 w 2758322"/>
+              <a:gd name="connsiteY20" fmla="*/ 5367303 h 5610468"/>
+              <a:gd name="connsiteX21" fmla="*/ 804601 w 2758322"/>
+              <a:gd name="connsiteY21" fmla="*/ 3761286 h 5610468"/>
+              <a:gd name="connsiteX22" fmla="*/ 212057 w 2758322"/>
+              <a:gd name="connsiteY22" fmla="*/ 3761286 h 5610468"/>
+              <a:gd name="connsiteX23" fmla="*/ 907030 w 2758322"/>
+              <a:gd name="connsiteY23" fmla="*/ 1781015 h 5610468"/>
+              <a:gd name="connsiteX24" fmla="*/ 784167 w 2758322"/>
+              <a:gd name="connsiteY24" fmla="*/ 1781015 h 5610468"/>
+              <a:gd name="connsiteX25" fmla="*/ 390010 w 2758322"/>
+              <a:gd name="connsiteY25" fmla="*/ 2913473 h 5610468"/>
+              <a:gd name="connsiteX26" fmla="*/ 134681 w 2758322"/>
+              <a:gd name="connsiteY26" fmla="*/ 3036955 h 5610468"/>
+              <a:gd name="connsiteX27" fmla="*/ 11199 w 2758322"/>
+              <a:gd name="connsiteY27" fmla="*/ 2781626 h 5610468"/>
+              <a:gd name="connsiteX28" fmla="*/ 407332 w 2758322"/>
+              <a:gd name="connsiteY28" fmla="*/ 1643491 h 5610468"/>
+              <a:gd name="connsiteX29" fmla="*/ 408663 w 2758322"/>
+              <a:gd name="connsiteY29" fmla="*/ 1630715 h 5610468"/>
+              <a:gd name="connsiteX30" fmla="*/ 1091476 w 2758322"/>
+              <a:gd name="connsiteY30" fmla="*/ 1092138 h 5610468"/>
+              <a:gd name="connsiteX31" fmla="*/ 1392202 w 2758322"/>
+              <a:gd name="connsiteY31" fmla="*/ 0 h 5610468"/>
+              <a:gd name="connsiteX32" fmla="*/ 1927374 w 2758322"/>
+              <a:gd name="connsiteY32" fmla="*/ 496967 h 5610468"/>
+              <a:gd name="connsiteX33" fmla="*/ 1392202 w 2758322"/>
+              <a:gd name="connsiteY33" fmla="*/ 993934 h 5610468"/>
+              <a:gd name="connsiteX34" fmla="*/ 857030 w 2758322"/>
+              <a:gd name="connsiteY34" fmla="*/ 496967 h 5610468"/>
+              <a:gd name="connsiteX35" fmla="*/ 1392202 w 2758322"/>
+              <a:gd name="connsiteY35" fmla="*/ 0 h 5610468"/>
+            </a:gdLst>
+            <a:ahLst/>
+            <a:cxnLst>
+              <a:cxn ang="0">
+                <a:pos x="connsiteX0" y="connsiteY0"/>
+              </a:cxn>
+              <a:cxn ang="0">
+                <a:pos x="connsiteX1" y="connsiteY1"/>
+              </a:cxn>
+              <a:cxn ang="0">
+                <a:pos x="connsiteX2" y="connsiteY2"/>
+              </a:cxn>
+              <a:cxn ang="0">
+                <a:pos x="connsiteX3" y="connsiteY3"/>
+              </a:cxn>
+              <a:cxn ang="0">
+                <a:pos x="connsiteX4" y="connsiteY4"/>
+              </a:cxn>
+              <a:cxn ang="0">
+                <a:pos x="connsiteX5" y="connsiteY5"/>
+              </a:cxn>
+              <a:cxn ang="0">
+                <a:pos x="connsiteX6" y="connsiteY6"/>
+              </a:cxn>
+              <a:cxn ang="0">
+                <a:pos x="connsiteX7" y="connsiteY7"/>
+              </a:cxn>
+              <a:cxn ang="0">
+                <a:pos x="connsiteX8" y="connsiteY8"/>
+              </a:cxn>
+              <a:cxn ang="0">
+                <a:pos x="connsiteX9" y="connsiteY9"/>
+              </a:cxn>
+              <a:cxn ang="0">
+                <a:pos x="connsiteX10" y="connsiteY10"/>
+              </a:cxn>
+              <a:cxn ang="0">
+                <a:pos x="connsiteX11" y="connsiteY11"/>
+              </a:cxn>
+              <a:cxn ang="0">
+                <a:pos x="connsiteX12" y="connsiteY12"/>
+              </a:cxn>
+              <a:cxn ang="0">
+                <a:pos x="connsiteX13" y="connsiteY13"/>
+              </a:cxn>
+              <a:cxn ang="0">
+                <a:pos x="connsiteX14" y="connsiteY14"/>
+              </a:cxn>
+              <a:cxn ang="0">
+                <a:pos x="connsiteX15" y="connsiteY15"/>
+              </a:cxn>
+              <a:cxn ang="0">
+                <a:pos x="connsiteX16" y="connsiteY16"/>
+              </a:cxn>
+              <a:cxn ang="0">
+                <a:pos x="connsiteX17" y="connsiteY17"/>
+              </a:cxn>
+              <a:cxn ang="0">
+                <a:pos x="connsiteX18" y="connsiteY18"/>
+              </a:cxn>
+              <a:cxn ang="0">
+                <a:pos x="connsiteX19" y="connsiteY19"/>
+              </a:cxn>
+              <a:cxn ang="0">
+                <a:pos x="connsiteX20" y="connsiteY20"/>
+              </a:cxn>
+              <a:cxn ang="0">
+                <a:pos x="connsiteX21" y="connsiteY21"/>
+              </a:cxn>
+              <a:cxn ang="0">
+                <a:pos x="connsiteX22" y="connsiteY22"/>
+              </a:cxn>
+              <a:cxn ang="0">
+                <a:pos x="connsiteX23" y="connsiteY23"/>
+              </a:cxn>
+              <a:cxn ang="0">
+                <a:pos x="connsiteX24" y="connsiteY24"/>
+              </a:cxn>
+              <a:cxn ang="0">
+                <a:pos x="connsiteX25" y="connsiteY25"/>
+              </a:cxn>
+              <a:cxn ang="0">
+                <a:pos x="connsiteX26" y="connsiteY26"/>
+              </a:cxn>
+              <a:cxn ang="0">
+                <a:pos x="connsiteX27" y="connsiteY27"/>
+              </a:cxn>
+              <a:cxn ang="0">
+                <a:pos x="connsiteX28" y="connsiteY28"/>
+              </a:cxn>
+              <a:cxn ang="0">
+                <a:pos x="connsiteX29" y="connsiteY29"/>
+              </a:cxn>
+              <a:cxn ang="0">
+                <a:pos x="connsiteX30" y="connsiteY30"/>
+              </a:cxn>
+              <a:cxn ang="0">
+                <a:pos x="connsiteX31" y="connsiteY31"/>
+              </a:cxn>
+              <a:cxn ang="0">
+                <a:pos x="connsiteX32" y="connsiteY32"/>
+              </a:cxn>
+              <a:cxn ang="0">
+                <a:pos x="connsiteX33" y="connsiteY33"/>
+              </a:cxn>
+              <a:cxn ang="0">
+                <a:pos x="connsiteX34" y="connsiteY34"/>
+              </a:cxn>
+              <a:cxn ang="0">
+                <a:pos x="connsiteX35" y="connsiteY35"/>
+              </a:cxn>
+            </a:cxnLst>
+            <a:rect l="l" t="t" r="r" b="b"/>
+            <a:pathLst>
+              <a:path w="2758322" h="5610468">
+                <a:moveTo>
+                  <a:pt x="1091476" y="1092138"/>
+                </a:moveTo>
+                <a:lnTo>
+                  <a:pt x="1672465" y="1092138"/>
+                </a:lnTo>
+                <a:cubicBezTo>
+                  <a:pt x="2009276" y="1092138"/>
+                  <a:pt x="2290288" y="1323350"/>
+                  <a:pt x="2355278" y="1630715"/>
+                </a:cubicBezTo>
+                <a:lnTo>
+                  <a:pt x="2357084" y="1648052"/>
+                </a:lnTo>
+                <a:lnTo>
+                  <a:pt x="2747364" y="2782778"/>
+                </a:lnTo>
+                <a:cubicBezTo>
+                  <a:pt x="2783388" y="2887517"/>
+                  <a:pt x="2727684" y="3001627"/>
+                  <a:pt x="2622945" y="3037651"/>
+                </a:cubicBezTo>
+                <a:cubicBezTo>
+                  <a:pt x="2518206" y="3073675"/>
+                  <a:pt x="2404095" y="3017971"/>
+                  <a:pt x="2368071" y="2913232"/>
+                </a:cubicBezTo>
+                <a:lnTo>
+                  <a:pt x="1978655" y="1781015"/>
+                </a:lnTo>
+                <a:lnTo>
+                  <a:pt x="1877373" y="1781015"/>
+                </a:lnTo>
+                <a:lnTo>
+                  <a:pt x="2572346" y="3761286"/>
+                </a:lnTo>
+                <a:lnTo>
+                  <a:pt x="1989631" y="3761286"/>
+                </a:lnTo>
+                <a:lnTo>
+                  <a:pt x="1989630" y="5367304"/>
+                </a:lnTo>
+                <a:cubicBezTo>
+                  <a:pt x="1989630" y="5501600"/>
+                  <a:pt x="1880762" y="5610468"/>
+                  <a:pt x="1746466" y="5610468"/>
+                </a:cubicBezTo>
+                <a:lnTo>
+                  <a:pt x="1746467" y="5610467"/>
+                </a:lnTo>
+                <a:cubicBezTo>
+                  <a:pt x="1612171" y="5610467"/>
+                  <a:pt x="1503303" y="5501599"/>
+                  <a:pt x="1503303" y="5367303"/>
+                </a:cubicBezTo>
+                <a:lnTo>
+                  <a:pt x="1503303" y="3761286"/>
+                </a:lnTo>
+                <a:lnTo>
+                  <a:pt x="1290929" y="3761286"/>
+                </a:lnTo>
+                <a:lnTo>
+                  <a:pt x="1290928" y="5367304"/>
+                </a:lnTo>
+                <a:cubicBezTo>
+                  <a:pt x="1290928" y="5501600"/>
+                  <a:pt x="1182060" y="5610468"/>
+                  <a:pt x="1047764" y="5610468"/>
+                </a:cubicBezTo>
+                <a:lnTo>
+                  <a:pt x="1047765" y="5610467"/>
+                </a:lnTo>
+                <a:cubicBezTo>
+                  <a:pt x="913469" y="5610467"/>
+                  <a:pt x="804601" y="5501599"/>
+                  <a:pt x="804601" y="5367303"/>
+                </a:cubicBezTo>
+                <a:lnTo>
+                  <a:pt x="804601" y="3761286"/>
+                </a:lnTo>
+                <a:lnTo>
+                  <a:pt x="212057" y="3761286"/>
+                </a:lnTo>
+                <a:lnTo>
+                  <a:pt x="907030" y="1781015"/>
+                </a:lnTo>
+                <a:lnTo>
+                  <a:pt x="784167" y="1781015"/>
+                </a:lnTo>
+                <a:lnTo>
+                  <a:pt x="390010" y="2913473"/>
+                </a:lnTo>
+                <a:cubicBezTo>
+                  <a:pt x="353602" y="3018079"/>
+                  <a:pt x="239287" y="3073364"/>
+                  <a:pt x="134681" y="3036955"/>
+                </a:cubicBezTo>
+                <a:cubicBezTo>
+                  <a:pt x="30075" y="3000546"/>
+                  <a:pt x="-25209" y="2886232"/>
+                  <a:pt x="11199" y="2781626"/>
+                </a:cubicBezTo>
+                <a:lnTo>
+                  <a:pt x="407332" y="1643491"/>
+                </a:lnTo>
+                <a:lnTo>
+                  <a:pt x="408663" y="1630715"/>
+                </a:lnTo>
+                <a:cubicBezTo>
+                  <a:pt x="473653" y="1323350"/>
+                  <a:pt x="754665" y="1092138"/>
+                  <a:pt x="1091476" y="1092138"/>
+                </a:cubicBezTo>
+                <a:close/>
+                <a:moveTo>
+                  <a:pt x="1392202" y="0"/>
+                </a:moveTo>
+                <a:cubicBezTo>
+                  <a:pt x="1687769" y="0"/>
+                  <a:pt x="1927374" y="222500"/>
+                  <a:pt x="1927374" y="496967"/>
+                </a:cubicBezTo>
+                <a:cubicBezTo>
+                  <a:pt x="1927374" y="771434"/>
+                  <a:pt x="1687769" y="993934"/>
+                  <a:pt x="1392202" y="993934"/>
+                </a:cubicBezTo>
+                <a:cubicBezTo>
+                  <a:pt x="1096635" y="993934"/>
+                  <a:pt x="857030" y="771434"/>
+                  <a:pt x="857030" y="496967"/>
+                </a:cubicBezTo>
+                <a:cubicBezTo>
+                  <a:pt x="857030" y="222500"/>
+                  <a:pt x="1096635" y="0"/>
+                  <a:pt x="1392202" y="0"/>
+                </a:cubicBezTo>
+                <a:close/>
+              </a:path>
+            </a:pathLst>
+          </a:custGeom>
+          <a:solidFill>
+            <a:schemeClr val="accent2">
+              <a:lumMod val="40000"/>
+              <a:lumOff val="60000"/>
+            </a:schemeClr>
+          </a:solidFill>
+          <a:ln>
+            <a:noFill/>
+          </a:ln>
+        </p:spPr>
+        <p:style>
+          <a:lnRef idx="2">
+            <a:schemeClr val="accent1">
+              <a:shade val="50000"/>
+            </a:schemeClr>
+          </a:lnRef>
+          <a:fillRef idx="1">
+            <a:schemeClr val="accent1"/>
+          </a:fillRef>
+          <a:effectRef idx="0">
+            <a:schemeClr val="accent1"/>
+          </a:effectRef>
+          <a:fontRef idx="minor">
+            <a:schemeClr val="lt1"/>
+          </a:fontRef>
+        </p:style>
+        <p:txBody>
+          <a:bodyPr rtlCol="0" anchor="ctr"/>
+          <a:lstStyle/>
+          <a:p>
+            <a:pPr algn="ctr"/>
+            <a:endParaRPr lang="ko-KR" altLang="en-US"/>
+          </a:p>
+        </p:txBody>
+      </p:sp>
+      <p:graphicFrame>
+        <p:nvGraphicFramePr>
+          <p:cNvPr id="35" name="차트 34">
+            <a:extLst>
+              <a:ext uri="{FF2B5EF4-FFF2-40B4-BE49-F238E27FC236}">
+                <a16:creationId xmlns:a16="http://schemas.microsoft.com/office/drawing/2014/main" id="{C87D3362-EEE4-4926-ABF7-4B4F17BC24EA}"/>
+              </a:ext>
+            </a:extLst>
+          </p:cNvPr>
+          <p:cNvGraphicFramePr>
+            <a:graphicFrameLocks/>
+          </p:cNvGraphicFramePr>
+          <p:nvPr>
+            <p:extLst>
+              <p:ext uri="{D42A27DB-BD31-4B8C-83A1-F6EECF244321}">
+                <p14:modId xmlns:p14="http://schemas.microsoft.com/office/powerpoint/2010/main" val="590405610"/>
+              </p:ext>
+            </p:extLst>
+          </p:nvPr>
+        </p:nvGraphicFramePr>
+        <p:xfrm>
+          <a:off x="6657700" y="1863073"/>
+          <a:ext cx="4345388" cy="3101011"/>
+        </p:xfrm>
+        <a:graphic>
+          <a:graphicData uri="http://schemas.openxmlformats.org/drawingml/2006/chart">
+            <c:chart xmlns:c="http://schemas.openxmlformats.org/drawingml/2006/chart" xmlns:r="http://schemas.openxmlformats.org/officeDocument/2006/relationships" r:id="rId2"/>
+          </a:graphicData>
+        </a:graphic>
+      </p:graphicFrame>
+      <p:grpSp>
+        <p:nvGrpSpPr>
+          <p:cNvPr id="43" name="그룹 42">
+            <a:extLst>
+              <a:ext uri="{FF2B5EF4-FFF2-40B4-BE49-F238E27FC236}">
+                <a16:creationId xmlns:a16="http://schemas.microsoft.com/office/drawing/2014/main" id="{D6011A6E-1388-4B80-9BF3-477BEF04758F}"/>
+              </a:ext>
+            </a:extLst>
+          </p:cNvPr>
+          <p:cNvGrpSpPr/>
+          <p:nvPr/>
+        </p:nvGrpSpPr>
+        <p:grpSpPr>
+          <a:xfrm>
+            <a:off x="10015274" y="3903786"/>
+            <a:ext cx="941774" cy="406157"/>
+            <a:chOff x="10179539" y="4922538"/>
+            <a:chExt cx="719042" cy="310100"/>
+          </a:xfrm>
+        </p:grpSpPr>
+        <p:cxnSp>
+          <p:nvCxnSpPr>
+            <p:cNvPr id="37" name="직선 연결선 36">
+              <a:extLst>
+                <a:ext uri="{FF2B5EF4-FFF2-40B4-BE49-F238E27FC236}">
+                  <a16:creationId xmlns:a16="http://schemas.microsoft.com/office/drawing/2014/main" id="{B8D91E34-B9F6-4C6E-B94C-7D8E0219D550}"/>
+                </a:ext>
+              </a:extLst>
+            </p:cNvPr>
+            <p:cNvCxnSpPr/>
+            <p:nvPr/>
+          </p:nvCxnSpPr>
+          <p:spPr>
+            <a:xfrm>
+              <a:off x="10225540" y="5077588"/>
+              <a:ext cx="310100" cy="0"/>
+            </a:xfrm>
+            <a:prstGeom prst="line">
+              <a:avLst/>
+            </a:prstGeom>
+            <a:ln w="19050">
+              <a:solidFill>
+                <a:srgbClr val="FF0000"/>
+              </a:solidFill>
+            </a:ln>
+          </p:spPr>
+          <p:style>
+            <a:lnRef idx="1">
+              <a:schemeClr val="accent1"/>
+            </a:lnRef>
+            <a:fillRef idx="0">
+              <a:schemeClr val="accent1"/>
+            </a:fillRef>
+            <a:effectRef idx="0">
+              <a:schemeClr val="accent1"/>
+            </a:effectRef>
+            <a:fontRef idx="minor">
+              <a:schemeClr val="tx1"/>
+            </a:fontRef>
+          </p:style>
+        </p:cxnSp>
+        <p:grpSp>
+          <p:nvGrpSpPr>
+            <p:cNvPr id="40" name="그룹 39">
+              <a:extLst>
+                <a:ext uri="{FF2B5EF4-FFF2-40B4-BE49-F238E27FC236}">
+                  <a16:creationId xmlns:a16="http://schemas.microsoft.com/office/drawing/2014/main" id="{DD938643-D63A-4AB9-BB7D-3C9D3EF539E7}"/>
+                </a:ext>
+              </a:extLst>
+            </p:cNvPr>
+            <p:cNvGrpSpPr/>
+            <p:nvPr/>
+          </p:nvGrpSpPr>
+          <p:grpSpPr>
+            <a:xfrm>
+              <a:off x="10456577" y="4922538"/>
+              <a:ext cx="442004" cy="310100"/>
+              <a:chOff x="10239557" y="4922538"/>
+              <a:chExt cx="442004" cy="310100"/>
+            </a:xfrm>
+          </p:grpSpPr>
+          <p:sp>
+            <p:nvSpPr>
+              <p:cNvPr id="39" name="타원 38">
+                <a:extLst>
+                  <a:ext uri="{FF2B5EF4-FFF2-40B4-BE49-F238E27FC236}">
+                    <a16:creationId xmlns:a16="http://schemas.microsoft.com/office/drawing/2014/main" id="{EC05C9F3-C11A-4289-A020-414079E22504}"/>
+                  </a:ext>
+                </a:extLst>
+              </p:cNvPr>
+              <p:cNvSpPr/>
+              <p:nvPr/>
+            </p:nvSpPr>
+            <p:spPr>
+              <a:xfrm>
+                <a:off x="10318620" y="4922538"/>
+                <a:ext cx="310100" cy="310100"/>
+              </a:xfrm>
+              <a:prstGeom prst="ellipse">
+                <a:avLst/>
+              </a:prstGeom>
+              <a:solidFill>
+                <a:srgbClr val="FF0000"/>
+              </a:solidFill>
+              <a:ln w="12700">
+                <a:solidFill>
+                  <a:srgbClr val="FF0000"/>
+                </a:solidFill>
+              </a:ln>
+            </p:spPr>
+            <p:style>
+              <a:lnRef idx="2">
+                <a:schemeClr val="accent1">
+                  <a:shade val="50000"/>
+                </a:schemeClr>
+              </a:lnRef>
+              <a:fillRef idx="1">
+                <a:schemeClr val="accent1"/>
+              </a:fillRef>
+              <a:effectRef idx="0">
+                <a:schemeClr val="accent1"/>
+              </a:effectRef>
+              <a:fontRef idx="minor">
+                <a:schemeClr val="lt1"/>
+              </a:fontRef>
+            </p:style>
+            <p:txBody>
+              <a:bodyPr/>
+              <a:lstStyle>
+                <a:lvl1pPr marL="0" indent="0">
+                  <a:defRPr sz="1100">
+                    <a:solidFill>
+                      <a:schemeClr val="lt1"/>
+                    </a:solidFill>
+                    <a:latin typeface="+mn-lt"/>
+                    <a:ea typeface="+mn-ea"/>
+                    <a:cs typeface="+mn-cs"/>
+                  </a:defRPr>
+                </a:lvl1pPr>
+                <a:lvl2pPr marL="457200" indent="0">
+                  <a:defRPr sz="1100">
+                    <a:solidFill>
+                      <a:schemeClr val="lt1"/>
+                    </a:solidFill>
+                    <a:latin typeface="+mn-lt"/>
+                    <a:ea typeface="+mn-ea"/>
+                    <a:cs typeface="+mn-cs"/>
+                  </a:defRPr>
+                </a:lvl2pPr>
+                <a:lvl3pPr marL="914400" indent="0">
+                  <a:defRPr sz="1100">
+                    <a:solidFill>
+                      <a:schemeClr val="lt1"/>
+                    </a:solidFill>
+                    <a:latin typeface="+mn-lt"/>
+                    <a:ea typeface="+mn-ea"/>
+                    <a:cs typeface="+mn-cs"/>
+                  </a:defRPr>
+                </a:lvl3pPr>
+                <a:lvl4pPr marL="1371600" indent="0">
+                  <a:defRPr sz="1100">
+                    <a:solidFill>
+                      <a:schemeClr val="lt1"/>
+                    </a:solidFill>
+                    <a:latin typeface="+mn-lt"/>
+                    <a:ea typeface="+mn-ea"/>
+                    <a:cs typeface="+mn-cs"/>
+                  </a:defRPr>
+                </a:lvl4pPr>
+                <a:lvl5pPr marL="1828800" indent="0">
+                  <a:defRPr sz="1100">
+                    <a:solidFill>
+                      <a:schemeClr val="lt1"/>
+                    </a:solidFill>
+                    <a:latin typeface="+mn-lt"/>
+                    <a:ea typeface="+mn-ea"/>
+                    <a:cs typeface="+mn-cs"/>
+                  </a:defRPr>
+                </a:lvl5pPr>
+                <a:lvl6pPr marL="2286000" indent="0">
+                  <a:defRPr sz="1100">
+                    <a:solidFill>
+                      <a:schemeClr val="lt1"/>
+                    </a:solidFill>
+                    <a:latin typeface="+mn-lt"/>
+                    <a:ea typeface="+mn-ea"/>
+                    <a:cs typeface="+mn-cs"/>
+                  </a:defRPr>
+                </a:lvl6pPr>
+                <a:lvl7pPr marL="2743200" indent="0">
+                  <a:defRPr sz="1100">
+                    <a:solidFill>
+                      <a:schemeClr val="lt1"/>
+                    </a:solidFill>
+                    <a:latin typeface="+mn-lt"/>
+                    <a:ea typeface="+mn-ea"/>
+                    <a:cs typeface="+mn-cs"/>
+                  </a:defRPr>
+                </a:lvl7pPr>
+                <a:lvl8pPr marL="3200400" indent="0">
+                  <a:defRPr sz="1100">
+                    <a:solidFill>
+                      <a:schemeClr val="lt1"/>
+                    </a:solidFill>
+                    <a:latin typeface="+mn-lt"/>
+                    <a:ea typeface="+mn-ea"/>
+                    <a:cs typeface="+mn-cs"/>
+                  </a:defRPr>
+                </a:lvl8pPr>
+                <a:lvl9pPr marL="3657600" indent="0">
+                  <a:defRPr sz="1100">
+                    <a:solidFill>
+                      <a:schemeClr val="lt1"/>
+                    </a:solidFill>
+                    <a:latin typeface="+mn-lt"/>
+                    <a:ea typeface="+mn-ea"/>
+                    <a:cs typeface="+mn-cs"/>
+                  </a:defRPr>
+                </a:lvl9pPr>
+              </a:lstStyle>
+              <a:p>
+                <a:endParaRPr lang="ko-KR"/>
+              </a:p>
+            </p:txBody>
+          </p:sp>
+          <p:sp>
+            <p:nvSpPr>
+              <p:cNvPr id="38" name="TextBox 37">
+                <a:extLst>
+                  <a:ext uri="{FF2B5EF4-FFF2-40B4-BE49-F238E27FC236}">
+                    <a16:creationId xmlns:a16="http://schemas.microsoft.com/office/drawing/2014/main" id="{CF236FE8-8C1B-4301-8883-651694904857}"/>
+                  </a:ext>
+                </a:extLst>
+              </p:cNvPr>
+              <p:cNvSpPr txBox="1"/>
+              <p:nvPr/>
+            </p:nvSpPr>
+            <p:spPr>
+              <a:xfrm>
+                <a:off x="10239557" y="4962771"/>
+                <a:ext cx="442004" cy="234987"/>
+              </a:xfrm>
+              <a:prstGeom prst="rect">
+                <a:avLst/>
+              </a:prstGeom>
+              <a:noFill/>
+            </p:spPr>
+            <p:txBody>
+              <a:bodyPr wrap="square" rtlCol="0">
+                <a:spAutoFit/>
+              </a:bodyPr>
+              <a:lstStyle/>
+              <a:p>
+                <a:pPr algn="ctr"/>
+                <a:r>
+                  <a:rPr lang="en-US" altLang="ko-KR" sz="1400" b="1" dirty="0">
+                    <a:solidFill>
+                      <a:schemeClr val="bg1"/>
+                    </a:solidFill>
+                    <a:latin typeface="LG스마트체 Regular" panose="020B0600000101010101" pitchFamily="50" charset="-127"/>
+                    <a:ea typeface="LG스마트체 Regular" panose="020B0600000101010101" pitchFamily="50" charset="-127"/>
+                  </a:rPr>
+                  <a:t>1</a:t>
+                </a:r>
+                <a:r>
+                  <a:rPr lang="ko-KR" altLang="en-US" sz="1400" b="1" dirty="0">
+                    <a:solidFill>
+                      <a:schemeClr val="bg1"/>
+                    </a:solidFill>
+                    <a:latin typeface="LG스마트체 Regular" panose="020B0600000101010101" pitchFamily="50" charset="-127"/>
+                    <a:ea typeface="LG스마트체 Regular" panose="020B0600000101010101" pitchFamily="50" charset="-127"/>
+                  </a:rPr>
+                  <a:t>위</a:t>
+                </a:r>
+              </a:p>
+            </p:txBody>
+          </p:sp>
+        </p:grpSp>
+        <p:sp>
+          <p:nvSpPr>
+            <p:cNvPr id="42" name="타원 41">
+              <a:extLst>
+                <a:ext uri="{FF2B5EF4-FFF2-40B4-BE49-F238E27FC236}">
+                  <a16:creationId xmlns:a16="http://schemas.microsoft.com/office/drawing/2014/main" id="{999F2B7C-F4A0-44BC-9333-0EA5BFE17F05}"/>
+                </a:ext>
+              </a:extLst>
+            </p:cNvPr>
+            <p:cNvSpPr/>
+            <p:nvPr/>
+          </p:nvSpPr>
+          <p:spPr>
+            <a:xfrm>
+              <a:off x="10179539" y="5047634"/>
+              <a:ext cx="70473" cy="70473"/>
+            </a:xfrm>
+            <a:prstGeom prst="ellipse">
+              <a:avLst/>
+            </a:prstGeom>
+            <a:solidFill>
+              <a:schemeClr val="bg1"/>
+            </a:solidFill>
+            <a:ln w="12700">
+              <a:solidFill>
+                <a:srgbClr val="FF0000"/>
+              </a:solidFill>
+            </a:ln>
+          </p:spPr>
+          <p:style>
+            <a:lnRef idx="2">
+              <a:schemeClr val="accent1">
+                <a:shade val="50000"/>
+              </a:schemeClr>
+            </a:lnRef>
+            <a:fillRef idx="1">
+              <a:schemeClr val="accent1"/>
+            </a:fillRef>
+            <a:effectRef idx="0">
+              <a:schemeClr val="accent1"/>
+            </a:effectRef>
+            <a:fontRef idx="minor">
+              <a:schemeClr val="lt1"/>
+            </a:fontRef>
+          </p:style>
+          <p:txBody>
+            <a:bodyPr/>
+            <a:lstStyle>
+              <a:lvl1pPr marL="0" indent="0">
+                <a:defRPr sz="1100">
+                  <a:solidFill>
+                    <a:schemeClr val="lt1"/>
+                  </a:solidFill>
+                  <a:latin typeface="+mn-lt"/>
+                  <a:ea typeface="+mn-ea"/>
+                  <a:cs typeface="+mn-cs"/>
+                </a:defRPr>
+              </a:lvl1pPr>
+              <a:lvl2pPr marL="457200" indent="0">
+                <a:defRPr sz="1100">
+                  <a:solidFill>
+                    <a:schemeClr val="lt1"/>
+                  </a:solidFill>
+                  <a:latin typeface="+mn-lt"/>
+                  <a:ea typeface="+mn-ea"/>
+                  <a:cs typeface="+mn-cs"/>
+                </a:defRPr>
+              </a:lvl2pPr>
+              <a:lvl3pPr marL="914400" indent="0">
+                <a:defRPr sz="1100">
+                  <a:solidFill>
+                    <a:schemeClr val="lt1"/>
+                  </a:solidFill>
+                  <a:latin typeface="+mn-lt"/>
+                  <a:ea typeface="+mn-ea"/>
+                  <a:cs typeface="+mn-cs"/>
+                </a:defRPr>
+              </a:lvl3pPr>
+              <a:lvl4pPr marL="1371600" indent="0">
+                <a:defRPr sz="1100">
+                  <a:solidFill>
+                    <a:schemeClr val="lt1"/>
+                  </a:solidFill>
+                  <a:latin typeface="+mn-lt"/>
+                  <a:ea typeface="+mn-ea"/>
+                  <a:cs typeface="+mn-cs"/>
+                </a:defRPr>
+              </a:lvl4pPr>
+              <a:lvl5pPr marL="1828800" indent="0">
+                <a:defRPr sz="1100">
+                  <a:solidFill>
+                    <a:schemeClr val="lt1"/>
+                  </a:solidFill>
+                  <a:latin typeface="+mn-lt"/>
+                  <a:ea typeface="+mn-ea"/>
+                  <a:cs typeface="+mn-cs"/>
+                </a:defRPr>
+              </a:lvl5pPr>
+              <a:lvl6pPr marL="2286000" indent="0">
+                <a:defRPr sz="1100">
+                  <a:solidFill>
+                    <a:schemeClr val="lt1"/>
+                  </a:solidFill>
+                  <a:latin typeface="+mn-lt"/>
+                  <a:ea typeface="+mn-ea"/>
+                  <a:cs typeface="+mn-cs"/>
+                </a:defRPr>
+              </a:lvl6pPr>
+              <a:lvl7pPr marL="2743200" indent="0">
+                <a:defRPr sz="1100">
+                  <a:solidFill>
+                    <a:schemeClr val="lt1"/>
+                  </a:solidFill>
+                  <a:latin typeface="+mn-lt"/>
+                  <a:ea typeface="+mn-ea"/>
+                  <a:cs typeface="+mn-cs"/>
+                </a:defRPr>
+              </a:lvl7pPr>
+              <a:lvl8pPr marL="3200400" indent="0">
+                <a:defRPr sz="1100">
+                  <a:solidFill>
+                    <a:schemeClr val="lt1"/>
+                  </a:solidFill>
+                  <a:latin typeface="+mn-lt"/>
+                  <a:ea typeface="+mn-ea"/>
+                  <a:cs typeface="+mn-cs"/>
+                </a:defRPr>
+              </a:lvl8pPr>
+              <a:lvl9pPr marL="3657600" indent="0">
+                <a:defRPr sz="1100">
+                  <a:solidFill>
+                    <a:schemeClr val="lt1"/>
+                  </a:solidFill>
+                  <a:latin typeface="+mn-lt"/>
+                  <a:ea typeface="+mn-ea"/>
+                  <a:cs typeface="+mn-cs"/>
+                </a:defRPr>
+              </a:lvl9pPr>
+            </a:lstStyle>
+            <a:p>
+              <a:endParaRPr lang="ko-KR"/>
+            </a:p>
+          </p:txBody>
+        </p:sp>
+      </p:grpSp>
+      <p:sp>
+        <p:nvSpPr>
+          <p:cNvPr id="44" name="TextBox 43">
+            <a:extLst>
+              <a:ext uri="{FF2B5EF4-FFF2-40B4-BE49-F238E27FC236}">
+                <a16:creationId xmlns:a16="http://schemas.microsoft.com/office/drawing/2014/main" id="{0335E7A0-34CA-41F7-A61A-679CB14DD43E}"/>
+              </a:ext>
+            </a:extLst>
+          </p:cNvPr>
+          <p:cNvSpPr txBox="1"/>
+          <p:nvPr/>
+        </p:nvSpPr>
+        <p:spPr>
+          <a:xfrm>
+            <a:off x="10325572" y="4333705"/>
+            <a:ext cx="718376" cy="307777"/>
+          </a:xfrm>
+          <a:prstGeom prst="rect">
+            <a:avLst/>
+          </a:prstGeom>
+          <a:noFill/>
+        </p:spPr>
+        <p:txBody>
+          <a:bodyPr wrap="square" rtlCol="0">
+            <a:spAutoFit/>
+          </a:bodyPr>
+          <a:lstStyle/>
+          <a:p>
+            <a:pPr algn="ctr"/>
+            <a:r>
+              <a:rPr lang="en-US" altLang="ko-KR" sz="1400" b="1" dirty="0">
+                <a:latin typeface="LG스마트체 Regular" panose="020B0600000101010101" pitchFamily="50" charset="-127"/>
+                <a:ea typeface="LG스마트체 Regular" panose="020B0600000101010101" pitchFamily="50" charset="-127"/>
+              </a:rPr>
+              <a:t>20</a:t>
+            </a:r>
+            <a:r>
+              <a:rPr lang="ko-KR" altLang="en-US" sz="1400" b="1" dirty="0">
+                <a:latin typeface="LG스마트체 Regular" panose="020B0600000101010101" pitchFamily="50" charset="-127"/>
+                <a:ea typeface="LG스마트체 Regular" panose="020B0600000101010101" pitchFamily="50" charset="-127"/>
+              </a:rPr>
+              <a:t>대</a:t>
+            </a:r>
+          </a:p>
+        </p:txBody>
+      </p:sp>
+      <p:cxnSp>
+        <p:nvCxnSpPr>
+          <p:cNvPr id="47" name="직선 연결선 46">
+            <a:extLst>
+              <a:ext uri="{FF2B5EF4-FFF2-40B4-BE49-F238E27FC236}">
+                <a16:creationId xmlns:a16="http://schemas.microsoft.com/office/drawing/2014/main" id="{3E131BD5-385B-49BD-8145-D1363B41316F}"/>
+              </a:ext>
+            </a:extLst>
+          </p:cNvPr>
+          <p:cNvCxnSpPr>
+            <a:cxnSpLocks/>
+          </p:cNvCxnSpPr>
+          <p:nvPr/>
+        </p:nvCxnSpPr>
+        <p:spPr>
+          <a:xfrm>
+            <a:off x="7235981" y="3996340"/>
+            <a:ext cx="310100" cy="0"/>
+          </a:xfrm>
+          <a:prstGeom prst="line">
+            <a:avLst/>
+          </a:prstGeom>
+          <a:ln w="19050">
+            <a:solidFill>
+              <a:srgbClr val="7F7F7F"/>
+            </a:solidFill>
+          </a:ln>
+        </p:spPr>
+        <p:style>
+          <a:lnRef idx="1">
+            <a:schemeClr val="accent1"/>
+          </a:lnRef>
+          <a:fillRef idx="0">
+            <a:schemeClr val="accent1"/>
+          </a:fillRef>
+          <a:effectRef idx="0">
+            <a:schemeClr val="accent1"/>
+          </a:effectRef>
+          <a:fontRef idx="minor">
+            <a:schemeClr val="tx1"/>
+          </a:fontRef>
+        </p:style>
+      </p:cxnSp>
+      <p:grpSp>
+        <p:nvGrpSpPr>
+          <p:cNvPr id="48" name="그룹 47">
+            <a:extLst>
+              <a:ext uri="{FF2B5EF4-FFF2-40B4-BE49-F238E27FC236}">
+                <a16:creationId xmlns:a16="http://schemas.microsoft.com/office/drawing/2014/main" id="{84D24A1F-D5E3-44AD-A822-9A8E1F9FB89B}"/>
+              </a:ext>
+            </a:extLst>
+          </p:cNvPr>
+          <p:cNvGrpSpPr/>
+          <p:nvPr/>
+        </p:nvGrpSpPr>
+        <p:grpSpPr>
+          <a:xfrm>
+            <a:off x="6893031" y="3859825"/>
+            <a:ext cx="442004" cy="310100"/>
+            <a:chOff x="10244118" y="4922538"/>
+            <a:chExt cx="442004" cy="310100"/>
+          </a:xfrm>
+        </p:grpSpPr>
+        <p:sp>
+          <p:nvSpPr>
+            <p:cNvPr id="50" name="타원 49">
+              <a:extLst>
+                <a:ext uri="{FF2B5EF4-FFF2-40B4-BE49-F238E27FC236}">
+                  <a16:creationId xmlns:a16="http://schemas.microsoft.com/office/drawing/2014/main" id="{EB8423D5-FE54-45BD-B130-B4AE9A313649}"/>
+                </a:ext>
+              </a:extLst>
+            </p:cNvPr>
+            <p:cNvSpPr/>
+            <p:nvPr/>
+          </p:nvSpPr>
+          <p:spPr>
+            <a:xfrm>
+              <a:off x="10318620" y="4922538"/>
+              <a:ext cx="310100" cy="310100"/>
+            </a:xfrm>
+            <a:prstGeom prst="ellipse">
+              <a:avLst/>
+            </a:prstGeom>
+            <a:solidFill>
+              <a:srgbClr val="7F7F7F"/>
+            </a:solidFill>
+            <a:ln w="12700">
+              <a:solidFill>
+                <a:srgbClr val="7F7F7F"/>
+              </a:solidFill>
+            </a:ln>
+          </p:spPr>
+          <p:style>
+            <a:lnRef idx="2">
+              <a:schemeClr val="accent1">
+                <a:shade val="50000"/>
+              </a:schemeClr>
+            </a:lnRef>
+            <a:fillRef idx="1">
+              <a:schemeClr val="accent1"/>
+            </a:fillRef>
+            <a:effectRef idx="0">
+              <a:schemeClr val="accent1"/>
+            </a:effectRef>
+            <a:fontRef idx="minor">
+              <a:schemeClr val="lt1"/>
+            </a:fontRef>
+          </p:style>
+          <p:txBody>
+            <a:bodyPr/>
+            <a:lstStyle>
+              <a:lvl1pPr marL="0" indent="0">
+                <a:defRPr sz="1100">
+                  <a:solidFill>
+                    <a:schemeClr val="lt1"/>
+                  </a:solidFill>
+                  <a:latin typeface="+mn-lt"/>
+                  <a:ea typeface="+mn-ea"/>
+                  <a:cs typeface="+mn-cs"/>
+                </a:defRPr>
+              </a:lvl1pPr>
+              <a:lvl2pPr marL="457200" indent="0">
+                <a:defRPr sz="1100">
+                  <a:solidFill>
+                    <a:schemeClr val="lt1"/>
+                  </a:solidFill>
+                  <a:latin typeface="+mn-lt"/>
+                  <a:ea typeface="+mn-ea"/>
+                  <a:cs typeface="+mn-cs"/>
+                </a:defRPr>
+              </a:lvl2pPr>
+              <a:lvl3pPr marL="914400" indent="0">
+                <a:defRPr sz="1100">
+                  <a:solidFill>
+                    <a:schemeClr val="lt1"/>
+                  </a:solidFill>
+                  <a:latin typeface="+mn-lt"/>
+                  <a:ea typeface="+mn-ea"/>
+                  <a:cs typeface="+mn-cs"/>
+                </a:defRPr>
+              </a:lvl3pPr>
+              <a:lvl4pPr marL="1371600" indent="0">
+                <a:defRPr sz="1100">
+                  <a:solidFill>
+                    <a:schemeClr val="lt1"/>
+                  </a:solidFill>
+                  <a:latin typeface="+mn-lt"/>
+                  <a:ea typeface="+mn-ea"/>
+                  <a:cs typeface="+mn-cs"/>
+                </a:defRPr>
+              </a:lvl4pPr>
+              <a:lvl5pPr marL="1828800" indent="0">
+                <a:defRPr sz="1100">
+                  <a:solidFill>
+                    <a:schemeClr val="lt1"/>
+                  </a:solidFill>
+                  <a:latin typeface="+mn-lt"/>
+                  <a:ea typeface="+mn-ea"/>
+                  <a:cs typeface="+mn-cs"/>
+                </a:defRPr>
+              </a:lvl5pPr>
+              <a:lvl6pPr marL="2286000" indent="0">
+                <a:defRPr sz="1100">
+                  <a:solidFill>
+                    <a:schemeClr val="lt1"/>
+                  </a:solidFill>
+                  <a:latin typeface="+mn-lt"/>
+                  <a:ea typeface="+mn-ea"/>
+                  <a:cs typeface="+mn-cs"/>
+                </a:defRPr>
+              </a:lvl6pPr>
+              <a:lvl7pPr marL="2743200" indent="0">
+                <a:defRPr sz="1100">
+                  <a:solidFill>
+                    <a:schemeClr val="lt1"/>
+                  </a:solidFill>
+                  <a:latin typeface="+mn-lt"/>
+                  <a:ea typeface="+mn-ea"/>
+                  <a:cs typeface="+mn-cs"/>
+                </a:defRPr>
+              </a:lvl7pPr>
+              <a:lvl8pPr marL="3200400" indent="0">
+                <a:defRPr sz="1100">
+                  <a:solidFill>
+                    <a:schemeClr val="lt1"/>
+                  </a:solidFill>
+                  <a:latin typeface="+mn-lt"/>
+                  <a:ea typeface="+mn-ea"/>
+                  <a:cs typeface="+mn-cs"/>
+                </a:defRPr>
+              </a:lvl8pPr>
+              <a:lvl9pPr marL="3657600" indent="0">
+                <a:defRPr sz="1100">
+                  <a:solidFill>
+                    <a:schemeClr val="lt1"/>
+                  </a:solidFill>
+                  <a:latin typeface="+mn-lt"/>
+                  <a:ea typeface="+mn-ea"/>
+                  <a:cs typeface="+mn-cs"/>
+                </a:defRPr>
+              </a:lvl9pPr>
+            </a:lstStyle>
+            <a:p>
+              <a:endParaRPr lang="ko-KR"/>
+            </a:p>
+          </p:txBody>
+        </p:sp>
+        <p:sp>
+          <p:nvSpPr>
+            <p:cNvPr id="51" name="TextBox 50">
+              <a:extLst>
+                <a:ext uri="{FF2B5EF4-FFF2-40B4-BE49-F238E27FC236}">
+                  <a16:creationId xmlns:a16="http://schemas.microsoft.com/office/drawing/2014/main" id="{B9C31919-99F2-4FD7-A1C7-F221ABBC6E6B}"/>
+                </a:ext>
+              </a:extLst>
+            </p:cNvPr>
+            <p:cNvSpPr txBox="1"/>
+            <p:nvPr/>
+          </p:nvSpPr>
+          <p:spPr>
+            <a:xfrm>
+              <a:off x="10244118" y="4950630"/>
+              <a:ext cx="442004" cy="253916"/>
+            </a:xfrm>
+            <a:prstGeom prst="rect">
+              <a:avLst/>
+            </a:prstGeom>
+            <a:noFill/>
+          </p:spPr>
+          <p:txBody>
+            <a:bodyPr wrap="square" rtlCol="0">
+              <a:spAutoFit/>
+            </a:bodyPr>
+            <a:lstStyle/>
+            <a:p>
+              <a:pPr algn="ctr"/>
+              <a:r>
+                <a:rPr lang="en-US" altLang="ko-KR" sz="1050" b="1" dirty="0">
+                  <a:solidFill>
+                    <a:schemeClr val="bg1"/>
+                  </a:solidFill>
+                  <a:latin typeface="LG스마트체 Regular" panose="020B0600000101010101" pitchFamily="50" charset="-127"/>
+                  <a:ea typeface="LG스마트체 Regular" panose="020B0600000101010101" pitchFamily="50" charset="-127"/>
+                </a:rPr>
+                <a:t>2</a:t>
+              </a:r>
+              <a:r>
+                <a:rPr lang="ko-KR" altLang="en-US" sz="1050" b="1" dirty="0">
+                  <a:solidFill>
+                    <a:schemeClr val="bg1"/>
+                  </a:solidFill>
+                  <a:latin typeface="LG스마트체 Regular" panose="020B0600000101010101" pitchFamily="50" charset="-127"/>
+                  <a:ea typeface="LG스마트체 Regular" panose="020B0600000101010101" pitchFamily="50" charset="-127"/>
+                </a:rPr>
+                <a:t>위</a:t>
+              </a:r>
+            </a:p>
+          </p:txBody>
+        </p:sp>
+      </p:grpSp>
+      <p:sp>
+        <p:nvSpPr>
+          <p:cNvPr id="49" name="타원 48">
+            <a:extLst>
+              <a:ext uri="{FF2B5EF4-FFF2-40B4-BE49-F238E27FC236}">
+                <a16:creationId xmlns:a16="http://schemas.microsoft.com/office/drawing/2014/main" id="{996B6C5D-8E9B-4147-BB46-42F7C4FE4A46}"/>
+              </a:ext>
+            </a:extLst>
+          </p:cNvPr>
+          <p:cNvSpPr/>
+          <p:nvPr/>
+        </p:nvSpPr>
+        <p:spPr>
+          <a:xfrm>
+            <a:off x="7519554" y="3966386"/>
+            <a:ext cx="70473" cy="70473"/>
+          </a:xfrm>
+          <a:prstGeom prst="ellipse">
+            <a:avLst/>
+          </a:prstGeom>
+          <a:solidFill>
+            <a:schemeClr val="bg1"/>
+          </a:solidFill>
+          <a:ln w="12700">
+            <a:solidFill>
+              <a:srgbClr val="7F7F7F"/>
+            </a:solidFill>
+          </a:ln>
+        </p:spPr>
+        <p:style>
+          <a:lnRef idx="2">
+            <a:schemeClr val="accent1">
+              <a:shade val="50000"/>
+            </a:schemeClr>
+          </a:lnRef>
+          <a:fillRef idx="1">
+            <a:schemeClr val="accent1"/>
+          </a:fillRef>
+          <a:effectRef idx="0">
+            <a:schemeClr val="accent1"/>
+          </a:effectRef>
+          <a:fontRef idx="minor">
+            <a:schemeClr val="lt1"/>
+          </a:fontRef>
+        </p:style>
+        <p:txBody>
+          <a:bodyPr/>
+          <a:lstStyle>
+            <a:lvl1pPr marL="0" indent="0">
+              <a:defRPr sz="1100">
+                <a:solidFill>
+                  <a:schemeClr val="lt1"/>
+                </a:solidFill>
+                <a:latin typeface="+mn-lt"/>
+                <a:ea typeface="+mn-ea"/>
+                <a:cs typeface="+mn-cs"/>
+              </a:defRPr>
+            </a:lvl1pPr>
+            <a:lvl2pPr marL="457200" indent="0">
+              <a:defRPr sz="1100">
+                <a:solidFill>
+                  <a:schemeClr val="lt1"/>
+                </a:solidFill>
+                <a:latin typeface="+mn-lt"/>
+                <a:ea typeface="+mn-ea"/>
+                <a:cs typeface="+mn-cs"/>
+              </a:defRPr>
+            </a:lvl2pPr>
+            <a:lvl3pPr marL="914400" indent="0">
+              <a:defRPr sz="1100">
+                <a:solidFill>
+                  <a:schemeClr val="lt1"/>
+                </a:solidFill>
+                <a:latin typeface="+mn-lt"/>
+                <a:ea typeface="+mn-ea"/>
+                <a:cs typeface="+mn-cs"/>
+              </a:defRPr>
+            </a:lvl3pPr>
+            <a:lvl4pPr marL="1371600" indent="0">
+              <a:defRPr sz="1100">
+                <a:solidFill>
+                  <a:schemeClr val="lt1"/>
+                </a:solidFill>
+                <a:latin typeface="+mn-lt"/>
+                <a:ea typeface="+mn-ea"/>
+                <a:cs typeface="+mn-cs"/>
+              </a:defRPr>
+            </a:lvl4pPr>
+            <a:lvl5pPr marL="1828800" indent="0">
+              <a:defRPr sz="1100">
+                <a:solidFill>
+                  <a:schemeClr val="lt1"/>
+                </a:solidFill>
+                <a:latin typeface="+mn-lt"/>
+                <a:ea typeface="+mn-ea"/>
+                <a:cs typeface="+mn-cs"/>
+              </a:defRPr>
+            </a:lvl5pPr>
+            <a:lvl6pPr marL="2286000" indent="0">
+              <a:defRPr sz="1100">
+                <a:solidFill>
+                  <a:schemeClr val="lt1"/>
+                </a:solidFill>
+                <a:latin typeface="+mn-lt"/>
+                <a:ea typeface="+mn-ea"/>
+                <a:cs typeface="+mn-cs"/>
+              </a:defRPr>
+            </a:lvl6pPr>
+            <a:lvl7pPr marL="2743200" indent="0">
+              <a:defRPr sz="1100">
+                <a:solidFill>
+                  <a:schemeClr val="lt1"/>
+                </a:solidFill>
+                <a:latin typeface="+mn-lt"/>
+                <a:ea typeface="+mn-ea"/>
+                <a:cs typeface="+mn-cs"/>
+              </a:defRPr>
+            </a:lvl7pPr>
+            <a:lvl8pPr marL="3200400" indent="0">
+              <a:defRPr sz="1100">
+                <a:solidFill>
+                  <a:schemeClr val="lt1"/>
+                </a:solidFill>
+                <a:latin typeface="+mn-lt"/>
+                <a:ea typeface="+mn-ea"/>
+                <a:cs typeface="+mn-cs"/>
+              </a:defRPr>
+            </a:lvl8pPr>
+            <a:lvl9pPr marL="3657600" indent="0">
+              <a:defRPr sz="1100">
+                <a:solidFill>
+                  <a:schemeClr val="lt1"/>
+                </a:solidFill>
+                <a:latin typeface="+mn-lt"/>
+                <a:ea typeface="+mn-ea"/>
+                <a:cs typeface="+mn-cs"/>
+              </a:defRPr>
+            </a:lvl9pPr>
+          </a:lstStyle>
+          <a:p>
+            <a:endParaRPr lang="ko-KR"/>
+          </a:p>
+        </p:txBody>
+      </p:sp>
+      <p:sp>
+        <p:nvSpPr>
+          <p:cNvPr id="52" name="TextBox 51">
+            <a:extLst>
+              <a:ext uri="{FF2B5EF4-FFF2-40B4-BE49-F238E27FC236}">
+                <a16:creationId xmlns:a16="http://schemas.microsoft.com/office/drawing/2014/main" id="{8B041410-F1C0-4FB2-A255-2AEDB40CE2D6}"/>
+              </a:ext>
+            </a:extLst>
+          </p:cNvPr>
+          <p:cNvSpPr txBox="1"/>
+          <p:nvPr/>
+        </p:nvSpPr>
+        <p:spPr>
+          <a:xfrm>
+            <a:off x="6759600" y="4174288"/>
+            <a:ext cx="718376" cy="307777"/>
+          </a:xfrm>
+          <a:prstGeom prst="rect">
+            <a:avLst/>
+          </a:prstGeom>
+          <a:noFill/>
+        </p:spPr>
+        <p:txBody>
+          <a:bodyPr wrap="square" rtlCol="0">
+            <a:spAutoFit/>
+          </a:bodyPr>
+          <a:lstStyle/>
+          <a:p>
+            <a:pPr algn="ctr"/>
+            <a:r>
+              <a:rPr lang="en-US" altLang="ko-KR" sz="1400" b="1" dirty="0">
+                <a:latin typeface="LG스마트체 Regular" panose="020B0600000101010101" pitchFamily="50" charset="-127"/>
+                <a:ea typeface="LG스마트체 Regular" panose="020B0600000101010101" pitchFamily="50" charset="-127"/>
+              </a:rPr>
+              <a:t>30</a:t>
+            </a:r>
+            <a:r>
+              <a:rPr lang="ko-KR" altLang="en-US" sz="1400" b="1" dirty="0">
+                <a:latin typeface="LG스마트체 Regular" panose="020B0600000101010101" pitchFamily="50" charset="-127"/>
+                <a:ea typeface="LG스마트체 Regular" panose="020B0600000101010101" pitchFamily="50" charset="-127"/>
+              </a:rPr>
+              <a:t>대</a:t>
+            </a:r>
           </a:p>
         </p:txBody>
       </p:sp>
@@ -4648,4 +9913,290 @@
     </a:ext>
   </a:extLst>
 </a:theme>
+</file>
+
+<file path=ppt/theme/themeOverride1.xml><?xml version="1.0" encoding="utf-8"?>
+<a:themeOverride xmlns:a="http://schemas.openxmlformats.org/drawingml/2006/main">
+  <a:clrScheme name="Office">
+    <a:dk1>
+      <a:sysClr val="windowText" lastClr="000000"/>
+    </a:dk1>
+    <a:lt1>
+      <a:sysClr val="window" lastClr="FFFFFF"/>
+    </a:lt1>
+    <a:dk2>
+      <a:srgbClr val="44546A"/>
+    </a:dk2>
+    <a:lt2>
+      <a:srgbClr val="E7E6E6"/>
+    </a:lt2>
+    <a:accent1>
+      <a:srgbClr val="4472C4"/>
+    </a:accent1>
+    <a:accent2>
+      <a:srgbClr val="ED7D31"/>
+    </a:accent2>
+    <a:accent3>
+      <a:srgbClr val="A5A5A5"/>
+    </a:accent3>
+    <a:accent4>
+      <a:srgbClr val="FFC000"/>
+    </a:accent4>
+    <a:accent5>
+      <a:srgbClr val="5B9BD5"/>
+    </a:accent5>
+    <a:accent6>
+      <a:srgbClr val="70AD47"/>
+    </a:accent6>
+    <a:hlink>
+      <a:srgbClr val="0563C1"/>
+    </a:hlink>
+    <a:folHlink>
+      <a:srgbClr val="954F72"/>
+    </a:folHlink>
+  </a:clrScheme>
+  <a:fontScheme name="Office">
+    <a:majorFont>
+      <a:latin typeface="Calibri Light" panose="020F0302020204030204"/>
+      <a:ea typeface=""/>
+      <a:cs typeface=""/>
+      <a:font script="Jpan" typeface="游ゴシック Light"/>
+      <a:font script="Hang" typeface="맑은 고딕"/>
+      <a:font script="Hans" typeface="等线 Light"/>
+      <a:font script="Hant" typeface="新細明體"/>
+      <a:font script="Arab" typeface="Times New Roman"/>
+      <a:font script="Hebr" typeface="Times New Roman"/>
+      <a:font script="Thai" typeface="Tahoma"/>
+      <a:font script="Ethi" typeface="Nyala"/>
+      <a:font script="Beng" typeface="Vrinda"/>
+      <a:font script="Gujr" typeface="Shruti"/>
+      <a:font script="Khmr" typeface="MoolBoran"/>
+      <a:font script="Knda" typeface="Tunga"/>
+      <a:font script="Guru" typeface="Raavi"/>
+      <a:font script="Cans" typeface="Euphemia"/>
+      <a:font script="Cher" typeface="Plantagenet Cherokee"/>
+      <a:font script="Yiii" typeface="Microsoft Yi Baiti"/>
+      <a:font script="Tibt" typeface="Microsoft Himalaya"/>
+      <a:font script="Thaa" typeface="MV Boli"/>
+      <a:font script="Deva" typeface="Mangal"/>
+      <a:font script="Telu" typeface="Gautami"/>
+      <a:font script="Taml" typeface="Latha"/>
+      <a:font script="Syrc" typeface="Estrangelo Edessa"/>
+      <a:font script="Orya" typeface="Kalinga"/>
+      <a:font script="Mlym" typeface="Kartika"/>
+      <a:font script="Laoo" typeface="DokChampa"/>
+      <a:font script="Sinh" typeface="Iskoola Pota"/>
+      <a:font script="Mong" typeface="Mongolian Baiti"/>
+      <a:font script="Viet" typeface="Times New Roman"/>
+      <a:font script="Uigh" typeface="Microsoft Uighur"/>
+      <a:font script="Geor" typeface="Sylfaen"/>
+      <a:font script="Armn" typeface="Arial"/>
+      <a:font script="Bugi" typeface="Leelawadee UI"/>
+      <a:font script="Bopo" typeface="Microsoft JhengHei"/>
+      <a:font script="Java" typeface="Javanese Text"/>
+      <a:font script="Lisu" typeface="Segoe UI"/>
+      <a:font script="Mymr" typeface="Myanmar Text"/>
+      <a:font script="Nkoo" typeface="Ebrima"/>
+      <a:font script="Olck" typeface="Nirmala UI"/>
+      <a:font script="Osma" typeface="Ebrima"/>
+      <a:font script="Phag" typeface="Phagspa"/>
+      <a:font script="Syrn" typeface="Estrangelo Edessa"/>
+      <a:font script="Syrj" typeface="Estrangelo Edessa"/>
+      <a:font script="Syre" typeface="Estrangelo Edessa"/>
+      <a:font script="Sora" typeface="Nirmala UI"/>
+      <a:font script="Tale" typeface="Microsoft Tai Le"/>
+      <a:font script="Talu" typeface="Microsoft New Tai Lue"/>
+      <a:font script="Tfng" typeface="Ebrima"/>
+    </a:majorFont>
+    <a:minorFont>
+      <a:latin typeface="Calibri" panose="020F0502020204030204"/>
+      <a:ea typeface=""/>
+      <a:cs typeface=""/>
+      <a:font script="Jpan" typeface="游ゴシック"/>
+      <a:font script="Hang" typeface="맑은 고딕"/>
+      <a:font script="Hans" typeface="等线"/>
+      <a:font script="Hant" typeface="新細明體"/>
+      <a:font script="Arab" typeface="Arial"/>
+      <a:font script="Hebr" typeface="Arial"/>
+      <a:font script="Thai" typeface="Tahoma"/>
+      <a:font script="Ethi" typeface="Nyala"/>
+      <a:font script="Beng" typeface="Vrinda"/>
+      <a:font script="Gujr" typeface="Shruti"/>
+      <a:font script="Khmr" typeface="DaunPenh"/>
+      <a:font script="Knda" typeface="Tunga"/>
+      <a:font script="Guru" typeface="Raavi"/>
+      <a:font script="Cans" typeface="Euphemia"/>
+      <a:font script="Cher" typeface="Plantagenet Cherokee"/>
+      <a:font script="Yiii" typeface="Microsoft Yi Baiti"/>
+      <a:font script="Tibt" typeface="Microsoft Himalaya"/>
+      <a:font script="Thaa" typeface="MV Boli"/>
+      <a:font script="Deva" typeface="Mangal"/>
+      <a:font script="Telu" typeface="Gautami"/>
+      <a:font script="Taml" typeface="Latha"/>
+      <a:font script="Syrc" typeface="Estrangelo Edessa"/>
+      <a:font script="Orya" typeface="Kalinga"/>
+      <a:font script="Mlym" typeface="Kartika"/>
+      <a:font script="Laoo" typeface="DokChampa"/>
+      <a:font script="Sinh" typeface="Iskoola Pota"/>
+      <a:font script="Mong" typeface="Mongolian Baiti"/>
+      <a:font script="Viet" typeface="Arial"/>
+      <a:font script="Uigh" typeface="Microsoft Uighur"/>
+      <a:font script="Geor" typeface="Sylfaen"/>
+      <a:font script="Armn" typeface="Arial"/>
+      <a:font script="Bugi" typeface="Leelawadee UI"/>
+      <a:font script="Bopo" typeface="Microsoft JhengHei"/>
+      <a:font script="Java" typeface="Javanese Text"/>
+      <a:font script="Lisu" typeface="Segoe UI"/>
+      <a:font script="Mymr" typeface="Myanmar Text"/>
+      <a:font script="Nkoo" typeface="Ebrima"/>
+      <a:font script="Olck" typeface="Nirmala UI"/>
+      <a:font script="Osma" typeface="Ebrima"/>
+      <a:font script="Phag" typeface="Phagspa"/>
+      <a:font script="Syrn" typeface="Estrangelo Edessa"/>
+      <a:font script="Syrj" typeface="Estrangelo Edessa"/>
+      <a:font script="Syre" typeface="Estrangelo Edessa"/>
+      <a:font script="Sora" typeface="Nirmala UI"/>
+      <a:font script="Tale" typeface="Microsoft Tai Le"/>
+      <a:font script="Talu" typeface="Microsoft New Tai Lue"/>
+      <a:font script="Tfng" typeface="Ebrima"/>
+    </a:minorFont>
+  </a:fontScheme>
+  <a:fmtScheme name="Office">
+    <a:fillStyleLst>
+      <a:solidFill>
+        <a:schemeClr val="phClr"/>
+      </a:solidFill>
+      <a:gradFill rotWithShape="1">
+        <a:gsLst>
+          <a:gs pos="0">
+            <a:schemeClr val="phClr">
+              <a:lumMod val="110000"/>
+              <a:satMod val="105000"/>
+              <a:tint val="67000"/>
+            </a:schemeClr>
+          </a:gs>
+          <a:gs pos="50000">
+            <a:schemeClr val="phClr">
+              <a:lumMod val="105000"/>
+              <a:satMod val="103000"/>
+              <a:tint val="73000"/>
+            </a:schemeClr>
+          </a:gs>
+          <a:gs pos="100000">
+            <a:schemeClr val="phClr">
+              <a:lumMod val="105000"/>
+              <a:satMod val="109000"/>
+              <a:tint val="81000"/>
+            </a:schemeClr>
+          </a:gs>
+        </a:gsLst>
+        <a:lin ang="5400000" scaled="0"/>
+      </a:gradFill>
+      <a:gradFill rotWithShape="1">
+        <a:gsLst>
+          <a:gs pos="0">
+            <a:schemeClr val="phClr">
+              <a:satMod val="103000"/>
+              <a:lumMod val="102000"/>
+              <a:tint val="94000"/>
+            </a:schemeClr>
+          </a:gs>
+          <a:gs pos="50000">
+            <a:schemeClr val="phClr">
+              <a:satMod val="110000"/>
+              <a:lumMod val="100000"/>
+              <a:shade val="100000"/>
+            </a:schemeClr>
+          </a:gs>
+          <a:gs pos="100000">
+            <a:schemeClr val="phClr">
+              <a:lumMod val="99000"/>
+              <a:satMod val="120000"/>
+              <a:shade val="78000"/>
+            </a:schemeClr>
+          </a:gs>
+        </a:gsLst>
+        <a:lin ang="5400000" scaled="0"/>
+      </a:gradFill>
+    </a:fillStyleLst>
+    <a:lnStyleLst>
+      <a:ln w="6350" cap="flat" cmpd="sng" algn="ctr">
+        <a:solidFill>
+          <a:schemeClr val="phClr"/>
+        </a:solidFill>
+        <a:prstDash val="solid"/>
+        <a:miter lim="800000"/>
+      </a:ln>
+      <a:ln w="12700" cap="flat" cmpd="sng" algn="ctr">
+        <a:solidFill>
+          <a:schemeClr val="phClr"/>
+        </a:solidFill>
+        <a:prstDash val="solid"/>
+        <a:miter lim="800000"/>
+      </a:ln>
+      <a:ln w="19050" cap="flat" cmpd="sng" algn="ctr">
+        <a:solidFill>
+          <a:schemeClr val="phClr"/>
+        </a:solidFill>
+        <a:prstDash val="solid"/>
+        <a:miter lim="800000"/>
+      </a:ln>
+    </a:lnStyleLst>
+    <a:effectStyleLst>
+      <a:effectStyle>
+        <a:effectLst/>
+      </a:effectStyle>
+      <a:effectStyle>
+        <a:effectLst/>
+      </a:effectStyle>
+      <a:effectStyle>
+        <a:effectLst>
+          <a:outerShdw blurRad="57150" dist="19050" dir="5400000" algn="ctr" rotWithShape="0">
+            <a:srgbClr val="000000">
+              <a:alpha val="63000"/>
+            </a:srgbClr>
+          </a:outerShdw>
+        </a:effectLst>
+      </a:effectStyle>
+    </a:effectStyleLst>
+    <a:bgFillStyleLst>
+      <a:solidFill>
+        <a:schemeClr val="phClr"/>
+      </a:solidFill>
+      <a:solidFill>
+        <a:schemeClr val="phClr">
+          <a:tint val="95000"/>
+          <a:satMod val="170000"/>
+        </a:schemeClr>
+      </a:solidFill>
+      <a:gradFill rotWithShape="1">
+        <a:gsLst>
+          <a:gs pos="0">
+            <a:schemeClr val="phClr">
+              <a:tint val="93000"/>
+              <a:satMod val="150000"/>
+              <a:shade val="98000"/>
+              <a:lumMod val="102000"/>
+            </a:schemeClr>
+          </a:gs>
+          <a:gs pos="50000">
+            <a:schemeClr val="phClr">
+              <a:tint val="98000"/>
+              <a:satMod val="130000"/>
+              <a:shade val="90000"/>
+              <a:lumMod val="103000"/>
+            </a:schemeClr>
+          </a:gs>
+          <a:gs pos="100000">
+            <a:schemeClr val="phClr">
+              <a:shade val="63000"/>
+              <a:satMod val="120000"/>
+            </a:schemeClr>
+          </a:gs>
+        </a:gsLst>
+        <a:lin ang="5400000" scaled="0"/>
+      </a:gradFill>
+    </a:bgFillStyleLst>
+  </a:fmtScheme>
+</a:themeOverride>
 </file>